--- a/PythonWeb/Virtual environment.pptx
+++ b/PythonWeb/Virtual environment.pptx
@@ -6,6 +6,11 @@
   </p:sldMasterIdLst>
   <p:sldIdLst>
     <p:sldId id="256" r:id="rId2"/>
+    <p:sldId id="257" r:id="rId3"/>
+    <p:sldId id="258" r:id="rId4"/>
+    <p:sldId id="259" r:id="rId5"/>
+    <p:sldId id="260" r:id="rId6"/>
+    <p:sldId id="261" r:id="rId7"/>
   </p:sldIdLst>
   <p:sldSz cx="12192000" cy="6858000"/>
   <p:notesSz cx="6858000" cy="9144000"/>
@@ -123,6 +128,18 @@
 </p:presentation>
 </file>
 
+<file path=ppt/commentAuthors.xml><?xml version="1.0" encoding="utf-8"?>
+<p:cmAuthorLst xmlns:a="http://schemas.openxmlformats.org/drawingml/2006/main" xmlns:r="http://schemas.openxmlformats.org/officeDocument/2006/relationships" xmlns:p="http://schemas.openxmlformats.org/presentationml/2006/main">
+  <p:cmAuthor id="1" name="JINI" initials="J" lastIdx="1" clrIdx="0">
+    <p:extLst>
+      <p:ext uri="{19B8F6BF-5375-455C-9EA6-DF929625EA0E}">
+        <p15:presenceInfo xmlns:p15="http://schemas.microsoft.com/office/powerpoint/2012/main" userId="JINI" providerId="None"/>
+      </p:ext>
+    </p:extLst>
+  </p:cmAuthor>
+</p:cmAuthorLst>
+</file>
+
 <file path=ppt/slideLayouts/slideLayout1.xml><?xml version="1.0" encoding="utf-8"?>
 <p:sldLayout xmlns:a="http://schemas.openxmlformats.org/drawingml/2006/main" xmlns:r="http://schemas.openxmlformats.org/officeDocument/2006/relationships" xmlns:p="http://schemas.openxmlformats.org/presentationml/2006/main" type="title" preserve="1">
   <p:cSld name="Title Slide">
@@ -270,7 +287,7 @@
           <a:p>
             <a:fld id="{C896BB7D-3E44-45BB-BAC5-956A3A869278}" type="datetimeFigureOut">
               <a:rPr lang="en-US" smtClean="0"/>
-              <a:t>9/9/2020</a:t>
+              <a:t>10/8/2020</a:t>
             </a:fld>
             <a:endParaRPr lang="en-US"/>
           </a:p>
@@ -468,7 +485,7 @@
           <a:p>
             <a:fld id="{C896BB7D-3E44-45BB-BAC5-956A3A869278}" type="datetimeFigureOut">
               <a:rPr lang="en-US" smtClean="0"/>
-              <a:t>9/9/2020</a:t>
+              <a:t>10/8/2020</a:t>
             </a:fld>
             <a:endParaRPr lang="en-US"/>
           </a:p>
@@ -676,7 +693,7 @@
           <a:p>
             <a:fld id="{C896BB7D-3E44-45BB-BAC5-956A3A869278}" type="datetimeFigureOut">
               <a:rPr lang="en-US" smtClean="0"/>
-              <a:t>9/9/2020</a:t>
+              <a:t>10/8/2020</a:t>
             </a:fld>
             <a:endParaRPr lang="en-US"/>
           </a:p>
@@ -874,7 +891,7 @@
           <a:p>
             <a:fld id="{C896BB7D-3E44-45BB-BAC5-956A3A869278}" type="datetimeFigureOut">
               <a:rPr lang="en-US" smtClean="0"/>
-              <a:t>9/9/2020</a:t>
+              <a:t>10/8/2020</a:t>
             </a:fld>
             <a:endParaRPr lang="en-US"/>
           </a:p>
@@ -1149,7 +1166,7 @@
           <a:p>
             <a:fld id="{C896BB7D-3E44-45BB-BAC5-956A3A869278}" type="datetimeFigureOut">
               <a:rPr lang="en-US" smtClean="0"/>
-              <a:t>9/9/2020</a:t>
+              <a:t>10/8/2020</a:t>
             </a:fld>
             <a:endParaRPr lang="en-US"/>
           </a:p>
@@ -1414,7 +1431,7 @@
           <a:p>
             <a:fld id="{C896BB7D-3E44-45BB-BAC5-956A3A869278}" type="datetimeFigureOut">
               <a:rPr lang="en-US" smtClean="0"/>
-              <a:t>9/9/2020</a:t>
+              <a:t>10/8/2020</a:t>
             </a:fld>
             <a:endParaRPr lang="en-US"/>
           </a:p>
@@ -1826,7 +1843,7 @@
           <a:p>
             <a:fld id="{C896BB7D-3E44-45BB-BAC5-956A3A869278}" type="datetimeFigureOut">
               <a:rPr lang="en-US" smtClean="0"/>
-              <a:t>9/9/2020</a:t>
+              <a:t>10/8/2020</a:t>
             </a:fld>
             <a:endParaRPr lang="en-US"/>
           </a:p>
@@ -1967,7 +1984,7 @@
           <a:p>
             <a:fld id="{C896BB7D-3E44-45BB-BAC5-956A3A869278}" type="datetimeFigureOut">
               <a:rPr lang="en-US" smtClean="0"/>
-              <a:t>9/9/2020</a:t>
+              <a:t>10/8/2020</a:t>
             </a:fld>
             <a:endParaRPr lang="en-US"/>
           </a:p>
@@ -2080,7 +2097,7 @@
           <a:p>
             <a:fld id="{C896BB7D-3E44-45BB-BAC5-956A3A869278}" type="datetimeFigureOut">
               <a:rPr lang="en-US" smtClean="0"/>
-              <a:t>9/9/2020</a:t>
+              <a:t>10/8/2020</a:t>
             </a:fld>
             <a:endParaRPr lang="en-US"/>
           </a:p>
@@ -2391,7 +2408,7 @@
           <a:p>
             <a:fld id="{C896BB7D-3E44-45BB-BAC5-956A3A869278}" type="datetimeFigureOut">
               <a:rPr lang="en-US" smtClean="0"/>
-              <a:t>9/9/2020</a:t>
+              <a:t>10/8/2020</a:t>
             </a:fld>
             <a:endParaRPr lang="en-US"/>
           </a:p>
@@ -2679,7 +2696,7 @@
           <a:p>
             <a:fld id="{C896BB7D-3E44-45BB-BAC5-956A3A869278}" type="datetimeFigureOut">
               <a:rPr lang="en-US" smtClean="0"/>
-              <a:t>9/9/2020</a:t>
+              <a:t>10/8/2020</a:t>
             </a:fld>
             <a:endParaRPr lang="en-US"/>
           </a:p>
@@ -2920,7 +2937,7 @@
           <a:p>
             <a:fld id="{C896BB7D-3E44-45BB-BAC5-956A3A869278}" type="datetimeFigureOut">
               <a:rPr lang="en-US" smtClean="0"/>
-              <a:t>9/9/2020</a:t>
+              <a:t>10/8/2020</a:t>
             </a:fld>
             <a:endParaRPr lang="en-US"/>
           </a:p>
@@ -3351,7 +3368,7 @@
         </p:nvSpPr>
         <p:spPr>
           <a:xfrm>
-            <a:off x="2697017" y="2025738"/>
+            <a:off x="2633517" y="2457675"/>
             <a:ext cx="7435273" cy="2645365"/>
           </a:xfrm>
           <a:prstGeom prst="rect">
@@ -3434,10 +3451,10 @@
               <a:t> </a:t>
             </a:r>
             <a:r>
-              <a:rPr lang="en-US" sz="1200" dirty="0" err="1"/>
+              <a:rPr lang="en-US" sz="1200" i="1" dirty="0" err="1"/>
               <a:t>mysite</a:t>
             </a:r>
-            <a:endParaRPr lang="en-US" sz="1200" dirty="0"/>
+            <a:endParaRPr lang="en-US" sz="1200" i="1" dirty="0"/>
           </a:p>
         </p:txBody>
       </p:sp>
@@ -3531,7 +3548,7 @@
         </p:nvSpPr>
         <p:spPr>
           <a:xfrm>
-            <a:off x="2697018" y="4868667"/>
+            <a:off x="2479037" y="1477962"/>
             <a:ext cx="2687782" cy="276999"/>
           </a:xfrm>
           <a:prstGeom prst="rect">
@@ -3549,7 +3566,15 @@
           <a:p>
             <a:r>
               <a:rPr lang="en-US" sz="1200" dirty="0"/>
-              <a:t>C:\venvs\mysite\Scripts\activate</a:t>
+              <a:t>C:\venvs\</a:t>
+            </a:r>
+            <a:r>
+              <a:rPr lang="en-US" sz="1200" i="1" dirty="0"/>
+              <a:t>mysite</a:t>
+            </a:r>
+            <a:r>
+              <a:rPr lang="en-US" sz="1200" dirty="0"/>
+              <a:t>\Scripts\activate.bat</a:t>
             </a:r>
           </a:p>
         </p:txBody>
@@ -3568,7 +3593,7 @@
         </p:nvSpPr>
         <p:spPr>
           <a:xfrm>
-            <a:off x="2724726" y="2306042"/>
+            <a:off x="2661226" y="2737979"/>
             <a:ext cx="1385455" cy="276999"/>
           </a:xfrm>
           <a:prstGeom prst="rect">
@@ -3610,8 +3635,8 @@
         </p:nvSpPr>
         <p:spPr>
           <a:xfrm>
-            <a:off x="4239490" y="2325547"/>
-            <a:ext cx="1385455" cy="276999"/>
+            <a:off x="4175990" y="2757485"/>
+            <a:ext cx="2224810" cy="276999"/>
           </a:xfrm>
           <a:prstGeom prst="rect">
             <a:avLst/>
@@ -3626,7 +3651,7 @@
           <a:p>
             <a:r>
               <a:rPr lang="en-US" sz="1200" dirty="0"/>
-              <a:t>Confirm: pip freeze</a:t>
+              <a:t>Confirm: pip freeze: compare</a:t>
             </a:r>
           </a:p>
         </p:txBody>
@@ -3645,7 +3670,7 @@
         </p:nvSpPr>
         <p:spPr>
           <a:xfrm rot="12939891">
-            <a:off x="3408376" y="4361057"/>
+            <a:off x="3344876" y="4792994"/>
             <a:ext cx="212436" cy="464931"/>
           </a:xfrm>
           <a:prstGeom prst="downArrow">
@@ -3724,7 +3749,7 @@
         </p:nvSpPr>
         <p:spPr>
           <a:xfrm>
-            <a:off x="2697018" y="5351043"/>
+            <a:off x="2585024" y="5499082"/>
             <a:ext cx="2687782" cy="321495"/>
           </a:xfrm>
           <a:prstGeom prst="rect">
@@ -3777,7 +3802,7 @@
         </p:nvSpPr>
         <p:spPr>
           <a:xfrm>
-            <a:off x="1694871" y="5351043"/>
+            <a:off x="1582877" y="5499082"/>
             <a:ext cx="785091" cy="276999"/>
           </a:xfrm>
           <a:prstGeom prst="rect">
@@ -3812,7 +3837,7 @@
         </p:nvSpPr>
         <p:spPr>
           <a:xfrm>
-            <a:off x="1052944" y="1965978"/>
+            <a:off x="989444" y="2397915"/>
             <a:ext cx="1819565" cy="276999"/>
           </a:xfrm>
           <a:prstGeom prst="rect">
@@ -3847,7 +3872,7 @@
         </p:nvSpPr>
         <p:spPr>
           <a:xfrm>
-            <a:off x="3390066" y="3012918"/>
+            <a:off x="3326566" y="3444855"/>
             <a:ext cx="6093371" cy="1329810"/>
           </a:xfrm>
           <a:prstGeom prst="rect">
@@ -3884,7 +3909,7 @@
               <a:t>Create Project folder: “projects/</a:t>
             </a:r>
             <a:r>
-              <a:rPr lang="en-US" sz="1200" dirty="0" err="1"/>
+              <a:rPr lang="en-US" sz="1200" i="1" dirty="0" err="1"/>
               <a:t>mysite</a:t>
             </a:r>
             <a:r>
@@ -3908,7 +3933,7 @@
         </p:nvSpPr>
         <p:spPr>
           <a:xfrm>
-            <a:off x="3390066" y="3411123"/>
+            <a:off x="3326566" y="3843060"/>
             <a:ext cx="2872511" cy="276999"/>
           </a:xfrm>
           <a:prstGeom prst="rect">
@@ -3973,7 +3998,7 @@
         </p:nvSpPr>
         <p:spPr>
           <a:xfrm>
-            <a:off x="2708563" y="2735919"/>
+            <a:off x="2645063" y="3167856"/>
             <a:ext cx="1861128" cy="276999"/>
           </a:xfrm>
           <a:prstGeom prst="rect">
@@ -4008,7 +4033,7 @@
         </p:nvSpPr>
         <p:spPr>
           <a:xfrm>
-            <a:off x="10867495" y="3690298"/>
+            <a:off x="10803995" y="4122235"/>
             <a:ext cx="212436" cy="464931"/>
           </a:xfrm>
           <a:prstGeom prst="downArrow">
@@ -4052,7 +4077,7 @@
         </p:nvSpPr>
         <p:spPr>
           <a:xfrm>
-            <a:off x="10330872" y="3290500"/>
+            <a:off x="10291215" y="3507303"/>
             <a:ext cx="1861128" cy="276999"/>
           </a:xfrm>
           <a:prstGeom prst="rect">
@@ -4087,7 +4112,7 @@
         </p:nvSpPr>
         <p:spPr>
           <a:xfrm rot="12939891">
-            <a:off x="10092714" y="3421641"/>
+            <a:off x="10029214" y="3853578"/>
             <a:ext cx="212436" cy="464931"/>
           </a:xfrm>
           <a:prstGeom prst="downArrow">
@@ -4131,7 +4156,7 @@
         </p:nvSpPr>
         <p:spPr>
           <a:xfrm>
-            <a:off x="10330872" y="4212657"/>
+            <a:off x="10267372" y="4644594"/>
             <a:ext cx="1514766" cy="276999"/>
           </a:xfrm>
           <a:prstGeom prst="rect">
@@ -4166,7 +4191,7 @@
         </p:nvSpPr>
         <p:spPr>
           <a:xfrm>
-            <a:off x="4147128" y="2763855"/>
+            <a:off x="4083628" y="3195792"/>
             <a:ext cx="1477817" cy="276999"/>
           </a:xfrm>
           <a:prstGeom prst="rect">
@@ -4205,7 +4230,7 @@
         </p:nvSpPr>
         <p:spPr>
           <a:xfrm>
-            <a:off x="5712691" y="3493496"/>
+            <a:off x="5649191" y="3925433"/>
             <a:ext cx="1231389" cy="719161"/>
           </a:xfrm>
           <a:prstGeom prst="rect">
@@ -4258,7 +4283,7 @@
         </p:nvSpPr>
         <p:spPr>
           <a:xfrm>
-            <a:off x="6321648" y="3379705"/>
+            <a:off x="6258148" y="3811642"/>
             <a:ext cx="1231389" cy="719161"/>
           </a:xfrm>
           <a:prstGeom prst="rect">
@@ -4311,7 +4336,7 @@
         </p:nvSpPr>
         <p:spPr>
           <a:xfrm>
-            <a:off x="6960110" y="3265914"/>
+            <a:off x="6896610" y="3697851"/>
             <a:ext cx="1231389" cy="719161"/>
           </a:xfrm>
           <a:prstGeom prst="rect">
@@ -4364,7 +4389,7 @@
         </p:nvSpPr>
         <p:spPr>
           <a:xfrm>
-            <a:off x="7195130" y="2989805"/>
+            <a:off x="7131630" y="3421742"/>
             <a:ext cx="1231390" cy="276109"/>
           </a:xfrm>
           <a:prstGeom prst="rect">
@@ -4403,7 +4428,7 @@
         </p:nvSpPr>
         <p:spPr>
           <a:xfrm>
-            <a:off x="7098468" y="3429000"/>
+            <a:off x="7034968" y="3860937"/>
             <a:ext cx="2872511" cy="276999"/>
           </a:xfrm>
           <a:prstGeom prst="rect">
@@ -4452,14 +4477,14 @@
               <a:t> </a:t>
             </a:r>
             <a:r>
-              <a:rPr lang="en-US" sz="1200" dirty="0" err="1">
+              <a:rPr lang="en-US" sz="1200" i="1" dirty="0" err="1">
                 <a:solidFill>
                   <a:srgbClr val="0070C0"/>
                 </a:solidFill>
               </a:rPr>
               <a:t>appName</a:t>
             </a:r>
-            <a:endParaRPr lang="en-US" sz="1200" dirty="0">
+            <a:endParaRPr lang="en-US" sz="1200" i="1" dirty="0">
               <a:solidFill>
                 <a:srgbClr val="0070C0"/>
               </a:solidFill>
@@ -4481,7 +4506,7 @@
         </p:nvSpPr>
         <p:spPr>
           <a:xfrm>
-            <a:off x="7819606" y="3739285"/>
+            <a:off x="7756106" y="4171222"/>
             <a:ext cx="2124363" cy="277000"/>
           </a:xfrm>
           <a:prstGeom prst="rect">
@@ -4537,7 +4562,7 @@
         </p:nvSpPr>
         <p:spPr>
           <a:xfrm>
-            <a:off x="3685737" y="3722044"/>
+            <a:off x="3622237" y="4153981"/>
             <a:ext cx="1231389" cy="276999"/>
           </a:xfrm>
           <a:prstGeom prst="rect">
@@ -4575,7 +4600,7 @@
         </p:nvCxnSpPr>
         <p:spPr>
           <a:xfrm flipV="1">
-            <a:off x="4696803" y="3625495"/>
+            <a:off x="4633303" y="4057432"/>
             <a:ext cx="2263307" cy="244826"/>
           </a:xfrm>
           <a:prstGeom prst="straightConnector1">
@@ -4614,7 +4639,7 @@
         </p:nvSpPr>
         <p:spPr>
           <a:xfrm>
-            <a:off x="7777999" y="2230213"/>
+            <a:off x="7714499" y="2662150"/>
             <a:ext cx="2123046" cy="646331"/>
           </a:xfrm>
           <a:prstGeom prst="rect">
@@ -4633,7 +4658,7 @@
               <a:t>Folder “projects/</a:t>
             </a:r>
             <a:r>
-              <a:rPr lang="en-US" sz="1200" dirty="0" err="1"/>
+              <a:rPr lang="en-US" sz="1200" i="1" dirty="0" err="1"/>
               <a:t>mysite</a:t>
             </a:r>
             <a:r>
@@ -4641,7 +4666,7 @@
               <a:t>/</a:t>
             </a:r>
             <a:r>
-              <a:rPr lang="en-US" sz="1200" dirty="0" err="1"/>
+              <a:rPr lang="en-US" sz="1200" i="1" dirty="0" err="1"/>
               <a:t>appName</a:t>
             </a:r>
             <a:r>
@@ -4665,7 +4690,7 @@
         </p:nvSpPr>
         <p:spPr>
           <a:xfrm>
-            <a:off x="9461580" y="5176063"/>
+            <a:off x="9398080" y="5608000"/>
             <a:ext cx="2384058" cy="276999"/>
           </a:xfrm>
           <a:prstGeom prst="rect">
@@ -4702,7 +4727,7 @@
         </p:nvCxnSpPr>
         <p:spPr>
           <a:xfrm flipH="1">
-            <a:off x="10653609" y="4649275"/>
+            <a:off x="10590109" y="5081212"/>
             <a:ext cx="320104" cy="526788"/>
           </a:xfrm>
           <a:prstGeom prst="straightConnector1">
@@ -4741,7 +4766,7 @@
         </p:nvSpPr>
         <p:spPr>
           <a:xfrm>
-            <a:off x="1542471" y="1105422"/>
+            <a:off x="1551707" y="1048929"/>
             <a:ext cx="304799" cy="369332"/>
           </a:xfrm>
           <a:prstGeom prst="rect">
@@ -4785,7 +4810,7 @@
         </p:nvSpPr>
         <p:spPr>
           <a:xfrm>
-            <a:off x="2327562" y="4826407"/>
+            <a:off x="2109581" y="1435702"/>
             <a:ext cx="304799" cy="369332"/>
           </a:xfrm>
           <a:prstGeom prst="rect">
@@ -4810,7 +4835,7 @@
                   <a:srgbClr val="FF0000"/>
                 </a:solidFill>
               </a:rPr>
-              <a:t>3</a:t>
+              <a:t>2</a:t>
             </a:r>
           </a:p>
         </p:txBody>
@@ -4829,7 +4854,7 @@
         </p:nvSpPr>
         <p:spPr>
           <a:xfrm>
-            <a:off x="2327562" y="2276214"/>
+            <a:off x="2264062" y="2708151"/>
             <a:ext cx="304799" cy="369332"/>
           </a:xfrm>
           <a:prstGeom prst="rect">
@@ -4854,7 +4879,7 @@
                   <a:srgbClr val="FF0000"/>
                 </a:solidFill>
               </a:rPr>
-              <a:t>4</a:t>
+              <a:t>3</a:t>
             </a:r>
           </a:p>
         </p:txBody>
@@ -4873,7 +4898,7 @@
         </p:nvSpPr>
         <p:spPr>
           <a:xfrm>
-            <a:off x="3101590" y="2960000"/>
+            <a:off x="3038090" y="3391937"/>
             <a:ext cx="304799" cy="369332"/>
           </a:xfrm>
           <a:prstGeom prst="rect">
@@ -4917,7 +4942,7 @@
         </p:nvSpPr>
         <p:spPr>
           <a:xfrm>
-            <a:off x="3101590" y="3379068"/>
+            <a:off x="3038090" y="3811005"/>
             <a:ext cx="304799" cy="369332"/>
           </a:xfrm>
           <a:prstGeom prst="rect">
@@ -4961,7 +4986,7 @@
         </p:nvSpPr>
         <p:spPr>
           <a:xfrm>
-            <a:off x="8534723" y="3101803"/>
+            <a:off x="8471223" y="3533740"/>
             <a:ext cx="304799" cy="369332"/>
           </a:xfrm>
           <a:prstGeom prst="rect">
@@ -5005,7 +5030,7 @@
         </p:nvSpPr>
         <p:spPr>
           <a:xfrm>
-            <a:off x="7508564" y="3693119"/>
+            <a:off x="7445064" y="4125056"/>
             <a:ext cx="304799" cy="369332"/>
           </a:xfrm>
           <a:prstGeom prst="rect">
@@ -5049,7 +5074,7 @@
         </p:nvCxnSpPr>
         <p:spPr>
           <a:xfrm flipV="1">
-            <a:off x="9215005" y="2839704"/>
+            <a:off x="9151505" y="3271641"/>
             <a:ext cx="0" cy="589296"/>
           </a:xfrm>
           <a:prstGeom prst="line">
@@ -5085,7 +5110,7 @@
         </p:nvSpPr>
         <p:spPr>
           <a:xfrm>
-            <a:off x="3450716" y="3748917"/>
+            <a:off x="3387216" y="4180854"/>
             <a:ext cx="304799" cy="369332"/>
           </a:xfrm>
           <a:prstGeom prst="rect">
@@ -5129,7 +5154,7 @@
         </p:nvSpPr>
         <p:spPr>
           <a:xfrm>
-            <a:off x="9079345" y="5147883"/>
+            <a:off x="9015845" y="5579820"/>
             <a:ext cx="415209" cy="369332"/>
           </a:xfrm>
           <a:prstGeom prst="rect">
@@ -5173,7 +5198,7 @@
         </p:nvSpPr>
         <p:spPr>
           <a:xfrm>
-            <a:off x="2327562" y="5327124"/>
+            <a:off x="2215568" y="5475163"/>
             <a:ext cx="304799" cy="369332"/>
           </a:xfrm>
           <a:prstGeom prst="rect">
@@ -5198,7 +5223,7 @@
                   <a:srgbClr val="FF0000"/>
                 </a:solidFill>
               </a:rPr>
-              <a:t>2</a:t>
+              <a:t>4</a:t>
             </a:r>
           </a:p>
         </p:txBody>
@@ -5285,15 +5310,435 @@
             </a:r>
             <a:r>
               <a:rPr lang="en-US" sz="1400" b="1" dirty="0"/>
-              <a:t> </a:t>
-            </a:r>
-            <a:r>
-              <a:rPr lang="en-US" sz="1400" b="1" dirty="0" err="1"/>
-              <a:t>django</a:t>
-            </a:r>
-            <a:r>
-              <a:rPr lang="en-US" sz="1400" b="1" dirty="0"/>
-              <a:t> web site</a:t>
+              <a:t> Django web site</a:t>
+            </a:r>
+          </a:p>
+        </p:txBody>
+      </p:sp>
+      <p:sp>
+        <p:nvSpPr>
+          <p:cNvPr id="48" name="TextBox 47">
+            <a:extLst>
+              <a:ext uri="{FF2B5EF4-FFF2-40B4-BE49-F238E27FC236}">
+                <a16:creationId xmlns:a16="http://schemas.microsoft.com/office/drawing/2014/main" id="{36CFA2C6-B6A9-4BF1-BA4D-AE64EDC514C4}"/>
+              </a:ext>
+            </a:extLst>
+          </p:cNvPr>
+          <p:cNvSpPr txBox="1"/>
+          <p:nvPr/>
+        </p:nvSpPr>
+        <p:spPr>
+          <a:xfrm>
+            <a:off x="5081112" y="1477962"/>
+            <a:ext cx="3808887" cy="276999"/>
+          </a:xfrm>
+          <a:prstGeom prst="rect">
+            <a:avLst/>
+          </a:prstGeom>
+          <a:solidFill>
+            <a:schemeClr val="bg1"/>
+          </a:solidFill>
+        </p:spPr>
+        <p:txBody>
+          <a:bodyPr wrap="square" rtlCol="0">
+            <a:noAutofit/>
+          </a:bodyPr>
+          <a:lstStyle/>
+          <a:p>
+            <a:r>
+              <a:rPr lang="en-US" sz="1200" dirty="0"/>
+              <a:t>Get into “virtual environment. Then install Django</a:t>
+            </a:r>
+          </a:p>
+        </p:txBody>
+      </p:sp>
+      <p:sp>
+        <p:nvSpPr>
+          <p:cNvPr id="2" name="Arrow: Down 1">
+            <a:extLst>
+              <a:ext uri="{FF2B5EF4-FFF2-40B4-BE49-F238E27FC236}">
+                <a16:creationId xmlns:a16="http://schemas.microsoft.com/office/drawing/2014/main" id="{BD1744A1-B5D1-4CE6-94A8-4288A88D3B31}"/>
+              </a:ext>
+            </a:extLst>
+          </p:cNvPr>
+          <p:cNvSpPr/>
+          <p:nvPr/>
+        </p:nvSpPr>
+        <p:spPr>
+          <a:xfrm>
+            <a:off x="4175990" y="1805034"/>
+            <a:ext cx="192810" cy="533435"/>
+          </a:xfrm>
+          <a:prstGeom prst="downArrow">
+            <a:avLst/>
+          </a:prstGeom>
+        </p:spPr>
+        <p:style>
+          <a:lnRef idx="2">
+            <a:schemeClr val="accent6"/>
+          </a:lnRef>
+          <a:fillRef idx="1">
+            <a:schemeClr val="lt1"/>
+          </a:fillRef>
+          <a:effectRef idx="0">
+            <a:schemeClr val="accent6"/>
+          </a:effectRef>
+          <a:fontRef idx="minor">
+            <a:schemeClr val="dk1"/>
+          </a:fontRef>
+        </p:style>
+        <p:txBody>
+          <a:bodyPr rtlCol="0" anchor="ctr"/>
+          <a:lstStyle/>
+          <a:p>
+            <a:pPr algn="ctr"/>
+            <a:endParaRPr lang="en-US"/>
+          </a:p>
+        </p:txBody>
+      </p:sp>
+      <p:sp>
+        <p:nvSpPr>
+          <p:cNvPr id="55" name="TextBox 54">
+            <a:extLst>
+              <a:ext uri="{FF2B5EF4-FFF2-40B4-BE49-F238E27FC236}">
+                <a16:creationId xmlns:a16="http://schemas.microsoft.com/office/drawing/2014/main" id="{71FC2012-C95F-40C5-9572-D1785725E88C}"/>
+              </a:ext>
+            </a:extLst>
+          </p:cNvPr>
+          <p:cNvSpPr txBox="1"/>
+          <p:nvPr/>
+        </p:nvSpPr>
+        <p:spPr>
+          <a:xfrm>
+            <a:off x="3451094" y="5160700"/>
+            <a:ext cx="3808887" cy="276999"/>
+          </a:xfrm>
+          <a:prstGeom prst="rect">
+            <a:avLst/>
+          </a:prstGeom>
+          <a:solidFill>
+            <a:schemeClr val="bg1"/>
+          </a:solidFill>
+        </p:spPr>
+        <p:txBody>
+          <a:bodyPr wrap="square" rtlCol="0">
+            <a:noAutofit/>
+          </a:bodyPr>
+          <a:lstStyle/>
+          <a:p>
+            <a:r>
+              <a:rPr lang="en-US" sz="1200" dirty="0"/>
+              <a:t>Get into “virtual environment. </a:t>
+            </a:r>
+          </a:p>
+        </p:txBody>
+      </p:sp>
+      <p:sp>
+        <p:nvSpPr>
+          <p:cNvPr id="58" name="TextBox 57">
+            <a:extLst>
+              <a:ext uri="{FF2B5EF4-FFF2-40B4-BE49-F238E27FC236}">
+                <a16:creationId xmlns:a16="http://schemas.microsoft.com/office/drawing/2014/main" id="{A43F19C6-6194-4FD3-96CA-A8AF7B958AA7}"/>
+              </a:ext>
+            </a:extLst>
+          </p:cNvPr>
+          <p:cNvSpPr txBox="1"/>
+          <p:nvPr/>
+        </p:nvSpPr>
+        <p:spPr>
+          <a:xfrm>
+            <a:off x="5698839" y="1936534"/>
+            <a:ext cx="2124363" cy="277000"/>
+          </a:xfrm>
+          <a:prstGeom prst="rect">
+            <a:avLst/>
+          </a:prstGeom>
+          <a:solidFill>
+            <a:schemeClr val="accent2"/>
+          </a:solidFill>
+        </p:spPr>
+        <p:style>
+          <a:lnRef idx="2">
+            <a:schemeClr val="accent5"/>
+          </a:lnRef>
+          <a:fillRef idx="1">
+            <a:schemeClr val="lt1"/>
+          </a:fillRef>
+          <a:effectRef idx="0">
+            <a:schemeClr val="accent5"/>
+          </a:effectRef>
+          <a:fontRef idx="minor">
+            <a:schemeClr val="dk1"/>
+          </a:fontRef>
+        </p:style>
+        <p:txBody>
+          <a:bodyPr wrap="square" rtlCol="0">
+            <a:noAutofit/>
+          </a:bodyPr>
+          <a:lstStyle/>
+          <a:p>
+            <a:r>
+              <a:rPr lang="en-US" sz="1200" dirty="0"/>
+              <a:t>python manage.py </a:t>
+            </a:r>
+            <a:r>
+              <a:rPr lang="en-US" sz="1200" dirty="0" err="1"/>
+              <a:t>runserver</a:t>
+            </a:r>
+            <a:endParaRPr lang="en-US" sz="1200" dirty="0"/>
+          </a:p>
+        </p:txBody>
+      </p:sp>
+      <p:cxnSp>
+        <p:nvCxnSpPr>
+          <p:cNvPr id="7" name="Straight Arrow Connector 6">
+            <a:extLst>
+              <a:ext uri="{FF2B5EF4-FFF2-40B4-BE49-F238E27FC236}">
+                <a16:creationId xmlns:a16="http://schemas.microsoft.com/office/drawing/2014/main" id="{59C6B57E-BC18-4BA6-9479-EB9D78F82DAF}"/>
+              </a:ext>
+            </a:extLst>
+          </p:cNvPr>
+          <p:cNvCxnSpPr>
+            <a:stCxn id="29" idx="0"/>
+            <a:endCxn id="58" idx="2"/>
+          </p:cNvCxnSpPr>
+          <p:nvPr/>
+        </p:nvCxnSpPr>
+        <p:spPr>
+          <a:xfrm flipV="1">
+            <a:off x="4762822" y="2213534"/>
+            <a:ext cx="1998199" cy="1629526"/>
+          </a:xfrm>
+          <a:prstGeom prst="straightConnector1">
+            <a:avLst/>
+          </a:prstGeom>
+          <a:ln>
+            <a:tailEnd type="triangle"/>
+          </a:ln>
+        </p:spPr>
+        <p:style>
+          <a:lnRef idx="1">
+            <a:schemeClr val="accent1"/>
+          </a:lnRef>
+          <a:fillRef idx="0">
+            <a:schemeClr val="accent1"/>
+          </a:fillRef>
+          <a:effectRef idx="0">
+            <a:schemeClr val="accent1"/>
+          </a:effectRef>
+          <a:fontRef idx="minor">
+            <a:schemeClr val="tx1"/>
+          </a:fontRef>
+        </p:style>
+      </p:cxnSp>
+      <p:sp>
+        <p:nvSpPr>
+          <p:cNvPr id="65" name="TextBox 64">
+            <a:extLst>
+              <a:ext uri="{FF2B5EF4-FFF2-40B4-BE49-F238E27FC236}">
+                <a16:creationId xmlns:a16="http://schemas.microsoft.com/office/drawing/2014/main" id="{4036290D-37A4-45C8-84BF-C32EB437BA84}"/>
+              </a:ext>
+            </a:extLst>
+          </p:cNvPr>
+          <p:cNvSpPr txBox="1"/>
+          <p:nvPr/>
+        </p:nvSpPr>
+        <p:spPr>
+          <a:xfrm>
+            <a:off x="7902244" y="1682666"/>
+            <a:ext cx="4198644" cy="830997"/>
+          </a:xfrm>
+          <a:prstGeom prst="rect">
+            <a:avLst/>
+          </a:prstGeom>
+          <a:noFill/>
+        </p:spPr>
+        <p:txBody>
+          <a:bodyPr wrap="square" rtlCol="0">
+            <a:spAutoFit/>
+          </a:bodyPr>
+          <a:lstStyle/>
+          <a:p>
+            <a:r>
+              <a:rPr lang="en-US" sz="1200" dirty="0"/>
+              <a:t>TEST: Web site running without app creation</a:t>
+            </a:r>
+          </a:p>
+          <a:p>
+            <a:r>
+              <a:rPr lang="en-US" sz="1200" dirty="0"/>
+              <a:t>At this point, you can open them with editor such as </a:t>
+            </a:r>
+            <a:r>
+              <a:rPr lang="en-US" sz="1200" dirty="0" err="1"/>
+              <a:t>pycharm</a:t>
+            </a:r>
+            <a:r>
+              <a:rPr lang="en-US" sz="1200" dirty="0"/>
+              <a:t>, </a:t>
+            </a:r>
+            <a:r>
+              <a:rPr lang="en-US" sz="1200" dirty="0" err="1"/>
+              <a:t>vscode</a:t>
+            </a:r>
+            <a:r>
+              <a:rPr lang="en-US" sz="1200" dirty="0"/>
+              <a:t> etc. NOTE: do not forget to set “virtual environment” of python on your ide</a:t>
+            </a:r>
+          </a:p>
+        </p:txBody>
+      </p:sp>
+      <p:cxnSp>
+        <p:nvCxnSpPr>
+          <p:cNvPr id="11" name="Straight Connector 10">
+            <a:extLst>
+              <a:ext uri="{FF2B5EF4-FFF2-40B4-BE49-F238E27FC236}">
+                <a16:creationId xmlns:a16="http://schemas.microsoft.com/office/drawing/2014/main" id="{71B69024-7D6E-4DFA-884E-BAAF20DA9E9D}"/>
+              </a:ext>
+            </a:extLst>
+          </p:cNvPr>
+          <p:cNvCxnSpPr>
+            <a:cxnSpLocks/>
+          </p:cNvCxnSpPr>
+          <p:nvPr/>
+        </p:nvCxnSpPr>
+        <p:spPr>
+          <a:xfrm>
+            <a:off x="5081112" y="4644594"/>
+            <a:ext cx="1177036" cy="1240405"/>
+          </a:xfrm>
+          <a:prstGeom prst="line">
+            <a:avLst/>
+          </a:prstGeom>
+        </p:spPr>
+        <p:style>
+          <a:lnRef idx="1">
+            <a:schemeClr val="accent1"/>
+          </a:lnRef>
+          <a:fillRef idx="0">
+            <a:schemeClr val="accent1"/>
+          </a:fillRef>
+          <a:effectRef idx="0">
+            <a:schemeClr val="accent1"/>
+          </a:effectRef>
+          <a:fontRef idx="minor">
+            <a:schemeClr val="tx1"/>
+          </a:fontRef>
+        </p:style>
+      </p:cxnSp>
+      <p:sp>
+        <p:nvSpPr>
+          <p:cNvPr id="66" name="TextBox 65">
+            <a:extLst>
+              <a:ext uri="{FF2B5EF4-FFF2-40B4-BE49-F238E27FC236}">
+                <a16:creationId xmlns:a16="http://schemas.microsoft.com/office/drawing/2014/main" id="{EF9B6E94-2601-40F5-A824-FB90BFD2CEF7}"/>
+              </a:ext>
+            </a:extLst>
+          </p:cNvPr>
+          <p:cNvSpPr txBox="1"/>
+          <p:nvPr/>
+        </p:nvSpPr>
+        <p:spPr>
+          <a:xfrm>
+            <a:off x="5342618" y="5939514"/>
+            <a:ext cx="3808887" cy="592439"/>
+          </a:xfrm>
+          <a:prstGeom prst="rect">
+            <a:avLst/>
+          </a:prstGeom>
+          <a:solidFill>
+            <a:schemeClr val="bg1"/>
+          </a:solidFill>
+        </p:spPr>
+        <p:txBody>
+          <a:bodyPr wrap="square" rtlCol="0">
+            <a:noAutofit/>
+          </a:bodyPr>
+          <a:lstStyle/>
+          <a:p>
+            <a:r>
+              <a:rPr lang="en-US" sz="1200" dirty="0"/>
+              <a:t>INSTALLED_APPS section: Register App you have created on #7 process</a:t>
+            </a:r>
+          </a:p>
+        </p:txBody>
+      </p:sp>
+      <p:sp>
+        <p:nvSpPr>
+          <p:cNvPr id="67" name="TextBox 66">
+            <a:extLst>
+              <a:ext uri="{FF2B5EF4-FFF2-40B4-BE49-F238E27FC236}">
+                <a16:creationId xmlns:a16="http://schemas.microsoft.com/office/drawing/2014/main" id="{B1FF95E9-BA35-4A41-B51D-A463B11B7CED}"/>
+              </a:ext>
+            </a:extLst>
+          </p:cNvPr>
+          <p:cNvSpPr txBox="1"/>
+          <p:nvPr/>
+        </p:nvSpPr>
+        <p:spPr>
+          <a:xfrm>
+            <a:off x="3692158" y="4445774"/>
+            <a:ext cx="1564157" cy="276999"/>
+          </a:xfrm>
+          <a:prstGeom prst="rect">
+            <a:avLst/>
+          </a:prstGeom>
+          <a:noFill/>
+        </p:spPr>
+        <p:txBody>
+          <a:bodyPr wrap="square" rtlCol="0">
+            <a:spAutoFit/>
+          </a:bodyPr>
+          <a:lstStyle/>
+          <a:p>
+            <a:r>
+              <a:rPr lang="en-US" sz="1200" dirty="0"/>
+              <a:t>Config/settings.py</a:t>
+            </a:r>
+          </a:p>
+        </p:txBody>
+      </p:sp>
+      <p:sp>
+        <p:nvSpPr>
+          <p:cNvPr id="68" name="TextBox 67">
+            <a:extLst>
+              <a:ext uri="{FF2B5EF4-FFF2-40B4-BE49-F238E27FC236}">
+                <a16:creationId xmlns:a16="http://schemas.microsoft.com/office/drawing/2014/main" id="{CD9C5CB5-8DAE-4F8B-8F2A-5B4B540C46AC}"/>
+              </a:ext>
+            </a:extLst>
+          </p:cNvPr>
+          <p:cNvSpPr txBox="1"/>
+          <p:nvPr/>
+        </p:nvSpPr>
+        <p:spPr>
+          <a:xfrm>
+            <a:off x="311124" y="5889841"/>
+            <a:ext cx="3928366" cy="592439"/>
+          </a:xfrm>
+          <a:prstGeom prst="rect">
+            <a:avLst/>
+          </a:prstGeom>
+          <a:solidFill>
+            <a:schemeClr val="bg1"/>
+          </a:solidFill>
+        </p:spPr>
+        <p:txBody>
+          <a:bodyPr wrap="square" rtlCol="0">
+            <a:noAutofit/>
+          </a:bodyPr>
+          <a:lstStyle/>
+          <a:p>
+            <a:r>
+              <a:rPr lang="en-US" sz="1200" dirty="0"/>
+              <a:t>NOTE: Under project folder, get into “virtual” environment. Then do process #5. #5 can be skipped and “Django-admin </a:t>
+            </a:r>
+            <a:r>
+              <a:rPr lang="en-US" sz="1200" dirty="0" err="1"/>
+              <a:t>startproject</a:t>
+            </a:r>
+            <a:r>
+              <a:rPr lang="en-US" sz="1200" dirty="0"/>
+              <a:t>”, but it generates folder a bit weird.</a:t>
             </a:r>
           </a:p>
         </p:txBody>
@@ -5302,6 +5747,6516 @@
     <p:extLst>
       <p:ext uri="{BB962C8B-B14F-4D97-AF65-F5344CB8AC3E}">
         <p14:creationId xmlns:p14="http://schemas.microsoft.com/office/powerpoint/2010/main" val="995706352"/>
+      </p:ext>
+    </p:extLst>
+  </p:cSld>
+  <p:clrMapOvr>
+    <a:masterClrMapping/>
+  </p:clrMapOvr>
+</p:sld>
+</file>
+
+<file path=ppt/slides/slide2.xml><?xml version="1.0" encoding="utf-8"?>
+<p:sld xmlns:a="http://schemas.openxmlformats.org/drawingml/2006/main" xmlns:r="http://schemas.openxmlformats.org/officeDocument/2006/relationships" xmlns:p="http://schemas.openxmlformats.org/presentationml/2006/main">
+  <p:cSld>
+    <p:spTree>
+      <p:nvGrpSpPr>
+        <p:cNvPr id="1" name=""/>
+        <p:cNvGrpSpPr/>
+        <p:nvPr/>
+      </p:nvGrpSpPr>
+      <p:grpSpPr>
+        <a:xfrm>
+          <a:off x="0" y="0"/>
+          <a:ext cx="0" cy="0"/>
+          <a:chOff x="0" y="0"/>
+          <a:chExt cx="0" cy="0"/>
+        </a:xfrm>
+      </p:grpSpPr>
+      <p:sp>
+        <p:nvSpPr>
+          <p:cNvPr id="71" name="TextBox 70">
+            <a:extLst>
+              <a:ext uri="{FF2B5EF4-FFF2-40B4-BE49-F238E27FC236}">
+                <a16:creationId xmlns:a16="http://schemas.microsoft.com/office/drawing/2014/main" id="{8DA1DF01-888D-476D-9B48-4F477AF72C56}"/>
+              </a:ext>
+            </a:extLst>
+          </p:cNvPr>
+          <p:cNvSpPr txBox="1"/>
+          <p:nvPr/>
+        </p:nvSpPr>
+        <p:spPr>
+          <a:xfrm>
+            <a:off x="1919513" y="586992"/>
+            <a:ext cx="1377578" cy="951248"/>
+          </a:xfrm>
+          <a:prstGeom prst="rect">
+            <a:avLst/>
+          </a:prstGeom>
+          <a:solidFill>
+            <a:schemeClr val="bg1">
+              <a:lumMod val="95000"/>
+            </a:schemeClr>
+          </a:solidFill>
+        </p:spPr>
+        <p:style>
+          <a:lnRef idx="2">
+            <a:schemeClr val="accent5"/>
+          </a:lnRef>
+          <a:fillRef idx="1">
+            <a:schemeClr val="lt1"/>
+          </a:fillRef>
+          <a:effectRef idx="0">
+            <a:schemeClr val="accent5"/>
+          </a:effectRef>
+          <a:fontRef idx="minor">
+            <a:schemeClr val="dk1"/>
+          </a:fontRef>
+        </p:style>
+        <p:txBody>
+          <a:bodyPr wrap="square" rtlCol="0">
+            <a:noAutofit/>
+          </a:bodyPr>
+          <a:lstStyle/>
+          <a:p>
+            <a:r>
+              <a:rPr lang="en-US" sz="1200" dirty="0"/>
+              <a:t>Web Project</a:t>
+            </a:r>
+          </a:p>
+        </p:txBody>
+      </p:sp>
+      <p:sp>
+        <p:nvSpPr>
+          <p:cNvPr id="6" name="TextBox 5">
+            <a:extLst>
+              <a:ext uri="{FF2B5EF4-FFF2-40B4-BE49-F238E27FC236}">
+                <a16:creationId xmlns:a16="http://schemas.microsoft.com/office/drawing/2014/main" id="{9F2B00B8-AEAA-415C-938A-DCA86CB1B6BC}"/>
+              </a:ext>
+            </a:extLst>
+          </p:cNvPr>
+          <p:cNvSpPr txBox="1"/>
+          <p:nvPr/>
+        </p:nvSpPr>
+        <p:spPr>
+          <a:xfrm>
+            <a:off x="1361368" y="1708309"/>
+            <a:ext cx="1385455" cy="276999"/>
+          </a:xfrm>
+          <a:prstGeom prst="rect">
+            <a:avLst/>
+          </a:prstGeom>
+          <a:noFill/>
+        </p:spPr>
+        <p:txBody>
+          <a:bodyPr wrap="square" rtlCol="0">
+            <a:spAutoFit/>
+          </a:bodyPr>
+          <a:lstStyle/>
+          <a:p>
+            <a:r>
+              <a:rPr lang="en-US" sz="1200" dirty="0">
+                <a:solidFill>
+                  <a:srgbClr val="FF0000"/>
+                </a:solidFill>
+              </a:rPr>
+              <a:t>MTV Pattern</a:t>
+            </a:r>
+          </a:p>
+        </p:txBody>
+      </p:sp>
+      <p:sp>
+        <p:nvSpPr>
+          <p:cNvPr id="63" name="TextBox 62">
+            <a:extLst>
+              <a:ext uri="{FF2B5EF4-FFF2-40B4-BE49-F238E27FC236}">
+                <a16:creationId xmlns:a16="http://schemas.microsoft.com/office/drawing/2014/main" id="{639D2D10-1189-4D17-BE91-DD43B70E459D}"/>
+              </a:ext>
+            </a:extLst>
+          </p:cNvPr>
+          <p:cNvSpPr txBox="1"/>
+          <p:nvPr/>
+        </p:nvSpPr>
+        <p:spPr>
+          <a:xfrm>
+            <a:off x="3812205" y="161166"/>
+            <a:ext cx="223660" cy="215444"/>
+          </a:xfrm>
+          <a:prstGeom prst="rect">
+            <a:avLst/>
+          </a:prstGeom>
+          <a:noFill/>
+          <a:ln>
+            <a:noFill/>
+          </a:ln>
+        </p:spPr>
+        <p:txBody>
+          <a:bodyPr wrap="square" rtlCol="0">
+            <a:spAutoFit/>
+          </a:bodyPr>
+          <a:lstStyle/>
+          <a:p>
+            <a:pPr algn="ctr"/>
+            <a:r>
+              <a:rPr lang="en-US" sz="800" b="1" dirty="0">
+                <a:solidFill>
+                  <a:srgbClr val="FF0000"/>
+                </a:solidFill>
+              </a:rPr>
+              <a:t>0</a:t>
+            </a:r>
+          </a:p>
+        </p:txBody>
+      </p:sp>
+      <p:sp>
+        <p:nvSpPr>
+          <p:cNvPr id="64" name="TextBox 63">
+            <a:extLst>
+              <a:ext uri="{FF2B5EF4-FFF2-40B4-BE49-F238E27FC236}">
+                <a16:creationId xmlns:a16="http://schemas.microsoft.com/office/drawing/2014/main" id="{EB9ABD2F-4B5D-4B4B-A735-BE6554DA73EA}"/>
+              </a:ext>
+            </a:extLst>
+          </p:cNvPr>
+          <p:cNvSpPr txBox="1"/>
+          <p:nvPr/>
+        </p:nvSpPr>
+        <p:spPr>
+          <a:xfrm>
+            <a:off x="4474781" y="41983"/>
+            <a:ext cx="4091597" cy="307777"/>
+          </a:xfrm>
+          <a:prstGeom prst="rect">
+            <a:avLst/>
+          </a:prstGeom>
+          <a:noFill/>
+        </p:spPr>
+        <p:txBody>
+          <a:bodyPr wrap="square" rtlCol="0">
+            <a:spAutoFit/>
+          </a:bodyPr>
+          <a:lstStyle/>
+          <a:p>
+            <a:r>
+              <a:rPr lang="en-US" sz="1400" b="1" dirty="0"/>
+              <a:t>Python Django Web Project and App Structure</a:t>
+            </a:r>
+          </a:p>
+        </p:txBody>
+      </p:sp>
+      <p:sp>
+        <p:nvSpPr>
+          <p:cNvPr id="48" name="TextBox 47">
+            <a:extLst>
+              <a:ext uri="{FF2B5EF4-FFF2-40B4-BE49-F238E27FC236}">
+                <a16:creationId xmlns:a16="http://schemas.microsoft.com/office/drawing/2014/main" id="{36CFA2C6-B6A9-4BF1-BA4D-AE64EDC514C4}"/>
+              </a:ext>
+            </a:extLst>
+          </p:cNvPr>
+          <p:cNvSpPr txBox="1"/>
+          <p:nvPr/>
+        </p:nvSpPr>
+        <p:spPr>
+          <a:xfrm>
+            <a:off x="3398085" y="637976"/>
+            <a:ext cx="1478756" cy="248972"/>
+          </a:xfrm>
+          <a:prstGeom prst="rect">
+            <a:avLst/>
+          </a:prstGeom>
+          <a:solidFill>
+            <a:schemeClr val="bg1"/>
+          </a:solidFill>
+        </p:spPr>
+        <p:txBody>
+          <a:bodyPr wrap="square" rtlCol="0">
+            <a:noAutofit/>
+          </a:bodyPr>
+          <a:lstStyle/>
+          <a:p>
+            <a:r>
+              <a:rPr lang="en-US" sz="1200" dirty="0">
+                <a:solidFill>
+                  <a:srgbClr val="FF0000"/>
+                </a:solidFill>
+              </a:rPr>
+              <a:t>Web Project Routing</a:t>
+            </a:r>
+          </a:p>
+        </p:txBody>
+      </p:sp>
+      <p:sp>
+        <p:nvSpPr>
+          <p:cNvPr id="65" name="TextBox 64">
+            <a:extLst>
+              <a:ext uri="{FF2B5EF4-FFF2-40B4-BE49-F238E27FC236}">
+                <a16:creationId xmlns:a16="http://schemas.microsoft.com/office/drawing/2014/main" id="{4036290D-37A4-45C8-84BF-C32EB437BA84}"/>
+              </a:ext>
+            </a:extLst>
+          </p:cNvPr>
+          <p:cNvSpPr txBox="1"/>
+          <p:nvPr/>
+        </p:nvSpPr>
+        <p:spPr>
+          <a:xfrm>
+            <a:off x="9885231" y="237867"/>
+            <a:ext cx="2110345" cy="6463308"/>
+          </a:xfrm>
+          <a:prstGeom prst="rect">
+            <a:avLst/>
+          </a:prstGeom>
+          <a:noFill/>
+        </p:spPr>
+        <p:txBody>
+          <a:bodyPr wrap="square" rtlCol="0">
+            <a:spAutoFit/>
+          </a:bodyPr>
+          <a:lstStyle/>
+          <a:p>
+            <a:r>
+              <a:rPr lang="en-US" sz="900" b="1" dirty="0"/>
+              <a:t>$ python manage.py --help</a:t>
+            </a:r>
+          </a:p>
+          <a:p>
+            <a:endParaRPr lang="en-US" sz="900" dirty="0"/>
+          </a:p>
+          <a:p>
+            <a:r>
+              <a:rPr lang="en-US" sz="900" dirty="0"/>
+              <a:t>Type 'manage.py help &lt;subcommand&gt;' for help on a specific subcommand.</a:t>
+            </a:r>
+          </a:p>
+          <a:p>
+            <a:endParaRPr lang="en-US" sz="900" dirty="0"/>
+          </a:p>
+          <a:p>
+            <a:r>
+              <a:rPr lang="en-US" sz="900" dirty="0"/>
+              <a:t>Available subcommands:</a:t>
+            </a:r>
+          </a:p>
+          <a:p>
+            <a:endParaRPr lang="en-US" sz="900" dirty="0"/>
+          </a:p>
+          <a:p>
+            <a:r>
+              <a:rPr lang="en-US" sz="900" dirty="0"/>
+              <a:t>[auth]</a:t>
+            </a:r>
+          </a:p>
+          <a:p>
+            <a:r>
+              <a:rPr lang="en-US" sz="900" dirty="0"/>
+              <a:t>    </a:t>
+            </a:r>
+            <a:r>
+              <a:rPr lang="en-US" sz="900" dirty="0" err="1"/>
+              <a:t>changepassword</a:t>
+            </a:r>
+            <a:endParaRPr lang="en-US" sz="900" dirty="0"/>
+          </a:p>
+          <a:p>
+            <a:r>
+              <a:rPr lang="en-US" sz="900" dirty="0"/>
+              <a:t>    </a:t>
+            </a:r>
+            <a:r>
+              <a:rPr lang="en-US" sz="900" b="1" dirty="0" err="1"/>
+              <a:t>createsuperuser</a:t>
+            </a:r>
+            <a:endParaRPr lang="en-US" sz="900" b="1" dirty="0"/>
+          </a:p>
+          <a:p>
+            <a:endParaRPr lang="en-US" sz="900" dirty="0"/>
+          </a:p>
+          <a:p>
+            <a:r>
+              <a:rPr lang="en-US" sz="900" dirty="0"/>
+              <a:t>[</a:t>
+            </a:r>
+            <a:r>
+              <a:rPr lang="en-US" sz="900" dirty="0" err="1"/>
+              <a:t>contenttypes</a:t>
+            </a:r>
+            <a:r>
+              <a:rPr lang="en-US" sz="900" dirty="0"/>
+              <a:t>]</a:t>
+            </a:r>
+          </a:p>
+          <a:p>
+            <a:r>
+              <a:rPr lang="en-US" sz="900" dirty="0"/>
+              <a:t>    </a:t>
+            </a:r>
+            <a:r>
+              <a:rPr lang="en-US" sz="900" dirty="0" err="1"/>
+              <a:t>remove_stale_contenttypes</a:t>
+            </a:r>
+            <a:endParaRPr lang="en-US" sz="900" dirty="0"/>
+          </a:p>
+          <a:p>
+            <a:endParaRPr lang="en-US" sz="900" dirty="0"/>
+          </a:p>
+          <a:p>
+            <a:r>
+              <a:rPr lang="en-US" sz="900" dirty="0"/>
+              <a:t>[</a:t>
+            </a:r>
+            <a:r>
+              <a:rPr lang="en-US" sz="900" dirty="0" err="1"/>
+              <a:t>django</a:t>
+            </a:r>
+            <a:r>
+              <a:rPr lang="en-US" sz="900" dirty="0"/>
+              <a:t>]</a:t>
+            </a:r>
+          </a:p>
+          <a:p>
+            <a:r>
+              <a:rPr lang="en-US" sz="900" dirty="0"/>
+              <a:t>    check</a:t>
+            </a:r>
+          </a:p>
+          <a:p>
+            <a:r>
+              <a:rPr lang="en-US" sz="900" dirty="0"/>
+              <a:t>    </a:t>
+            </a:r>
+            <a:r>
+              <a:rPr lang="en-US" sz="900" dirty="0" err="1"/>
+              <a:t>compilemessages</a:t>
+            </a:r>
+            <a:endParaRPr lang="en-US" sz="900" dirty="0"/>
+          </a:p>
+          <a:p>
+            <a:r>
+              <a:rPr lang="en-US" sz="900" dirty="0"/>
+              <a:t>    </a:t>
+            </a:r>
+            <a:r>
+              <a:rPr lang="en-US" sz="900" dirty="0" err="1"/>
+              <a:t>createcachetable</a:t>
+            </a:r>
+            <a:endParaRPr lang="en-US" sz="900" dirty="0"/>
+          </a:p>
+          <a:p>
+            <a:r>
+              <a:rPr lang="en-US" sz="900" dirty="0"/>
+              <a:t>    </a:t>
+            </a:r>
+            <a:r>
+              <a:rPr lang="en-US" sz="900" dirty="0" err="1"/>
+              <a:t>dbshell</a:t>
+            </a:r>
+            <a:endParaRPr lang="en-US" sz="900" dirty="0"/>
+          </a:p>
+          <a:p>
+            <a:r>
+              <a:rPr lang="en-US" sz="900" dirty="0"/>
+              <a:t>    </a:t>
+            </a:r>
+            <a:r>
+              <a:rPr lang="en-US" sz="900" dirty="0" err="1"/>
+              <a:t>diffsettings</a:t>
+            </a:r>
+            <a:endParaRPr lang="en-US" sz="900" dirty="0"/>
+          </a:p>
+          <a:p>
+            <a:r>
+              <a:rPr lang="en-US" sz="900" dirty="0"/>
+              <a:t>    </a:t>
+            </a:r>
+            <a:r>
+              <a:rPr lang="en-US" sz="900" dirty="0" err="1"/>
+              <a:t>dumpdata</a:t>
+            </a:r>
+            <a:endParaRPr lang="en-US" sz="900" dirty="0"/>
+          </a:p>
+          <a:p>
+            <a:r>
+              <a:rPr lang="en-US" sz="900" dirty="0"/>
+              <a:t>    flush</a:t>
+            </a:r>
+          </a:p>
+          <a:p>
+            <a:r>
+              <a:rPr lang="en-US" sz="900" dirty="0"/>
+              <a:t>    </a:t>
+            </a:r>
+            <a:r>
+              <a:rPr lang="en-US" sz="900" dirty="0" err="1"/>
+              <a:t>inspectdb</a:t>
+            </a:r>
+            <a:endParaRPr lang="en-US" sz="900" dirty="0"/>
+          </a:p>
+          <a:p>
+            <a:r>
+              <a:rPr lang="en-US" sz="900" dirty="0"/>
+              <a:t>    </a:t>
+            </a:r>
+            <a:r>
+              <a:rPr lang="en-US" sz="900" dirty="0" err="1"/>
+              <a:t>loaddata</a:t>
+            </a:r>
+            <a:endParaRPr lang="en-US" sz="900" dirty="0"/>
+          </a:p>
+          <a:p>
+            <a:r>
+              <a:rPr lang="en-US" sz="900" dirty="0"/>
+              <a:t>    </a:t>
+            </a:r>
+            <a:r>
+              <a:rPr lang="en-US" sz="900" dirty="0" err="1"/>
+              <a:t>makemessages</a:t>
+            </a:r>
+            <a:endParaRPr lang="en-US" sz="900" dirty="0"/>
+          </a:p>
+          <a:p>
+            <a:r>
+              <a:rPr lang="en-US" sz="900" dirty="0"/>
+              <a:t>    </a:t>
+            </a:r>
+            <a:r>
+              <a:rPr lang="en-US" sz="900" b="1" dirty="0" err="1"/>
+              <a:t>makemigrations</a:t>
+            </a:r>
+            <a:endParaRPr lang="en-US" sz="900" b="1" dirty="0"/>
+          </a:p>
+          <a:p>
+            <a:r>
+              <a:rPr lang="en-US" sz="900" dirty="0"/>
+              <a:t>    </a:t>
+            </a:r>
+            <a:r>
+              <a:rPr lang="en-US" sz="900" b="1" dirty="0"/>
+              <a:t>migrate</a:t>
+            </a:r>
+          </a:p>
+          <a:p>
+            <a:r>
+              <a:rPr lang="en-US" sz="900" dirty="0"/>
+              <a:t>    </a:t>
+            </a:r>
+            <a:r>
+              <a:rPr lang="en-US" sz="900" dirty="0" err="1"/>
+              <a:t>sendtestemail</a:t>
+            </a:r>
+            <a:endParaRPr lang="en-US" sz="900" dirty="0"/>
+          </a:p>
+          <a:p>
+            <a:r>
+              <a:rPr lang="en-US" sz="900" dirty="0"/>
+              <a:t>    shell</a:t>
+            </a:r>
+          </a:p>
+          <a:p>
+            <a:r>
+              <a:rPr lang="en-US" sz="900" dirty="0"/>
+              <a:t>    </a:t>
+            </a:r>
+            <a:r>
+              <a:rPr lang="en-US" sz="900" dirty="0" err="1"/>
+              <a:t>showmigrations</a:t>
+            </a:r>
+            <a:endParaRPr lang="en-US" sz="900" dirty="0"/>
+          </a:p>
+          <a:p>
+            <a:r>
+              <a:rPr lang="en-US" sz="900" dirty="0"/>
+              <a:t>    </a:t>
+            </a:r>
+            <a:r>
+              <a:rPr lang="en-US" sz="900" dirty="0" err="1"/>
+              <a:t>sqlflush</a:t>
+            </a:r>
+            <a:endParaRPr lang="en-US" sz="900" dirty="0"/>
+          </a:p>
+          <a:p>
+            <a:r>
+              <a:rPr lang="en-US" sz="900" dirty="0"/>
+              <a:t>    </a:t>
+            </a:r>
+            <a:r>
+              <a:rPr lang="en-US" sz="900" dirty="0" err="1"/>
+              <a:t>sqlmigrate</a:t>
+            </a:r>
+            <a:endParaRPr lang="en-US" sz="900" dirty="0"/>
+          </a:p>
+          <a:p>
+            <a:r>
+              <a:rPr lang="en-US" sz="900" dirty="0"/>
+              <a:t>    </a:t>
+            </a:r>
+            <a:r>
+              <a:rPr lang="en-US" sz="900" dirty="0" err="1"/>
+              <a:t>sqlsequencereset</a:t>
+            </a:r>
+            <a:endParaRPr lang="en-US" sz="900" dirty="0"/>
+          </a:p>
+          <a:p>
+            <a:r>
+              <a:rPr lang="en-US" sz="900" dirty="0"/>
+              <a:t>    </a:t>
+            </a:r>
+            <a:r>
+              <a:rPr lang="en-US" sz="900" dirty="0" err="1"/>
+              <a:t>squashmigrations</a:t>
+            </a:r>
+            <a:endParaRPr lang="en-US" sz="900" dirty="0"/>
+          </a:p>
+          <a:p>
+            <a:r>
+              <a:rPr lang="en-US" sz="900" dirty="0"/>
+              <a:t>    </a:t>
+            </a:r>
+            <a:r>
+              <a:rPr lang="en-US" sz="900" b="1" dirty="0" err="1"/>
+              <a:t>startapp</a:t>
+            </a:r>
+            <a:endParaRPr lang="en-US" sz="900" b="1" dirty="0"/>
+          </a:p>
+          <a:p>
+            <a:r>
+              <a:rPr lang="en-US" sz="900" dirty="0"/>
+              <a:t>    </a:t>
+            </a:r>
+            <a:r>
+              <a:rPr lang="en-US" sz="900" b="1" dirty="0" err="1"/>
+              <a:t>startproject</a:t>
+            </a:r>
+            <a:endParaRPr lang="en-US" sz="900" b="1" dirty="0"/>
+          </a:p>
+          <a:p>
+            <a:r>
+              <a:rPr lang="en-US" sz="900" dirty="0"/>
+              <a:t>    test</a:t>
+            </a:r>
+          </a:p>
+          <a:p>
+            <a:r>
+              <a:rPr lang="en-US" sz="900" dirty="0"/>
+              <a:t>    </a:t>
+            </a:r>
+            <a:r>
+              <a:rPr lang="en-US" sz="900" dirty="0" err="1"/>
+              <a:t>testserver</a:t>
+            </a:r>
+            <a:endParaRPr lang="en-US" sz="900" dirty="0"/>
+          </a:p>
+          <a:p>
+            <a:endParaRPr lang="en-US" sz="900" dirty="0"/>
+          </a:p>
+          <a:p>
+            <a:r>
+              <a:rPr lang="en-US" sz="900" dirty="0"/>
+              <a:t>[sessions]</a:t>
+            </a:r>
+          </a:p>
+          <a:p>
+            <a:r>
+              <a:rPr lang="en-US" sz="900" dirty="0"/>
+              <a:t>    </a:t>
+            </a:r>
+            <a:r>
+              <a:rPr lang="en-US" sz="900" dirty="0" err="1"/>
+              <a:t>clearsessions</a:t>
+            </a:r>
+            <a:endParaRPr lang="en-US" sz="900" dirty="0"/>
+          </a:p>
+          <a:p>
+            <a:endParaRPr lang="en-US" sz="900" dirty="0"/>
+          </a:p>
+          <a:p>
+            <a:r>
+              <a:rPr lang="en-US" sz="900" dirty="0"/>
+              <a:t>[</a:t>
+            </a:r>
+            <a:r>
+              <a:rPr lang="en-US" sz="900" dirty="0" err="1"/>
+              <a:t>staticfiles</a:t>
+            </a:r>
+            <a:r>
+              <a:rPr lang="en-US" sz="900" dirty="0"/>
+              <a:t>]</a:t>
+            </a:r>
+          </a:p>
+          <a:p>
+            <a:r>
+              <a:rPr lang="en-US" sz="900" dirty="0"/>
+              <a:t>    </a:t>
+            </a:r>
+            <a:r>
+              <a:rPr lang="en-US" sz="900" dirty="0" err="1"/>
+              <a:t>collectstatic</a:t>
+            </a:r>
+            <a:endParaRPr lang="en-US" sz="900" dirty="0"/>
+          </a:p>
+          <a:p>
+            <a:r>
+              <a:rPr lang="en-US" sz="900" dirty="0"/>
+              <a:t>    </a:t>
+            </a:r>
+            <a:r>
+              <a:rPr lang="en-US" sz="900" dirty="0" err="1"/>
+              <a:t>findstatic</a:t>
+            </a:r>
+            <a:endParaRPr lang="en-US" sz="900" dirty="0"/>
+          </a:p>
+          <a:p>
+            <a:r>
+              <a:rPr lang="en-US" sz="900" dirty="0"/>
+              <a:t>    </a:t>
+            </a:r>
+            <a:r>
+              <a:rPr lang="en-US" sz="900" dirty="0" err="1"/>
+              <a:t>runserver</a:t>
+            </a:r>
+            <a:endParaRPr lang="en-US" sz="900" dirty="0"/>
+          </a:p>
+        </p:txBody>
+      </p:sp>
+      <p:pic>
+        <p:nvPicPr>
+          <p:cNvPr id="10" name="Picture 9">
+            <a:extLst>
+              <a:ext uri="{FF2B5EF4-FFF2-40B4-BE49-F238E27FC236}">
+                <a16:creationId xmlns:a16="http://schemas.microsoft.com/office/drawing/2014/main" id="{4EC468CB-10D8-491A-8852-6230F2D0F752}"/>
+              </a:ext>
+            </a:extLst>
+          </p:cNvPr>
+          <p:cNvPicPr>
+            <a:picLocks noChangeAspect="1"/>
+          </p:cNvPicPr>
+          <p:nvPr/>
+        </p:nvPicPr>
+        <p:blipFill>
+          <a:blip r:embed="rId2"/>
+          <a:stretch>
+            <a:fillRect/>
+          </a:stretch>
+        </p:blipFill>
+        <p:spPr>
+          <a:xfrm>
+            <a:off x="276095" y="586992"/>
+            <a:ext cx="1377578" cy="951248"/>
+          </a:xfrm>
+          <a:prstGeom prst="rect">
+            <a:avLst/>
+          </a:prstGeom>
+        </p:spPr>
+      </p:pic>
+      <p:sp>
+        <p:nvSpPr>
+          <p:cNvPr id="12" name="TextBox 11">
+            <a:extLst>
+              <a:ext uri="{FF2B5EF4-FFF2-40B4-BE49-F238E27FC236}">
+                <a16:creationId xmlns:a16="http://schemas.microsoft.com/office/drawing/2014/main" id="{DD937DFD-27B0-4C0D-AC55-7BFBC01FADED}"/>
+              </a:ext>
+            </a:extLst>
+          </p:cNvPr>
+          <p:cNvSpPr txBox="1"/>
+          <p:nvPr/>
+        </p:nvSpPr>
+        <p:spPr>
+          <a:xfrm>
+            <a:off x="2020508" y="798163"/>
+            <a:ext cx="742779" cy="454221"/>
+          </a:xfrm>
+          <a:prstGeom prst="rect">
+            <a:avLst/>
+          </a:prstGeom>
+          <a:solidFill>
+            <a:schemeClr val="bg1">
+              <a:lumMod val="95000"/>
+            </a:schemeClr>
+          </a:solidFill>
+        </p:spPr>
+        <p:style>
+          <a:lnRef idx="2">
+            <a:schemeClr val="accent5"/>
+          </a:lnRef>
+          <a:fillRef idx="1">
+            <a:schemeClr val="lt1"/>
+          </a:fillRef>
+          <a:effectRef idx="0">
+            <a:schemeClr val="accent5"/>
+          </a:effectRef>
+          <a:fontRef idx="minor">
+            <a:schemeClr val="dk1"/>
+          </a:fontRef>
+        </p:style>
+        <p:txBody>
+          <a:bodyPr wrap="square" rtlCol="0">
+            <a:noAutofit/>
+          </a:bodyPr>
+          <a:lstStyle/>
+          <a:p>
+            <a:r>
+              <a:rPr lang="en-US" sz="1200" dirty="0"/>
+              <a:t>App</a:t>
+            </a:r>
+          </a:p>
+        </p:txBody>
+      </p:sp>
+      <p:sp>
+        <p:nvSpPr>
+          <p:cNvPr id="69" name="TextBox 68">
+            <a:extLst>
+              <a:ext uri="{FF2B5EF4-FFF2-40B4-BE49-F238E27FC236}">
+                <a16:creationId xmlns:a16="http://schemas.microsoft.com/office/drawing/2014/main" id="{4B52FB8B-9293-4075-ACC6-382B71FA985F}"/>
+              </a:ext>
+            </a:extLst>
+          </p:cNvPr>
+          <p:cNvSpPr txBox="1"/>
+          <p:nvPr/>
+        </p:nvSpPr>
+        <p:spPr>
+          <a:xfrm>
+            <a:off x="2223275" y="908635"/>
+            <a:ext cx="742779" cy="454221"/>
+          </a:xfrm>
+          <a:prstGeom prst="rect">
+            <a:avLst/>
+          </a:prstGeom>
+          <a:solidFill>
+            <a:schemeClr val="bg1">
+              <a:lumMod val="95000"/>
+            </a:schemeClr>
+          </a:solidFill>
+        </p:spPr>
+        <p:style>
+          <a:lnRef idx="2">
+            <a:schemeClr val="accent5"/>
+          </a:lnRef>
+          <a:fillRef idx="1">
+            <a:schemeClr val="lt1"/>
+          </a:fillRef>
+          <a:effectRef idx="0">
+            <a:schemeClr val="accent5"/>
+          </a:effectRef>
+          <a:fontRef idx="minor">
+            <a:schemeClr val="dk1"/>
+          </a:fontRef>
+        </p:style>
+        <p:txBody>
+          <a:bodyPr wrap="square" rtlCol="0">
+            <a:noAutofit/>
+          </a:bodyPr>
+          <a:lstStyle/>
+          <a:p>
+            <a:r>
+              <a:rPr lang="en-US" sz="1200" dirty="0"/>
+              <a:t>App</a:t>
+            </a:r>
+          </a:p>
+        </p:txBody>
+      </p:sp>
+      <p:sp>
+        <p:nvSpPr>
+          <p:cNvPr id="70" name="TextBox 69">
+            <a:extLst>
+              <a:ext uri="{FF2B5EF4-FFF2-40B4-BE49-F238E27FC236}">
+                <a16:creationId xmlns:a16="http://schemas.microsoft.com/office/drawing/2014/main" id="{3DC0E804-3BB2-4DDA-A3A1-597DC107D40B}"/>
+              </a:ext>
+            </a:extLst>
+          </p:cNvPr>
+          <p:cNvSpPr txBox="1"/>
+          <p:nvPr/>
+        </p:nvSpPr>
+        <p:spPr>
+          <a:xfrm>
+            <a:off x="2416840" y="1058571"/>
+            <a:ext cx="742779" cy="454221"/>
+          </a:xfrm>
+          <a:prstGeom prst="rect">
+            <a:avLst/>
+          </a:prstGeom>
+          <a:solidFill>
+            <a:schemeClr val="bg1">
+              <a:lumMod val="95000"/>
+            </a:schemeClr>
+          </a:solidFill>
+        </p:spPr>
+        <p:style>
+          <a:lnRef idx="2">
+            <a:schemeClr val="accent5"/>
+          </a:lnRef>
+          <a:fillRef idx="1">
+            <a:schemeClr val="lt1"/>
+          </a:fillRef>
+          <a:effectRef idx="0">
+            <a:schemeClr val="accent5"/>
+          </a:effectRef>
+          <a:fontRef idx="minor">
+            <a:schemeClr val="dk1"/>
+          </a:fontRef>
+        </p:style>
+        <p:txBody>
+          <a:bodyPr wrap="square" rtlCol="0">
+            <a:noAutofit/>
+          </a:bodyPr>
+          <a:lstStyle/>
+          <a:p>
+            <a:r>
+              <a:rPr lang="en-US" sz="1200" dirty="0"/>
+              <a:t>App</a:t>
+            </a:r>
+          </a:p>
+        </p:txBody>
+      </p:sp>
+      <p:sp>
+        <p:nvSpPr>
+          <p:cNvPr id="13" name="Oval 12">
+            <a:extLst>
+              <a:ext uri="{FF2B5EF4-FFF2-40B4-BE49-F238E27FC236}">
+                <a16:creationId xmlns:a16="http://schemas.microsoft.com/office/drawing/2014/main" id="{CF357CF3-DCE5-41DF-85FB-D82938D1A9BC}"/>
+              </a:ext>
+            </a:extLst>
+          </p:cNvPr>
+          <p:cNvSpPr/>
+          <p:nvPr/>
+        </p:nvSpPr>
+        <p:spPr>
+          <a:xfrm>
+            <a:off x="1220874" y="2021618"/>
+            <a:ext cx="1236345" cy="512968"/>
+          </a:xfrm>
+          <a:prstGeom prst="ellipse">
+            <a:avLst/>
+          </a:prstGeom>
+        </p:spPr>
+        <p:style>
+          <a:lnRef idx="2">
+            <a:schemeClr val="accent2"/>
+          </a:lnRef>
+          <a:fillRef idx="1">
+            <a:schemeClr val="lt1"/>
+          </a:fillRef>
+          <a:effectRef idx="0">
+            <a:schemeClr val="accent2"/>
+          </a:effectRef>
+          <a:fontRef idx="minor">
+            <a:schemeClr val="dk1"/>
+          </a:fontRef>
+        </p:style>
+        <p:txBody>
+          <a:bodyPr rtlCol="0" anchor="ctr"/>
+          <a:lstStyle/>
+          <a:p>
+            <a:pPr algn="ctr"/>
+            <a:r>
+              <a:rPr lang="en-US" sz="1000" dirty="0"/>
+              <a:t>view</a:t>
+            </a:r>
+          </a:p>
+        </p:txBody>
+      </p:sp>
+      <p:sp>
+        <p:nvSpPr>
+          <p:cNvPr id="72" name="Oval 71">
+            <a:extLst>
+              <a:ext uri="{FF2B5EF4-FFF2-40B4-BE49-F238E27FC236}">
+                <a16:creationId xmlns:a16="http://schemas.microsoft.com/office/drawing/2014/main" id="{8499EA38-17D0-470C-A392-70235565B9E5}"/>
+              </a:ext>
+            </a:extLst>
+          </p:cNvPr>
+          <p:cNvSpPr/>
+          <p:nvPr/>
+        </p:nvSpPr>
+        <p:spPr>
+          <a:xfrm>
+            <a:off x="276095" y="3281753"/>
+            <a:ext cx="1236346" cy="609191"/>
+          </a:xfrm>
+          <a:prstGeom prst="ellipse">
+            <a:avLst/>
+          </a:prstGeom>
+        </p:spPr>
+        <p:style>
+          <a:lnRef idx="2">
+            <a:schemeClr val="accent2"/>
+          </a:lnRef>
+          <a:fillRef idx="1">
+            <a:schemeClr val="lt1"/>
+          </a:fillRef>
+          <a:effectRef idx="0">
+            <a:schemeClr val="accent2"/>
+          </a:effectRef>
+          <a:fontRef idx="minor">
+            <a:schemeClr val="dk1"/>
+          </a:fontRef>
+        </p:style>
+        <p:txBody>
+          <a:bodyPr rtlCol="0" anchor="ctr"/>
+          <a:lstStyle/>
+          <a:p>
+            <a:pPr algn="ctr"/>
+            <a:r>
+              <a:rPr lang="en-US" sz="800" dirty="0"/>
+              <a:t>model</a:t>
+            </a:r>
+          </a:p>
+        </p:txBody>
+      </p:sp>
+      <p:sp>
+        <p:nvSpPr>
+          <p:cNvPr id="73" name="Oval 72">
+            <a:extLst>
+              <a:ext uri="{FF2B5EF4-FFF2-40B4-BE49-F238E27FC236}">
+                <a16:creationId xmlns:a16="http://schemas.microsoft.com/office/drawing/2014/main" id="{01942AD3-9418-4507-AE0F-1758F049176B}"/>
+              </a:ext>
+            </a:extLst>
+          </p:cNvPr>
+          <p:cNvSpPr/>
+          <p:nvPr/>
+        </p:nvSpPr>
+        <p:spPr>
+          <a:xfrm>
+            <a:off x="2214301" y="3281471"/>
+            <a:ext cx="1192167" cy="609191"/>
+          </a:xfrm>
+          <a:prstGeom prst="ellipse">
+            <a:avLst/>
+          </a:prstGeom>
+        </p:spPr>
+        <p:style>
+          <a:lnRef idx="2">
+            <a:schemeClr val="accent2"/>
+          </a:lnRef>
+          <a:fillRef idx="1">
+            <a:schemeClr val="lt1"/>
+          </a:fillRef>
+          <a:effectRef idx="0">
+            <a:schemeClr val="accent2"/>
+          </a:effectRef>
+          <a:fontRef idx="minor">
+            <a:schemeClr val="dk1"/>
+          </a:fontRef>
+        </p:style>
+        <p:txBody>
+          <a:bodyPr rtlCol="0" anchor="ctr"/>
+          <a:lstStyle/>
+          <a:p>
+            <a:pPr algn="ctr"/>
+            <a:r>
+              <a:rPr lang="en-US" sz="800" dirty="0"/>
+              <a:t>template html</a:t>
+            </a:r>
+          </a:p>
+        </p:txBody>
+      </p:sp>
+      <p:sp>
+        <p:nvSpPr>
+          <p:cNvPr id="74" name="TextBox 73">
+            <a:extLst>
+              <a:ext uri="{FF2B5EF4-FFF2-40B4-BE49-F238E27FC236}">
+                <a16:creationId xmlns:a16="http://schemas.microsoft.com/office/drawing/2014/main" id="{A7C96C17-D8D9-4EAA-A1B8-35C1059BDA65}"/>
+              </a:ext>
+            </a:extLst>
+          </p:cNvPr>
+          <p:cNvSpPr txBox="1"/>
+          <p:nvPr/>
+        </p:nvSpPr>
+        <p:spPr>
+          <a:xfrm>
+            <a:off x="2321051" y="2365308"/>
+            <a:ext cx="734157" cy="215444"/>
+          </a:xfrm>
+          <a:prstGeom prst="rect">
+            <a:avLst/>
+          </a:prstGeom>
+          <a:noFill/>
+        </p:spPr>
+        <p:txBody>
+          <a:bodyPr wrap="square" rtlCol="0">
+            <a:spAutoFit/>
+          </a:bodyPr>
+          <a:lstStyle/>
+          <a:p>
+            <a:r>
+              <a:rPr lang="en-US" sz="800" dirty="0"/>
+              <a:t>Controller</a:t>
+            </a:r>
+          </a:p>
+        </p:txBody>
+      </p:sp>
+      <p:sp>
+        <p:nvSpPr>
+          <p:cNvPr id="75" name="TextBox 74">
+            <a:extLst>
+              <a:ext uri="{FF2B5EF4-FFF2-40B4-BE49-F238E27FC236}">
+                <a16:creationId xmlns:a16="http://schemas.microsoft.com/office/drawing/2014/main" id="{23F71294-9C6B-48BE-A621-D66DF808125B}"/>
+              </a:ext>
+            </a:extLst>
+          </p:cNvPr>
+          <p:cNvSpPr txBox="1"/>
+          <p:nvPr/>
+        </p:nvSpPr>
+        <p:spPr>
+          <a:xfrm>
+            <a:off x="1104889" y="3890662"/>
+            <a:ext cx="734157" cy="215444"/>
+          </a:xfrm>
+          <a:prstGeom prst="rect">
+            <a:avLst/>
+          </a:prstGeom>
+          <a:noFill/>
+        </p:spPr>
+        <p:txBody>
+          <a:bodyPr wrap="square" rtlCol="0">
+            <a:spAutoFit/>
+          </a:bodyPr>
+          <a:lstStyle/>
+          <a:p>
+            <a:r>
+              <a:rPr lang="en-US" sz="800" dirty="0"/>
+              <a:t>data</a:t>
+            </a:r>
+          </a:p>
+        </p:txBody>
+      </p:sp>
+      <p:sp>
+        <p:nvSpPr>
+          <p:cNvPr id="76" name="TextBox 75">
+            <a:extLst>
+              <a:ext uri="{FF2B5EF4-FFF2-40B4-BE49-F238E27FC236}">
+                <a16:creationId xmlns:a16="http://schemas.microsoft.com/office/drawing/2014/main" id="{D8D488FB-5FB4-40B4-9851-2525F7AE932E}"/>
+              </a:ext>
+            </a:extLst>
+          </p:cNvPr>
+          <p:cNvSpPr txBox="1"/>
+          <p:nvPr/>
+        </p:nvSpPr>
+        <p:spPr>
+          <a:xfrm>
+            <a:off x="3164957" y="3867350"/>
+            <a:ext cx="734157" cy="215444"/>
+          </a:xfrm>
+          <a:prstGeom prst="rect">
+            <a:avLst/>
+          </a:prstGeom>
+          <a:noFill/>
+        </p:spPr>
+        <p:txBody>
+          <a:bodyPr wrap="square" rtlCol="0">
+            <a:spAutoFit/>
+          </a:bodyPr>
+          <a:lstStyle/>
+          <a:p>
+            <a:r>
+              <a:rPr lang="en-US" sz="800" dirty="0"/>
+              <a:t>presentation</a:t>
+            </a:r>
+          </a:p>
+        </p:txBody>
+      </p:sp>
+      <p:sp>
+        <p:nvSpPr>
+          <p:cNvPr id="77" name="Oval 76">
+            <a:extLst>
+              <a:ext uri="{FF2B5EF4-FFF2-40B4-BE49-F238E27FC236}">
+                <a16:creationId xmlns:a16="http://schemas.microsoft.com/office/drawing/2014/main" id="{48FB9D3F-3EF8-48EF-AC8D-A726720D2968}"/>
+              </a:ext>
+            </a:extLst>
+          </p:cNvPr>
+          <p:cNvSpPr/>
+          <p:nvPr/>
+        </p:nvSpPr>
+        <p:spPr>
+          <a:xfrm>
+            <a:off x="276095" y="2595299"/>
+            <a:ext cx="704883" cy="307777"/>
+          </a:xfrm>
+          <a:prstGeom prst="ellipse">
+            <a:avLst/>
+          </a:prstGeom>
+        </p:spPr>
+        <p:style>
+          <a:lnRef idx="2">
+            <a:schemeClr val="accent1"/>
+          </a:lnRef>
+          <a:fillRef idx="1">
+            <a:schemeClr val="lt1"/>
+          </a:fillRef>
+          <a:effectRef idx="0">
+            <a:schemeClr val="accent1"/>
+          </a:effectRef>
+          <a:fontRef idx="minor">
+            <a:schemeClr val="dk1"/>
+          </a:fontRef>
+        </p:style>
+        <p:txBody>
+          <a:bodyPr rtlCol="0" anchor="ctr"/>
+          <a:lstStyle/>
+          <a:p>
+            <a:pPr algn="ctr"/>
+            <a:r>
+              <a:rPr lang="en-US" sz="1000" dirty="0"/>
+              <a:t>Form</a:t>
+            </a:r>
+          </a:p>
+        </p:txBody>
+      </p:sp>
+      <p:cxnSp>
+        <p:nvCxnSpPr>
+          <p:cNvPr id="17" name="Straight Arrow Connector 16">
+            <a:extLst>
+              <a:ext uri="{FF2B5EF4-FFF2-40B4-BE49-F238E27FC236}">
+                <a16:creationId xmlns:a16="http://schemas.microsoft.com/office/drawing/2014/main" id="{45BBE1EA-F5F2-44D0-A8B2-E57A1EADAE89}"/>
+              </a:ext>
+            </a:extLst>
+          </p:cNvPr>
+          <p:cNvCxnSpPr>
+            <a:cxnSpLocks/>
+            <a:stCxn id="72" idx="0"/>
+            <a:endCxn id="77" idx="4"/>
+          </p:cNvCxnSpPr>
+          <p:nvPr/>
+        </p:nvCxnSpPr>
+        <p:spPr>
+          <a:xfrm flipH="1" flipV="1">
+            <a:off x="628537" y="2903076"/>
+            <a:ext cx="265731" cy="378677"/>
+          </a:xfrm>
+          <a:prstGeom prst="straightConnector1">
+            <a:avLst/>
+          </a:prstGeom>
+          <a:ln>
+            <a:tailEnd type="triangle"/>
+          </a:ln>
+        </p:spPr>
+        <p:style>
+          <a:lnRef idx="1">
+            <a:schemeClr val="dk1"/>
+          </a:lnRef>
+          <a:fillRef idx="0">
+            <a:schemeClr val="dk1"/>
+          </a:fillRef>
+          <a:effectRef idx="0">
+            <a:schemeClr val="dk1"/>
+          </a:effectRef>
+          <a:fontRef idx="minor">
+            <a:schemeClr val="tx1"/>
+          </a:fontRef>
+        </p:style>
+      </p:cxnSp>
+      <p:cxnSp>
+        <p:nvCxnSpPr>
+          <p:cNvPr id="78" name="Straight Arrow Connector 77">
+            <a:extLst>
+              <a:ext uri="{FF2B5EF4-FFF2-40B4-BE49-F238E27FC236}">
+                <a16:creationId xmlns:a16="http://schemas.microsoft.com/office/drawing/2014/main" id="{3BE9A0C2-028E-46C8-9902-7B5863CF9461}"/>
+              </a:ext>
+            </a:extLst>
+          </p:cNvPr>
+          <p:cNvCxnSpPr>
+            <a:cxnSpLocks/>
+            <a:stCxn id="72" idx="7"/>
+            <a:endCxn id="13" idx="3"/>
+          </p:cNvCxnSpPr>
+          <p:nvPr/>
+        </p:nvCxnSpPr>
+        <p:spPr>
+          <a:xfrm flipV="1">
+            <a:off x="1331382" y="2459464"/>
+            <a:ext cx="70551" cy="911503"/>
+          </a:xfrm>
+          <a:prstGeom prst="straightConnector1">
+            <a:avLst/>
+          </a:prstGeom>
+          <a:ln>
+            <a:tailEnd type="triangle"/>
+          </a:ln>
+        </p:spPr>
+        <p:style>
+          <a:lnRef idx="1">
+            <a:schemeClr val="dk1"/>
+          </a:lnRef>
+          <a:fillRef idx="0">
+            <a:schemeClr val="dk1"/>
+          </a:fillRef>
+          <a:effectRef idx="0">
+            <a:schemeClr val="dk1"/>
+          </a:effectRef>
+          <a:fontRef idx="minor">
+            <a:schemeClr val="tx1"/>
+          </a:fontRef>
+        </p:style>
+      </p:cxnSp>
+      <p:cxnSp>
+        <p:nvCxnSpPr>
+          <p:cNvPr id="79" name="Straight Arrow Connector 78">
+            <a:extLst>
+              <a:ext uri="{FF2B5EF4-FFF2-40B4-BE49-F238E27FC236}">
+                <a16:creationId xmlns:a16="http://schemas.microsoft.com/office/drawing/2014/main" id="{04435F5C-A3F7-4C4D-949C-C8BDD70EE3D0}"/>
+              </a:ext>
+            </a:extLst>
+          </p:cNvPr>
+          <p:cNvCxnSpPr>
+            <a:cxnSpLocks/>
+            <a:stCxn id="77" idx="0"/>
+            <a:endCxn id="13" idx="2"/>
+          </p:cNvCxnSpPr>
+          <p:nvPr/>
+        </p:nvCxnSpPr>
+        <p:spPr>
+          <a:xfrm flipV="1">
+            <a:off x="628537" y="2278102"/>
+            <a:ext cx="592337" cy="317197"/>
+          </a:xfrm>
+          <a:prstGeom prst="straightConnector1">
+            <a:avLst/>
+          </a:prstGeom>
+          <a:ln>
+            <a:tailEnd type="triangle"/>
+          </a:ln>
+        </p:spPr>
+        <p:style>
+          <a:lnRef idx="1">
+            <a:schemeClr val="dk1"/>
+          </a:lnRef>
+          <a:fillRef idx="0">
+            <a:schemeClr val="dk1"/>
+          </a:fillRef>
+          <a:effectRef idx="0">
+            <a:schemeClr val="dk1"/>
+          </a:effectRef>
+          <a:fontRef idx="minor">
+            <a:schemeClr val="tx1"/>
+          </a:fontRef>
+        </p:style>
+      </p:cxnSp>
+      <p:cxnSp>
+        <p:nvCxnSpPr>
+          <p:cNvPr id="84" name="Straight Arrow Connector 83">
+            <a:extLst>
+              <a:ext uri="{FF2B5EF4-FFF2-40B4-BE49-F238E27FC236}">
+                <a16:creationId xmlns:a16="http://schemas.microsoft.com/office/drawing/2014/main" id="{62DB7C14-4866-498B-926E-F129956F887F}"/>
+              </a:ext>
+            </a:extLst>
+          </p:cNvPr>
+          <p:cNvCxnSpPr>
+            <a:cxnSpLocks/>
+            <a:stCxn id="13" idx="4"/>
+            <a:endCxn id="73" idx="1"/>
+          </p:cNvCxnSpPr>
+          <p:nvPr/>
+        </p:nvCxnSpPr>
+        <p:spPr>
+          <a:xfrm>
+            <a:off x="1839047" y="2534586"/>
+            <a:ext cx="549843" cy="836099"/>
+          </a:xfrm>
+          <a:prstGeom prst="straightConnector1">
+            <a:avLst/>
+          </a:prstGeom>
+          <a:ln>
+            <a:tailEnd type="triangle"/>
+          </a:ln>
+        </p:spPr>
+        <p:style>
+          <a:lnRef idx="1">
+            <a:schemeClr val="dk1"/>
+          </a:lnRef>
+          <a:fillRef idx="0">
+            <a:schemeClr val="dk1"/>
+          </a:fillRef>
+          <a:effectRef idx="0">
+            <a:schemeClr val="dk1"/>
+          </a:effectRef>
+          <a:fontRef idx="minor">
+            <a:schemeClr val="tx1"/>
+          </a:fontRef>
+        </p:style>
+      </p:cxnSp>
+      <p:sp>
+        <p:nvSpPr>
+          <p:cNvPr id="2" name="Arrow: Down 1">
+            <a:extLst>
+              <a:ext uri="{FF2B5EF4-FFF2-40B4-BE49-F238E27FC236}">
+                <a16:creationId xmlns:a16="http://schemas.microsoft.com/office/drawing/2014/main" id="{BD1744A1-B5D1-4CE6-94A8-4288A88D3B31}"/>
+              </a:ext>
+            </a:extLst>
+          </p:cNvPr>
+          <p:cNvSpPr/>
+          <p:nvPr/>
+        </p:nvSpPr>
+        <p:spPr>
+          <a:xfrm rot="12673651">
+            <a:off x="2493576" y="1307193"/>
+            <a:ext cx="233561" cy="782411"/>
+          </a:xfrm>
+          <a:prstGeom prst="downArrow">
+            <a:avLst/>
+          </a:prstGeom>
+        </p:spPr>
+        <p:style>
+          <a:lnRef idx="2">
+            <a:schemeClr val="accent6"/>
+          </a:lnRef>
+          <a:fillRef idx="1">
+            <a:schemeClr val="lt1"/>
+          </a:fillRef>
+          <a:effectRef idx="0">
+            <a:schemeClr val="accent6"/>
+          </a:effectRef>
+          <a:fontRef idx="minor">
+            <a:schemeClr val="dk1"/>
+          </a:fontRef>
+        </p:style>
+        <p:txBody>
+          <a:bodyPr rtlCol="0" anchor="ctr"/>
+          <a:lstStyle/>
+          <a:p>
+            <a:pPr algn="ctr"/>
+            <a:endParaRPr lang="en-US"/>
+          </a:p>
+        </p:txBody>
+      </p:sp>
+      <p:sp>
+        <p:nvSpPr>
+          <p:cNvPr id="88" name="TextBox 87">
+            <a:extLst>
+              <a:ext uri="{FF2B5EF4-FFF2-40B4-BE49-F238E27FC236}">
+                <a16:creationId xmlns:a16="http://schemas.microsoft.com/office/drawing/2014/main" id="{6B83F87F-1E64-44A9-94DE-10A6522D895E}"/>
+              </a:ext>
+            </a:extLst>
+          </p:cNvPr>
+          <p:cNvSpPr txBox="1"/>
+          <p:nvPr/>
+        </p:nvSpPr>
+        <p:spPr>
+          <a:xfrm>
+            <a:off x="3417294" y="1125675"/>
+            <a:ext cx="966603" cy="248972"/>
+          </a:xfrm>
+          <a:prstGeom prst="rect">
+            <a:avLst/>
+          </a:prstGeom>
+          <a:solidFill>
+            <a:schemeClr val="bg1"/>
+          </a:solidFill>
+        </p:spPr>
+        <p:txBody>
+          <a:bodyPr wrap="square" rtlCol="0">
+            <a:noAutofit/>
+          </a:bodyPr>
+          <a:lstStyle/>
+          <a:p>
+            <a:r>
+              <a:rPr lang="en-US" sz="1200" dirty="0">
+                <a:solidFill>
+                  <a:srgbClr val="FF0000"/>
+                </a:solidFill>
+              </a:rPr>
+              <a:t>App Routing</a:t>
+            </a:r>
+          </a:p>
+        </p:txBody>
+      </p:sp>
+      <p:cxnSp>
+        <p:nvCxnSpPr>
+          <p:cNvPr id="89" name="Straight Arrow Connector 88">
+            <a:extLst>
+              <a:ext uri="{FF2B5EF4-FFF2-40B4-BE49-F238E27FC236}">
+                <a16:creationId xmlns:a16="http://schemas.microsoft.com/office/drawing/2014/main" id="{1DA07F90-0017-410B-AD50-E9B2B270C6CF}"/>
+              </a:ext>
+            </a:extLst>
+          </p:cNvPr>
+          <p:cNvCxnSpPr>
+            <a:cxnSpLocks/>
+            <a:endCxn id="88" idx="0"/>
+          </p:cNvCxnSpPr>
+          <p:nvPr/>
+        </p:nvCxnSpPr>
+        <p:spPr>
+          <a:xfrm flipH="1">
+            <a:off x="3900596" y="908635"/>
+            <a:ext cx="270538" cy="217040"/>
+          </a:xfrm>
+          <a:prstGeom prst="straightConnector1">
+            <a:avLst/>
+          </a:prstGeom>
+          <a:ln>
+            <a:tailEnd type="triangle"/>
+          </a:ln>
+        </p:spPr>
+        <p:style>
+          <a:lnRef idx="3">
+            <a:schemeClr val="accent4"/>
+          </a:lnRef>
+          <a:fillRef idx="0">
+            <a:schemeClr val="accent4"/>
+          </a:fillRef>
+          <a:effectRef idx="2">
+            <a:schemeClr val="accent4"/>
+          </a:effectRef>
+          <a:fontRef idx="minor">
+            <a:schemeClr val="tx1"/>
+          </a:fontRef>
+        </p:style>
+      </p:cxnSp>
+      <p:cxnSp>
+        <p:nvCxnSpPr>
+          <p:cNvPr id="93" name="Straight Arrow Connector 92">
+            <a:extLst>
+              <a:ext uri="{FF2B5EF4-FFF2-40B4-BE49-F238E27FC236}">
+                <a16:creationId xmlns:a16="http://schemas.microsoft.com/office/drawing/2014/main" id="{4E08BFFA-5F42-4B5A-AC2A-FAE7C57A6914}"/>
+              </a:ext>
+            </a:extLst>
+          </p:cNvPr>
+          <p:cNvCxnSpPr>
+            <a:cxnSpLocks/>
+            <a:stCxn id="88" idx="1"/>
+            <a:endCxn id="13" idx="6"/>
+          </p:cNvCxnSpPr>
+          <p:nvPr/>
+        </p:nvCxnSpPr>
+        <p:spPr>
+          <a:xfrm flipH="1">
+            <a:off x="2457219" y="1250161"/>
+            <a:ext cx="960075" cy="1027941"/>
+          </a:xfrm>
+          <a:prstGeom prst="straightConnector1">
+            <a:avLst/>
+          </a:prstGeom>
+          <a:ln>
+            <a:tailEnd type="triangle"/>
+          </a:ln>
+        </p:spPr>
+        <p:style>
+          <a:lnRef idx="3">
+            <a:schemeClr val="accent4"/>
+          </a:lnRef>
+          <a:fillRef idx="0">
+            <a:schemeClr val="accent4"/>
+          </a:fillRef>
+          <a:effectRef idx="2">
+            <a:schemeClr val="accent4"/>
+          </a:effectRef>
+          <a:fontRef idx="minor">
+            <a:schemeClr val="tx1"/>
+          </a:fontRef>
+        </p:style>
+      </p:cxnSp>
+      <p:sp>
+        <p:nvSpPr>
+          <p:cNvPr id="96" name="Rectangle: Top Corners One Rounded and One Snipped 95">
+            <a:extLst>
+              <a:ext uri="{FF2B5EF4-FFF2-40B4-BE49-F238E27FC236}">
+                <a16:creationId xmlns:a16="http://schemas.microsoft.com/office/drawing/2014/main" id="{91287BBF-41BC-4DDB-A7C6-542B76C8484B}"/>
+              </a:ext>
+            </a:extLst>
+          </p:cNvPr>
+          <p:cNvSpPr/>
+          <p:nvPr/>
+        </p:nvSpPr>
+        <p:spPr>
+          <a:xfrm>
+            <a:off x="3220656" y="2819843"/>
+            <a:ext cx="304799" cy="215444"/>
+          </a:xfrm>
+          <a:prstGeom prst="snipRoundRect">
+            <a:avLst/>
+          </a:prstGeom>
+        </p:spPr>
+        <p:style>
+          <a:lnRef idx="2">
+            <a:schemeClr val="dk1"/>
+          </a:lnRef>
+          <a:fillRef idx="1">
+            <a:schemeClr val="lt1"/>
+          </a:fillRef>
+          <a:effectRef idx="0">
+            <a:schemeClr val="dk1"/>
+          </a:effectRef>
+          <a:fontRef idx="minor">
+            <a:schemeClr val="dk1"/>
+          </a:fontRef>
+        </p:style>
+        <p:txBody>
+          <a:bodyPr rtlCol="0" anchor="ctr"/>
+          <a:lstStyle/>
+          <a:p>
+            <a:pPr algn="ctr"/>
+            <a:endParaRPr lang="en-US"/>
+          </a:p>
+        </p:txBody>
+      </p:sp>
+      <p:sp>
+        <p:nvSpPr>
+          <p:cNvPr id="97" name="Rectangle: Top Corners One Rounded and One Snipped 96">
+            <a:extLst>
+              <a:ext uri="{FF2B5EF4-FFF2-40B4-BE49-F238E27FC236}">
+                <a16:creationId xmlns:a16="http://schemas.microsoft.com/office/drawing/2014/main" id="{A5CEF7B3-D9CB-401B-A987-867F12603367}"/>
+              </a:ext>
+            </a:extLst>
+          </p:cNvPr>
+          <p:cNvSpPr/>
+          <p:nvPr/>
+        </p:nvSpPr>
+        <p:spPr>
+          <a:xfrm>
+            <a:off x="3880704" y="2437222"/>
+            <a:ext cx="304799" cy="215444"/>
+          </a:xfrm>
+          <a:prstGeom prst="snipRoundRect">
+            <a:avLst/>
+          </a:prstGeom>
+        </p:spPr>
+        <p:style>
+          <a:lnRef idx="2">
+            <a:schemeClr val="dk1"/>
+          </a:lnRef>
+          <a:fillRef idx="1">
+            <a:schemeClr val="lt1"/>
+          </a:fillRef>
+          <a:effectRef idx="0">
+            <a:schemeClr val="dk1"/>
+          </a:effectRef>
+          <a:fontRef idx="minor">
+            <a:schemeClr val="dk1"/>
+          </a:fontRef>
+        </p:style>
+        <p:txBody>
+          <a:bodyPr rtlCol="0" anchor="ctr"/>
+          <a:lstStyle/>
+          <a:p>
+            <a:pPr algn="ctr"/>
+            <a:endParaRPr lang="en-US"/>
+          </a:p>
+        </p:txBody>
+      </p:sp>
+      <p:cxnSp>
+        <p:nvCxnSpPr>
+          <p:cNvPr id="99" name="Straight Arrow Connector 98">
+            <a:extLst>
+              <a:ext uri="{FF2B5EF4-FFF2-40B4-BE49-F238E27FC236}">
+                <a16:creationId xmlns:a16="http://schemas.microsoft.com/office/drawing/2014/main" id="{16673710-9BCC-4201-A6BE-01085306E471}"/>
+              </a:ext>
+            </a:extLst>
+          </p:cNvPr>
+          <p:cNvCxnSpPr>
+            <a:cxnSpLocks/>
+          </p:cNvCxnSpPr>
+          <p:nvPr/>
+        </p:nvCxnSpPr>
+        <p:spPr>
+          <a:xfrm flipH="1">
+            <a:off x="3875903" y="1374647"/>
+            <a:ext cx="118589" cy="930034"/>
+          </a:xfrm>
+          <a:prstGeom prst="straightConnector1">
+            <a:avLst/>
+          </a:prstGeom>
+          <a:ln>
+            <a:tailEnd type="triangle"/>
+          </a:ln>
+        </p:spPr>
+        <p:style>
+          <a:lnRef idx="3">
+            <a:schemeClr val="accent4"/>
+          </a:lnRef>
+          <a:fillRef idx="0">
+            <a:schemeClr val="accent4"/>
+          </a:fillRef>
+          <a:effectRef idx="2">
+            <a:schemeClr val="accent4"/>
+          </a:effectRef>
+          <a:fontRef idx="minor">
+            <a:schemeClr val="tx1"/>
+          </a:fontRef>
+        </p:style>
+      </p:cxnSp>
+      <p:cxnSp>
+        <p:nvCxnSpPr>
+          <p:cNvPr id="107" name="Straight Arrow Connector 106">
+            <a:extLst>
+              <a:ext uri="{FF2B5EF4-FFF2-40B4-BE49-F238E27FC236}">
+                <a16:creationId xmlns:a16="http://schemas.microsoft.com/office/drawing/2014/main" id="{2EA75F0C-6370-496C-9973-A0B5DE40B476}"/>
+              </a:ext>
+            </a:extLst>
+          </p:cNvPr>
+          <p:cNvCxnSpPr>
+            <a:cxnSpLocks/>
+          </p:cNvCxnSpPr>
+          <p:nvPr/>
+        </p:nvCxnSpPr>
+        <p:spPr>
+          <a:xfrm flipV="1">
+            <a:off x="3462744" y="1395243"/>
+            <a:ext cx="125422" cy="829169"/>
+          </a:xfrm>
+          <a:prstGeom prst="straightConnector1">
+            <a:avLst/>
+          </a:prstGeom>
+          <a:ln>
+            <a:tailEnd type="triangle"/>
+          </a:ln>
+        </p:spPr>
+        <p:style>
+          <a:lnRef idx="3">
+            <a:schemeClr val="accent4"/>
+          </a:lnRef>
+          <a:fillRef idx="0">
+            <a:schemeClr val="accent4"/>
+          </a:fillRef>
+          <a:effectRef idx="2">
+            <a:schemeClr val="accent4"/>
+          </a:effectRef>
+          <a:fontRef idx="minor">
+            <a:schemeClr val="tx1"/>
+          </a:fontRef>
+        </p:style>
+      </p:cxnSp>
+      <p:sp>
+        <p:nvSpPr>
+          <p:cNvPr id="120" name="TextBox 119">
+            <a:extLst>
+              <a:ext uri="{FF2B5EF4-FFF2-40B4-BE49-F238E27FC236}">
+                <a16:creationId xmlns:a16="http://schemas.microsoft.com/office/drawing/2014/main" id="{EA967DCA-5AA1-4F41-ADEC-D979E97B44D3}"/>
+              </a:ext>
+            </a:extLst>
+          </p:cNvPr>
+          <p:cNvSpPr txBox="1"/>
+          <p:nvPr/>
+        </p:nvSpPr>
+        <p:spPr>
+          <a:xfrm>
+            <a:off x="3398085" y="315235"/>
+            <a:ext cx="686442" cy="248972"/>
+          </a:xfrm>
+          <a:prstGeom prst="rect">
+            <a:avLst/>
+          </a:prstGeom>
+          <a:solidFill>
+            <a:schemeClr val="bg1"/>
+          </a:solidFill>
+        </p:spPr>
+        <p:txBody>
+          <a:bodyPr wrap="square" rtlCol="0">
+            <a:noAutofit/>
+          </a:bodyPr>
+          <a:lstStyle/>
+          <a:p>
+            <a:r>
+              <a:rPr lang="en-US" sz="1200" dirty="0">
+                <a:solidFill>
+                  <a:srgbClr val="FF0000"/>
+                </a:solidFill>
+              </a:rPr>
+              <a:t>Settings</a:t>
+            </a:r>
+          </a:p>
+        </p:txBody>
+      </p:sp>
+      <p:sp>
+        <p:nvSpPr>
+          <p:cNvPr id="121" name="Cylinder 120">
+            <a:extLst>
+              <a:ext uri="{FF2B5EF4-FFF2-40B4-BE49-F238E27FC236}">
+                <a16:creationId xmlns:a16="http://schemas.microsoft.com/office/drawing/2014/main" id="{AD45FBCE-C272-413A-83D4-CCDA6DF2288B}"/>
+              </a:ext>
+            </a:extLst>
+          </p:cNvPr>
+          <p:cNvSpPr/>
+          <p:nvPr/>
+        </p:nvSpPr>
+        <p:spPr>
+          <a:xfrm>
+            <a:off x="5504588" y="1934242"/>
+            <a:ext cx="512748" cy="392920"/>
+          </a:xfrm>
+          <a:prstGeom prst="can">
+            <a:avLst/>
+          </a:prstGeom>
+        </p:spPr>
+        <p:style>
+          <a:lnRef idx="1">
+            <a:schemeClr val="accent3"/>
+          </a:lnRef>
+          <a:fillRef idx="2">
+            <a:schemeClr val="accent3"/>
+          </a:fillRef>
+          <a:effectRef idx="1">
+            <a:schemeClr val="accent3"/>
+          </a:effectRef>
+          <a:fontRef idx="minor">
+            <a:schemeClr val="dk1"/>
+          </a:fontRef>
+        </p:style>
+        <p:txBody>
+          <a:bodyPr rtlCol="0" anchor="ctr"/>
+          <a:lstStyle/>
+          <a:p>
+            <a:pPr algn="ctr"/>
+            <a:r>
+              <a:rPr lang="en-US" sz="1200" dirty="0"/>
+              <a:t>DB</a:t>
+            </a:r>
+          </a:p>
+        </p:txBody>
+      </p:sp>
+      <p:sp>
+        <p:nvSpPr>
+          <p:cNvPr id="122" name="TextBox 121">
+            <a:extLst>
+              <a:ext uri="{FF2B5EF4-FFF2-40B4-BE49-F238E27FC236}">
+                <a16:creationId xmlns:a16="http://schemas.microsoft.com/office/drawing/2014/main" id="{5652851E-6A6A-4F23-8B54-361FD03FF876}"/>
+              </a:ext>
+            </a:extLst>
+          </p:cNvPr>
+          <p:cNvSpPr txBox="1"/>
+          <p:nvPr/>
+        </p:nvSpPr>
+        <p:spPr>
+          <a:xfrm>
+            <a:off x="4696528" y="1519504"/>
+            <a:ext cx="1681521" cy="248972"/>
+          </a:xfrm>
+          <a:prstGeom prst="rect">
+            <a:avLst/>
+          </a:prstGeom>
+          <a:solidFill>
+            <a:schemeClr val="bg1"/>
+          </a:solidFill>
+        </p:spPr>
+        <p:txBody>
+          <a:bodyPr wrap="square" rtlCol="0">
+            <a:noAutofit/>
+          </a:bodyPr>
+          <a:lstStyle/>
+          <a:p>
+            <a:r>
+              <a:rPr lang="en-US" sz="1200" dirty="0">
+                <a:solidFill>
+                  <a:srgbClr val="FF0000"/>
+                </a:solidFill>
+              </a:rPr>
+              <a:t>Built-In Authentication</a:t>
+            </a:r>
+          </a:p>
+        </p:txBody>
+      </p:sp>
+      <p:cxnSp>
+        <p:nvCxnSpPr>
+          <p:cNvPr id="124" name="Connector: Elbow 123">
+            <a:extLst>
+              <a:ext uri="{FF2B5EF4-FFF2-40B4-BE49-F238E27FC236}">
+                <a16:creationId xmlns:a16="http://schemas.microsoft.com/office/drawing/2014/main" id="{397CDBD5-5732-4E17-8C3A-1FA9048F5A92}"/>
+              </a:ext>
+            </a:extLst>
+          </p:cNvPr>
+          <p:cNvCxnSpPr>
+            <a:cxnSpLocks/>
+            <a:stCxn id="120" idx="3"/>
+            <a:endCxn id="121" idx="1"/>
+          </p:cNvCxnSpPr>
+          <p:nvPr/>
+        </p:nvCxnSpPr>
+        <p:spPr>
+          <a:xfrm>
+            <a:off x="4084527" y="439721"/>
+            <a:ext cx="1676435" cy="1494521"/>
+          </a:xfrm>
+          <a:prstGeom prst="bentConnector2">
+            <a:avLst/>
+          </a:prstGeom>
+          <a:ln>
+            <a:tailEnd type="triangle"/>
+          </a:ln>
+        </p:spPr>
+        <p:style>
+          <a:lnRef idx="1">
+            <a:schemeClr val="accent1"/>
+          </a:lnRef>
+          <a:fillRef idx="0">
+            <a:schemeClr val="accent1"/>
+          </a:fillRef>
+          <a:effectRef idx="0">
+            <a:schemeClr val="accent1"/>
+          </a:effectRef>
+          <a:fontRef idx="minor">
+            <a:schemeClr val="tx1"/>
+          </a:fontRef>
+        </p:style>
+      </p:cxnSp>
+      <p:cxnSp>
+        <p:nvCxnSpPr>
+          <p:cNvPr id="132" name="Connector: Elbow 131">
+            <a:extLst>
+              <a:ext uri="{FF2B5EF4-FFF2-40B4-BE49-F238E27FC236}">
+                <a16:creationId xmlns:a16="http://schemas.microsoft.com/office/drawing/2014/main" id="{9C001F72-2D6A-4CE9-93A4-3F4160754688}"/>
+              </a:ext>
+            </a:extLst>
+          </p:cNvPr>
+          <p:cNvCxnSpPr>
+            <a:cxnSpLocks/>
+            <a:stCxn id="138" idx="3"/>
+            <a:endCxn id="121" idx="3"/>
+          </p:cNvCxnSpPr>
+          <p:nvPr/>
+        </p:nvCxnSpPr>
+        <p:spPr>
+          <a:xfrm flipV="1">
+            <a:off x="5341120" y="2327162"/>
+            <a:ext cx="419842" cy="2113211"/>
+          </a:xfrm>
+          <a:prstGeom prst="bentConnector2">
+            <a:avLst/>
+          </a:prstGeom>
+          <a:ln>
+            <a:tailEnd type="triangle"/>
+          </a:ln>
+        </p:spPr>
+        <p:style>
+          <a:lnRef idx="1">
+            <a:schemeClr val="accent1"/>
+          </a:lnRef>
+          <a:fillRef idx="0">
+            <a:schemeClr val="accent1"/>
+          </a:fillRef>
+          <a:effectRef idx="0">
+            <a:schemeClr val="accent1"/>
+          </a:effectRef>
+          <a:fontRef idx="minor">
+            <a:schemeClr val="tx1"/>
+          </a:fontRef>
+        </p:style>
+      </p:cxnSp>
+      <p:sp>
+        <p:nvSpPr>
+          <p:cNvPr id="136" name="TextBox 135">
+            <a:extLst>
+              <a:ext uri="{FF2B5EF4-FFF2-40B4-BE49-F238E27FC236}">
+                <a16:creationId xmlns:a16="http://schemas.microsoft.com/office/drawing/2014/main" id="{DD10D230-3A0C-45C8-9298-0BF4942D737C}"/>
+              </a:ext>
+            </a:extLst>
+          </p:cNvPr>
+          <p:cNvSpPr txBox="1"/>
+          <p:nvPr/>
+        </p:nvSpPr>
+        <p:spPr>
+          <a:xfrm>
+            <a:off x="1826004" y="4315887"/>
+            <a:ext cx="1471087" cy="248972"/>
+          </a:xfrm>
+          <a:prstGeom prst="rect">
+            <a:avLst/>
+          </a:prstGeom>
+          <a:solidFill>
+            <a:schemeClr val="bg1"/>
+          </a:solidFill>
+        </p:spPr>
+        <p:txBody>
+          <a:bodyPr wrap="square" rtlCol="0">
+            <a:noAutofit/>
+          </a:bodyPr>
+          <a:lstStyle/>
+          <a:p>
+            <a:r>
+              <a:rPr lang="en-US" sz="1200" dirty="0">
+                <a:solidFill>
+                  <a:srgbClr val="FF0000"/>
+                </a:solidFill>
+              </a:rPr>
+              <a:t>User Defined Data</a:t>
+            </a:r>
+          </a:p>
+        </p:txBody>
+      </p:sp>
+      <p:sp>
+        <p:nvSpPr>
+          <p:cNvPr id="138" name="TextBox 137">
+            <a:extLst>
+              <a:ext uri="{FF2B5EF4-FFF2-40B4-BE49-F238E27FC236}">
+                <a16:creationId xmlns:a16="http://schemas.microsoft.com/office/drawing/2014/main" id="{EFCFAC1E-1B48-47C2-A1FD-BE77A0903FE3}"/>
+              </a:ext>
+            </a:extLst>
+          </p:cNvPr>
+          <p:cNvSpPr txBox="1"/>
+          <p:nvPr/>
+        </p:nvSpPr>
+        <p:spPr>
+          <a:xfrm>
+            <a:off x="4084527" y="4315887"/>
+            <a:ext cx="1256593" cy="248972"/>
+          </a:xfrm>
+          <a:prstGeom prst="rect">
+            <a:avLst/>
+          </a:prstGeom>
+          <a:solidFill>
+            <a:schemeClr val="bg1"/>
+          </a:solidFill>
+        </p:spPr>
+        <p:txBody>
+          <a:bodyPr wrap="square" rtlCol="0">
+            <a:noAutofit/>
+          </a:bodyPr>
+          <a:lstStyle/>
+          <a:p>
+            <a:r>
+              <a:rPr lang="en-US" sz="1200" dirty="0">
+                <a:solidFill>
+                  <a:srgbClr val="FF0000"/>
+                </a:solidFill>
+              </a:rPr>
+              <a:t>ORM: Code First</a:t>
+            </a:r>
+          </a:p>
+        </p:txBody>
+      </p:sp>
+      <p:cxnSp>
+        <p:nvCxnSpPr>
+          <p:cNvPr id="142" name="Connector: Elbow 141">
+            <a:extLst>
+              <a:ext uri="{FF2B5EF4-FFF2-40B4-BE49-F238E27FC236}">
+                <a16:creationId xmlns:a16="http://schemas.microsoft.com/office/drawing/2014/main" id="{9F0B072D-265A-4550-A9C1-D37B4200A987}"/>
+              </a:ext>
+            </a:extLst>
+          </p:cNvPr>
+          <p:cNvCxnSpPr>
+            <a:stCxn id="72" idx="4"/>
+            <a:endCxn id="136" idx="1"/>
+          </p:cNvCxnSpPr>
+          <p:nvPr/>
+        </p:nvCxnSpPr>
+        <p:spPr>
+          <a:xfrm rot="16200000" flipH="1">
+            <a:off x="1085422" y="3699790"/>
+            <a:ext cx="549429" cy="931736"/>
+          </a:xfrm>
+          <a:prstGeom prst="bentConnector2">
+            <a:avLst/>
+          </a:prstGeom>
+        </p:spPr>
+        <p:style>
+          <a:lnRef idx="1">
+            <a:schemeClr val="accent1"/>
+          </a:lnRef>
+          <a:fillRef idx="0">
+            <a:schemeClr val="accent1"/>
+          </a:fillRef>
+          <a:effectRef idx="0">
+            <a:schemeClr val="accent1"/>
+          </a:effectRef>
+          <a:fontRef idx="minor">
+            <a:schemeClr val="tx1"/>
+          </a:fontRef>
+        </p:style>
+      </p:cxnSp>
+      <p:cxnSp>
+        <p:nvCxnSpPr>
+          <p:cNvPr id="144" name="Straight Connector 143">
+            <a:extLst>
+              <a:ext uri="{FF2B5EF4-FFF2-40B4-BE49-F238E27FC236}">
+                <a16:creationId xmlns:a16="http://schemas.microsoft.com/office/drawing/2014/main" id="{9B3566A8-B7B7-449E-AEDC-8601BF0F5ADB}"/>
+              </a:ext>
+            </a:extLst>
+          </p:cNvPr>
+          <p:cNvCxnSpPr>
+            <a:stCxn id="136" idx="3"/>
+            <a:endCxn id="138" idx="1"/>
+          </p:cNvCxnSpPr>
+          <p:nvPr/>
+        </p:nvCxnSpPr>
+        <p:spPr>
+          <a:xfrm>
+            <a:off x="3297091" y="4440373"/>
+            <a:ext cx="787436" cy="0"/>
+          </a:xfrm>
+          <a:prstGeom prst="line">
+            <a:avLst/>
+          </a:prstGeom>
+        </p:spPr>
+        <p:style>
+          <a:lnRef idx="1">
+            <a:schemeClr val="accent1"/>
+          </a:lnRef>
+          <a:fillRef idx="0">
+            <a:schemeClr val="accent1"/>
+          </a:fillRef>
+          <a:effectRef idx="0">
+            <a:schemeClr val="accent1"/>
+          </a:effectRef>
+          <a:fontRef idx="minor">
+            <a:schemeClr val="tx1"/>
+          </a:fontRef>
+        </p:style>
+      </p:cxnSp>
+      <p:sp>
+        <p:nvSpPr>
+          <p:cNvPr id="147" name="Oval 146">
+            <a:extLst>
+              <a:ext uri="{FF2B5EF4-FFF2-40B4-BE49-F238E27FC236}">
+                <a16:creationId xmlns:a16="http://schemas.microsoft.com/office/drawing/2014/main" id="{9B7DD10D-FD13-44CF-90EF-8668E73B9521}"/>
+              </a:ext>
+            </a:extLst>
+          </p:cNvPr>
+          <p:cNvSpPr/>
+          <p:nvPr/>
+        </p:nvSpPr>
+        <p:spPr>
+          <a:xfrm>
+            <a:off x="3717468" y="3436625"/>
+            <a:ext cx="704883" cy="307777"/>
+          </a:xfrm>
+          <a:prstGeom prst="ellipse">
+            <a:avLst/>
+          </a:prstGeom>
+        </p:spPr>
+        <p:style>
+          <a:lnRef idx="2">
+            <a:schemeClr val="accent1"/>
+          </a:lnRef>
+          <a:fillRef idx="1">
+            <a:schemeClr val="lt1"/>
+          </a:fillRef>
+          <a:effectRef idx="0">
+            <a:schemeClr val="accent1"/>
+          </a:effectRef>
+          <a:fontRef idx="minor">
+            <a:schemeClr val="dk1"/>
+          </a:fontRef>
+        </p:style>
+        <p:txBody>
+          <a:bodyPr rtlCol="0" anchor="ctr"/>
+          <a:lstStyle/>
+          <a:p>
+            <a:pPr algn="ctr"/>
+            <a:r>
+              <a:rPr lang="en-US" sz="1000" dirty="0"/>
+              <a:t>static</a:t>
+            </a:r>
+          </a:p>
+        </p:txBody>
+      </p:sp>
+      <p:cxnSp>
+        <p:nvCxnSpPr>
+          <p:cNvPr id="149" name="Straight Arrow Connector 148">
+            <a:extLst>
+              <a:ext uri="{FF2B5EF4-FFF2-40B4-BE49-F238E27FC236}">
+                <a16:creationId xmlns:a16="http://schemas.microsoft.com/office/drawing/2014/main" id="{2B961B28-B12E-4E7D-8C26-1D5F23F44F60}"/>
+              </a:ext>
+            </a:extLst>
+          </p:cNvPr>
+          <p:cNvCxnSpPr>
+            <a:stCxn id="73" idx="6"/>
+            <a:endCxn id="147" idx="2"/>
+          </p:cNvCxnSpPr>
+          <p:nvPr/>
+        </p:nvCxnSpPr>
+        <p:spPr>
+          <a:xfrm>
+            <a:off x="3406468" y="3586067"/>
+            <a:ext cx="311000" cy="4447"/>
+          </a:xfrm>
+          <a:prstGeom prst="straightConnector1">
+            <a:avLst/>
+          </a:prstGeom>
+          <a:ln>
+            <a:headEnd type="triangle"/>
+            <a:tailEnd type="triangle"/>
+          </a:ln>
+        </p:spPr>
+        <p:style>
+          <a:lnRef idx="1">
+            <a:schemeClr val="accent1"/>
+          </a:lnRef>
+          <a:fillRef idx="0">
+            <a:schemeClr val="accent1"/>
+          </a:fillRef>
+          <a:effectRef idx="0">
+            <a:schemeClr val="accent1"/>
+          </a:effectRef>
+          <a:fontRef idx="minor">
+            <a:schemeClr val="tx1"/>
+          </a:fontRef>
+        </p:style>
+      </p:cxnSp>
+      <p:sp>
+        <p:nvSpPr>
+          <p:cNvPr id="157" name="TextBox 156">
+            <a:extLst>
+              <a:ext uri="{FF2B5EF4-FFF2-40B4-BE49-F238E27FC236}">
+                <a16:creationId xmlns:a16="http://schemas.microsoft.com/office/drawing/2014/main" id="{60653B66-AFB8-40FB-AC56-4A066B747C45}"/>
+              </a:ext>
+            </a:extLst>
+          </p:cNvPr>
+          <p:cNvSpPr txBox="1"/>
+          <p:nvPr/>
+        </p:nvSpPr>
+        <p:spPr>
+          <a:xfrm>
+            <a:off x="4362951" y="530254"/>
+            <a:ext cx="223660" cy="215444"/>
+          </a:xfrm>
+          <a:prstGeom prst="rect">
+            <a:avLst/>
+          </a:prstGeom>
+          <a:noFill/>
+          <a:ln>
+            <a:noFill/>
+          </a:ln>
+        </p:spPr>
+        <p:txBody>
+          <a:bodyPr wrap="square" rtlCol="0">
+            <a:spAutoFit/>
+          </a:bodyPr>
+          <a:lstStyle/>
+          <a:p>
+            <a:pPr algn="ctr"/>
+            <a:r>
+              <a:rPr lang="en-US" sz="800" b="1" dirty="0">
+                <a:solidFill>
+                  <a:srgbClr val="FF0000"/>
+                </a:solidFill>
+              </a:rPr>
+              <a:t>1</a:t>
+            </a:r>
+          </a:p>
+        </p:txBody>
+      </p:sp>
+      <p:sp>
+        <p:nvSpPr>
+          <p:cNvPr id="158" name="TextBox 157">
+            <a:extLst>
+              <a:ext uri="{FF2B5EF4-FFF2-40B4-BE49-F238E27FC236}">
+                <a16:creationId xmlns:a16="http://schemas.microsoft.com/office/drawing/2014/main" id="{E5CF9F8C-05A3-4C7C-88E6-38BD4EB89312}"/>
+              </a:ext>
+            </a:extLst>
+          </p:cNvPr>
+          <p:cNvSpPr txBox="1"/>
+          <p:nvPr/>
+        </p:nvSpPr>
+        <p:spPr>
+          <a:xfrm>
+            <a:off x="4151897" y="1034717"/>
+            <a:ext cx="223660" cy="215444"/>
+          </a:xfrm>
+          <a:prstGeom prst="rect">
+            <a:avLst/>
+          </a:prstGeom>
+          <a:noFill/>
+          <a:ln>
+            <a:noFill/>
+          </a:ln>
+        </p:spPr>
+        <p:txBody>
+          <a:bodyPr wrap="square" rtlCol="0">
+            <a:spAutoFit/>
+          </a:bodyPr>
+          <a:lstStyle/>
+          <a:p>
+            <a:pPr algn="ctr"/>
+            <a:r>
+              <a:rPr lang="en-US" sz="800" b="1" dirty="0">
+                <a:solidFill>
+                  <a:srgbClr val="FF0000"/>
+                </a:solidFill>
+              </a:rPr>
+              <a:t>2</a:t>
+            </a:r>
+          </a:p>
+        </p:txBody>
+      </p:sp>
+      <p:sp>
+        <p:nvSpPr>
+          <p:cNvPr id="159" name="TextBox 158">
+            <a:extLst>
+              <a:ext uri="{FF2B5EF4-FFF2-40B4-BE49-F238E27FC236}">
+                <a16:creationId xmlns:a16="http://schemas.microsoft.com/office/drawing/2014/main" id="{05EB4814-8945-4934-98AC-FB22909E34A3}"/>
+              </a:ext>
+            </a:extLst>
+          </p:cNvPr>
+          <p:cNvSpPr txBox="1"/>
+          <p:nvPr/>
+        </p:nvSpPr>
+        <p:spPr>
+          <a:xfrm>
+            <a:off x="2848793" y="1876005"/>
+            <a:ext cx="223660" cy="215444"/>
+          </a:xfrm>
+          <a:prstGeom prst="rect">
+            <a:avLst/>
+          </a:prstGeom>
+          <a:noFill/>
+          <a:ln>
+            <a:noFill/>
+          </a:ln>
+        </p:spPr>
+        <p:txBody>
+          <a:bodyPr wrap="square" rtlCol="0">
+            <a:spAutoFit/>
+          </a:bodyPr>
+          <a:lstStyle/>
+          <a:p>
+            <a:pPr algn="ctr"/>
+            <a:r>
+              <a:rPr lang="en-US" sz="800" b="1" dirty="0">
+                <a:solidFill>
+                  <a:srgbClr val="FF0000"/>
+                </a:solidFill>
+              </a:rPr>
+              <a:t>3</a:t>
+            </a:r>
+          </a:p>
+        </p:txBody>
+      </p:sp>
+      <p:sp>
+        <p:nvSpPr>
+          <p:cNvPr id="160" name="TextBox 159">
+            <a:extLst>
+              <a:ext uri="{FF2B5EF4-FFF2-40B4-BE49-F238E27FC236}">
+                <a16:creationId xmlns:a16="http://schemas.microsoft.com/office/drawing/2014/main" id="{DF552FE1-183F-4449-8344-1706652052BD}"/>
+              </a:ext>
+            </a:extLst>
+          </p:cNvPr>
+          <p:cNvSpPr txBox="1"/>
+          <p:nvPr/>
+        </p:nvSpPr>
+        <p:spPr>
+          <a:xfrm>
+            <a:off x="1330034" y="3035773"/>
+            <a:ext cx="223660" cy="215444"/>
+          </a:xfrm>
+          <a:prstGeom prst="rect">
+            <a:avLst/>
+          </a:prstGeom>
+          <a:noFill/>
+          <a:ln>
+            <a:noFill/>
+          </a:ln>
+        </p:spPr>
+        <p:txBody>
+          <a:bodyPr wrap="square" rtlCol="0">
+            <a:spAutoFit/>
+          </a:bodyPr>
+          <a:lstStyle/>
+          <a:p>
+            <a:pPr algn="ctr"/>
+            <a:r>
+              <a:rPr lang="en-US" sz="800" b="1" dirty="0">
+                <a:solidFill>
+                  <a:srgbClr val="FF0000"/>
+                </a:solidFill>
+              </a:rPr>
+              <a:t>4</a:t>
+            </a:r>
+          </a:p>
+        </p:txBody>
+      </p:sp>
+      <p:sp>
+        <p:nvSpPr>
+          <p:cNvPr id="161" name="TextBox 160">
+            <a:extLst>
+              <a:ext uri="{FF2B5EF4-FFF2-40B4-BE49-F238E27FC236}">
+                <a16:creationId xmlns:a16="http://schemas.microsoft.com/office/drawing/2014/main" id="{C48E1FF1-1E9C-459A-9F4B-67C6C1335B18}"/>
+              </a:ext>
+            </a:extLst>
+          </p:cNvPr>
+          <p:cNvSpPr txBox="1"/>
+          <p:nvPr/>
+        </p:nvSpPr>
+        <p:spPr>
+          <a:xfrm>
+            <a:off x="729161" y="2927507"/>
+            <a:ext cx="369962" cy="215444"/>
+          </a:xfrm>
+          <a:prstGeom prst="rect">
+            <a:avLst/>
+          </a:prstGeom>
+          <a:noFill/>
+          <a:ln>
+            <a:noFill/>
+          </a:ln>
+        </p:spPr>
+        <p:txBody>
+          <a:bodyPr wrap="square" rtlCol="0">
+            <a:spAutoFit/>
+          </a:bodyPr>
+          <a:lstStyle/>
+          <a:p>
+            <a:pPr algn="ctr"/>
+            <a:r>
+              <a:rPr lang="en-US" sz="800" b="1" dirty="0">
+                <a:solidFill>
+                  <a:srgbClr val="FF0000"/>
+                </a:solidFill>
+              </a:rPr>
+              <a:t>4-1</a:t>
+            </a:r>
+          </a:p>
+        </p:txBody>
+      </p:sp>
+      <p:sp>
+        <p:nvSpPr>
+          <p:cNvPr id="162" name="TextBox 161">
+            <a:extLst>
+              <a:ext uri="{FF2B5EF4-FFF2-40B4-BE49-F238E27FC236}">
+                <a16:creationId xmlns:a16="http://schemas.microsoft.com/office/drawing/2014/main" id="{0870A0AC-482E-4BE2-8663-17B94E9A6265}"/>
+              </a:ext>
+            </a:extLst>
+          </p:cNvPr>
+          <p:cNvSpPr txBox="1"/>
+          <p:nvPr/>
+        </p:nvSpPr>
+        <p:spPr>
+          <a:xfrm>
+            <a:off x="603195" y="2216622"/>
+            <a:ext cx="369962" cy="215444"/>
+          </a:xfrm>
+          <a:prstGeom prst="rect">
+            <a:avLst/>
+          </a:prstGeom>
+          <a:noFill/>
+          <a:ln>
+            <a:noFill/>
+          </a:ln>
+        </p:spPr>
+        <p:txBody>
+          <a:bodyPr wrap="square" rtlCol="0">
+            <a:spAutoFit/>
+          </a:bodyPr>
+          <a:lstStyle/>
+          <a:p>
+            <a:pPr algn="ctr"/>
+            <a:r>
+              <a:rPr lang="en-US" sz="800" b="1" dirty="0">
+                <a:solidFill>
+                  <a:srgbClr val="FF0000"/>
+                </a:solidFill>
+              </a:rPr>
+              <a:t>4-2</a:t>
+            </a:r>
+          </a:p>
+        </p:txBody>
+      </p:sp>
+      <p:sp>
+        <p:nvSpPr>
+          <p:cNvPr id="163" name="TextBox 162">
+            <a:extLst>
+              <a:ext uri="{FF2B5EF4-FFF2-40B4-BE49-F238E27FC236}">
+                <a16:creationId xmlns:a16="http://schemas.microsoft.com/office/drawing/2014/main" id="{6837A44E-9AB7-4609-9729-BD144A548A4C}"/>
+              </a:ext>
+            </a:extLst>
+          </p:cNvPr>
+          <p:cNvSpPr txBox="1"/>
+          <p:nvPr/>
+        </p:nvSpPr>
+        <p:spPr>
+          <a:xfrm>
+            <a:off x="2258344" y="2969055"/>
+            <a:ext cx="223660" cy="215444"/>
+          </a:xfrm>
+          <a:prstGeom prst="rect">
+            <a:avLst/>
+          </a:prstGeom>
+          <a:noFill/>
+          <a:ln>
+            <a:noFill/>
+          </a:ln>
+        </p:spPr>
+        <p:txBody>
+          <a:bodyPr wrap="square" rtlCol="0">
+            <a:spAutoFit/>
+          </a:bodyPr>
+          <a:lstStyle/>
+          <a:p>
+            <a:pPr algn="ctr"/>
+            <a:r>
+              <a:rPr lang="en-US" sz="800" b="1" dirty="0">
+                <a:solidFill>
+                  <a:srgbClr val="FF0000"/>
+                </a:solidFill>
+              </a:rPr>
+              <a:t>5</a:t>
+            </a:r>
+          </a:p>
+        </p:txBody>
+      </p:sp>
+      <p:sp>
+        <p:nvSpPr>
+          <p:cNvPr id="164" name="TextBox 163">
+            <a:extLst>
+              <a:ext uri="{FF2B5EF4-FFF2-40B4-BE49-F238E27FC236}">
+                <a16:creationId xmlns:a16="http://schemas.microsoft.com/office/drawing/2014/main" id="{C5D069DC-A8B0-4C1F-9771-971A34AA2A8F}"/>
+              </a:ext>
+            </a:extLst>
+          </p:cNvPr>
+          <p:cNvSpPr txBox="1"/>
+          <p:nvPr/>
+        </p:nvSpPr>
+        <p:spPr>
+          <a:xfrm>
+            <a:off x="4272067" y="3251217"/>
+            <a:ext cx="364170" cy="215444"/>
+          </a:xfrm>
+          <a:prstGeom prst="rect">
+            <a:avLst/>
+          </a:prstGeom>
+          <a:noFill/>
+          <a:ln>
+            <a:noFill/>
+          </a:ln>
+        </p:spPr>
+        <p:txBody>
+          <a:bodyPr wrap="square" rtlCol="0">
+            <a:spAutoFit/>
+          </a:bodyPr>
+          <a:lstStyle/>
+          <a:p>
+            <a:pPr algn="ctr"/>
+            <a:r>
+              <a:rPr lang="en-US" sz="800" b="1" dirty="0">
+                <a:solidFill>
+                  <a:srgbClr val="FF0000"/>
+                </a:solidFill>
+              </a:rPr>
+              <a:t>5-1</a:t>
+            </a:r>
+          </a:p>
+        </p:txBody>
+      </p:sp>
+      <p:sp>
+        <p:nvSpPr>
+          <p:cNvPr id="165" name="TextBox 164">
+            <a:extLst>
+              <a:ext uri="{FF2B5EF4-FFF2-40B4-BE49-F238E27FC236}">
+                <a16:creationId xmlns:a16="http://schemas.microsoft.com/office/drawing/2014/main" id="{71A33966-E7DB-40BD-A80C-5894B3C1FFAC}"/>
+              </a:ext>
+            </a:extLst>
+          </p:cNvPr>
+          <p:cNvSpPr txBox="1"/>
+          <p:nvPr/>
+        </p:nvSpPr>
+        <p:spPr>
+          <a:xfrm>
+            <a:off x="2213300" y="1532134"/>
+            <a:ext cx="364170" cy="215444"/>
+          </a:xfrm>
+          <a:prstGeom prst="rect">
+            <a:avLst/>
+          </a:prstGeom>
+          <a:noFill/>
+          <a:ln>
+            <a:noFill/>
+          </a:ln>
+        </p:spPr>
+        <p:txBody>
+          <a:bodyPr wrap="square" rtlCol="0">
+            <a:spAutoFit/>
+          </a:bodyPr>
+          <a:lstStyle/>
+          <a:p>
+            <a:pPr algn="ctr"/>
+            <a:r>
+              <a:rPr lang="en-US" sz="800" b="1" dirty="0">
+                <a:solidFill>
+                  <a:srgbClr val="FF0000"/>
+                </a:solidFill>
+              </a:rPr>
+              <a:t>6</a:t>
+            </a:r>
+          </a:p>
+        </p:txBody>
+      </p:sp>
+      <p:pic>
+        <p:nvPicPr>
+          <p:cNvPr id="168" name="Picture 167">
+            <a:extLst>
+              <a:ext uri="{FF2B5EF4-FFF2-40B4-BE49-F238E27FC236}">
+                <a16:creationId xmlns:a16="http://schemas.microsoft.com/office/drawing/2014/main" id="{15E2AFE6-7774-41A6-B821-08DC67EEAD13}"/>
+              </a:ext>
+            </a:extLst>
+          </p:cNvPr>
+          <p:cNvPicPr>
+            <a:picLocks noChangeAspect="1"/>
+          </p:cNvPicPr>
+          <p:nvPr/>
+        </p:nvPicPr>
+        <p:blipFill>
+          <a:blip r:embed="rId3"/>
+          <a:stretch>
+            <a:fillRect/>
+          </a:stretch>
+        </p:blipFill>
+        <p:spPr>
+          <a:xfrm>
+            <a:off x="7763218" y="289670"/>
+            <a:ext cx="1257475" cy="4582164"/>
+          </a:xfrm>
+          <a:prstGeom prst="rect">
+            <a:avLst/>
+          </a:prstGeom>
+        </p:spPr>
+      </p:pic>
+      <p:sp>
+        <p:nvSpPr>
+          <p:cNvPr id="170" name="TextBox 169">
+            <a:extLst>
+              <a:ext uri="{FF2B5EF4-FFF2-40B4-BE49-F238E27FC236}">
+                <a16:creationId xmlns:a16="http://schemas.microsoft.com/office/drawing/2014/main" id="{0498E676-7F00-447F-B8FC-05A5A5E78FE4}"/>
+              </a:ext>
+            </a:extLst>
+          </p:cNvPr>
+          <p:cNvSpPr txBox="1"/>
+          <p:nvPr/>
+        </p:nvSpPr>
+        <p:spPr>
+          <a:xfrm>
+            <a:off x="7058335" y="3310595"/>
+            <a:ext cx="1070415" cy="215444"/>
+          </a:xfrm>
+          <a:prstGeom prst="rect">
+            <a:avLst/>
+          </a:prstGeom>
+          <a:noFill/>
+          <a:ln>
+            <a:noFill/>
+          </a:ln>
+        </p:spPr>
+        <p:txBody>
+          <a:bodyPr wrap="square" rtlCol="0">
+            <a:spAutoFit/>
+          </a:bodyPr>
+          <a:lstStyle/>
+          <a:p>
+            <a:pPr algn="ctr"/>
+            <a:r>
+              <a:rPr lang="en-US" sz="800" b="1" dirty="0">
+                <a:solidFill>
+                  <a:srgbClr val="FF0000"/>
+                </a:solidFill>
+              </a:rPr>
+              <a:t>Web project routing</a:t>
+            </a:r>
+          </a:p>
+        </p:txBody>
+      </p:sp>
+      <p:sp>
+        <p:nvSpPr>
+          <p:cNvPr id="172" name="TextBox 171">
+            <a:extLst>
+              <a:ext uri="{FF2B5EF4-FFF2-40B4-BE49-F238E27FC236}">
+                <a16:creationId xmlns:a16="http://schemas.microsoft.com/office/drawing/2014/main" id="{D283A788-7F16-477F-A976-00007F7A9886}"/>
+              </a:ext>
+            </a:extLst>
+          </p:cNvPr>
+          <p:cNvSpPr txBox="1"/>
+          <p:nvPr/>
+        </p:nvSpPr>
+        <p:spPr>
+          <a:xfrm>
+            <a:off x="7504665" y="3133175"/>
+            <a:ext cx="704883" cy="215444"/>
+          </a:xfrm>
+          <a:prstGeom prst="rect">
+            <a:avLst/>
+          </a:prstGeom>
+          <a:noFill/>
+          <a:ln>
+            <a:noFill/>
+          </a:ln>
+        </p:spPr>
+        <p:txBody>
+          <a:bodyPr wrap="square" rtlCol="0">
+            <a:spAutoFit/>
+          </a:bodyPr>
+          <a:lstStyle/>
+          <a:p>
+            <a:pPr algn="ctr"/>
+            <a:r>
+              <a:rPr lang="en-US" sz="800" b="1" dirty="0">
+                <a:solidFill>
+                  <a:srgbClr val="FF0000"/>
+                </a:solidFill>
+              </a:rPr>
+              <a:t>Settings</a:t>
+            </a:r>
+          </a:p>
+        </p:txBody>
+      </p:sp>
+      <p:sp>
+        <p:nvSpPr>
+          <p:cNvPr id="173" name="TextBox 172">
+            <a:extLst>
+              <a:ext uri="{FF2B5EF4-FFF2-40B4-BE49-F238E27FC236}">
+                <a16:creationId xmlns:a16="http://schemas.microsoft.com/office/drawing/2014/main" id="{184CB3F3-6124-4A28-A915-80D2662A554E}"/>
+              </a:ext>
+            </a:extLst>
+          </p:cNvPr>
+          <p:cNvSpPr txBox="1"/>
+          <p:nvPr/>
+        </p:nvSpPr>
+        <p:spPr>
+          <a:xfrm>
+            <a:off x="7458919" y="2178918"/>
+            <a:ext cx="735141" cy="215444"/>
+          </a:xfrm>
+          <a:prstGeom prst="rect">
+            <a:avLst/>
+          </a:prstGeom>
+          <a:noFill/>
+          <a:ln>
+            <a:noFill/>
+          </a:ln>
+        </p:spPr>
+        <p:txBody>
+          <a:bodyPr wrap="square" rtlCol="0">
+            <a:spAutoFit/>
+          </a:bodyPr>
+          <a:lstStyle/>
+          <a:p>
+            <a:pPr algn="ctr"/>
+            <a:r>
+              <a:rPr lang="en-US" sz="800" b="1" dirty="0">
+                <a:solidFill>
+                  <a:srgbClr val="FF0000"/>
+                </a:solidFill>
+              </a:rPr>
+              <a:t>App routing</a:t>
+            </a:r>
+          </a:p>
+        </p:txBody>
+      </p:sp>
+      <p:sp>
+        <p:nvSpPr>
+          <p:cNvPr id="174" name="Left Brace 173">
+            <a:extLst>
+              <a:ext uri="{FF2B5EF4-FFF2-40B4-BE49-F238E27FC236}">
+                <a16:creationId xmlns:a16="http://schemas.microsoft.com/office/drawing/2014/main" id="{C96E3072-4CED-429E-9B42-8ACD66693DE4}"/>
+              </a:ext>
+            </a:extLst>
+          </p:cNvPr>
+          <p:cNvSpPr/>
+          <p:nvPr/>
+        </p:nvSpPr>
+        <p:spPr>
+          <a:xfrm>
+            <a:off x="6726289" y="470164"/>
+            <a:ext cx="301788" cy="4401670"/>
+          </a:xfrm>
+          <a:prstGeom prst="leftBrace">
+            <a:avLst/>
+          </a:prstGeom>
+        </p:spPr>
+        <p:style>
+          <a:lnRef idx="1">
+            <a:schemeClr val="accent1"/>
+          </a:lnRef>
+          <a:fillRef idx="0">
+            <a:schemeClr val="accent1"/>
+          </a:fillRef>
+          <a:effectRef idx="0">
+            <a:schemeClr val="accent1"/>
+          </a:effectRef>
+          <a:fontRef idx="minor">
+            <a:schemeClr val="tx1"/>
+          </a:fontRef>
+        </p:style>
+        <p:txBody>
+          <a:bodyPr rtlCol="0" anchor="ctr"/>
+          <a:lstStyle/>
+          <a:p>
+            <a:pPr algn="ctr"/>
+            <a:endParaRPr lang="en-US"/>
+          </a:p>
+        </p:txBody>
+      </p:sp>
+      <p:sp>
+        <p:nvSpPr>
+          <p:cNvPr id="175" name="TextBox 174">
+            <a:extLst>
+              <a:ext uri="{FF2B5EF4-FFF2-40B4-BE49-F238E27FC236}">
+                <a16:creationId xmlns:a16="http://schemas.microsoft.com/office/drawing/2014/main" id="{48345F64-FCCA-4235-805C-FB6AC8F3C026}"/>
+              </a:ext>
+            </a:extLst>
+          </p:cNvPr>
+          <p:cNvSpPr txBox="1"/>
+          <p:nvPr/>
+        </p:nvSpPr>
+        <p:spPr>
+          <a:xfrm>
+            <a:off x="6258204" y="532732"/>
+            <a:ext cx="1070415" cy="215444"/>
+          </a:xfrm>
+          <a:prstGeom prst="rect">
+            <a:avLst/>
+          </a:prstGeom>
+          <a:noFill/>
+          <a:ln>
+            <a:noFill/>
+          </a:ln>
+        </p:spPr>
+        <p:txBody>
+          <a:bodyPr wrap="square" rtlCol="0">
+            <a:spAutoFit/>
+          </a:bodyPr>
+          <a:lstStyle/>
+          <a:p>
+            <a:pPr algn="ctr"/>
+            <a:r>
+              <a:rPr lang="en-US" sz="800" b="1" dirty="0">
+                <a:solidFill>
+                  <a:srgbClr val="FF0000"/>
+                </a:solidFill>
+              </a:rPr>
+              <a:t>Web project</a:t>
+            </a:r>
+          </a:p>
+        </p:txBody>
+      </p:sp>
+      <p:sp>
+        <p:nvSpPr>
+          <p:cNvPr id="176" name="Left Brace 175">
+            <a:extLst>
+              <a:ext uri="{FF2B5EF4-FFF2-40B4-BE49-F238E27FC236}">
+                <a16:creationId xmlns:a16="http://schemas.microsoft.com/office/drawing/2014/main" id="{7FA4A3B2-7356-43F0-8A9C-30D14C102AB4}"/>
+              </a:ext>
+            </a:extLst>
+          </p:cNvPr>
+          <p:cNvSpPr/>
+          <p:nvPr/>
+        </p:nvSpPr>
+        <p:spPr>
+          <a:xfrm>
+            <a:off x="7187389" y="774304"/>
+            <a:ext cx="301788" cy="1746358"/>
+          </a:xfrm>
+          <a:prstGeom prst="leftBrace">
+            <a:avLst/>
+          </a:prstGeom>
+        </p:spPr>
+        <p:style>
+          <a:lnRef idx="1">
+            <a:schemeClr val="accent1"/>
+          </a:lnRef>
+          <a:fillRef idx="0">
+            <a:schemeClr val="accent1"/>
+          </a:fillRef>
+          <a:effectRef idx="0">
+            <a:schemeClr val="accent1"/>
+          </a:effectRef>
+          <a:fontRef idx="minor">
+            <a:schemeClr val="tx1"/>
+          </a:fontRef>
+        </p:style>
+        <p:txBody>
+          <a:bodyPr rtlCol="0" anchor="ctr"/>
+          <a:lstStyle/>
+          <a:p>
+            <a:pPr algn="ctr"/>
+            <a:endParaRPr lang="en-US"/>
+          </a:p>
+        </p:txBody>
+      </p:sp>
+      <p:sp>
+        <p:nvSpPr>
+          <p:cNvPr id="177" name="TextBox 176">
+            <a:extLst>
+              <a:ext uri="{FF2B5EF4-FFF2-40B4-BE49-F238E27FC236}">
+                <a16:creationId xmlns:a16="http://schemas.microsoft.com/office/drawing/2014/main" id="{F2006E7A-9E47-4D7E-8257-BCE85860E6BC}"/>
+              </a:ext>
+            </a:extLst>
+          </p:cNvPr>
+          <p:cNvSpPr txBox="1"/>
+          <p:nvPr/>
+        </p:nvSpPr>
+        <p:spPr>
+          <a:xfrm>
+            <a:off x="6793412" y="1135517"/>
+            <a:ext cx="1070415" cy="215444"/>
+          </a:xfrm>
+          <a:prstGeom prst="rect">
+            <a:avLst/>
+          </a:prstGeom>
+          <a:noFill/>
+          <a:ln>
+            <a:noFill/>
+          </a:ln>
+        </p:spPr>
+        <p:txBody>
+          <a:bodyPr wrap="square" rtlCol="0">
+            <a:spAutoFit/>
+          </a:bodyPr>
+          <a:lstStyle/>
+          <a:p>
+            <a:pPr algn="ctr"/>
+            <a:r>
+              <a:rPr lang="en-US" sz="800" b="1" dirty="0">
+                <a:solidFill>
+                  <a:srgbClr val="FF0000"/>
+                </a:solidFill>
+              </a:rPr>
+              <a:t>app</a:t>
+            </a:r>
+          </a:p>
+        </p:txBody>
+      </p:sp>
+      <p:sp>
+        <p:nvSpPr>
+          <p:cNvPr id="178" name="TextBox 177">
+            <a:extLst>
+              <a:ext uri="{FF2B5EF4-FFF2-40B4-BE49-F238E27FC236}">
+                <a16:creationId xmlns:a16="http://schemas.microsoft.com/office/drawing/2014/main" id="{0175D43C-B262-40D0-A1C1-6EBE1B5AE790}"/>
+              </a:ext>
+            </a:extLst>
+          </p:cNvPr>
+          <p:cNvSpPr txBox="1"/>
+          <p:nvPr/>
+        </p:nvSpPr>
+        <p:spPr>
+          <a:xfrm>
+            <a:off x="7504665" y="2365104"/>
+            <a:ext cx="735141" cy="215444"/>
+          </a:xfrm>
+          <a:prstGeom prst="rect">
+            <a:avLst/>
+          </a:prstGeom>
+          <a:noFill/>
+          <a:ln>
+            <a:noFill/>
+          </a:ln>
+        </p:spPr>
+        <p:txBody>
+          <a:bodyPr wrap="square" rtlCol="0">
+            <a:spAutoFit/>
+          </a:bodyPr>
+          <a:lstStyle/>
+          <a:p>
+            <a:pPr algn="ctr"/>
+            <a:r>
+              <a:rPr lang="en-US" sz="800" b="1" dirty="0">
+                <a:solidFill>
+                  <a:srgbClr val="FF0000"/>
+                </a:solidFill>
+              </a:rPr>
+              <a:t>view</a:t>
+            </a:r>
+          </a:p>
+        </p:txBody>
+      </p:sp>
+      <p:sp>
+        <p:nvSpPr>
+          <p:cNvPr id="179" name="TextBox 178">
+            <a:extLst>
+              <a:ext uri="{FF2B5EF4-FFF2-40B4-BE49-F238E27FC236}">
+                <a16:creationId xmlns:a16="http://schemas.microsoft.com/office/drawing/2014/main" id="{F5E6AFB9-F539-414D-9AB7-89E67020D871}"/>
+              </a:ext>
+            </a:extLst>
+          </p:cNvPr>
+          <p:cNvSpPr txBox="1"/>
+          <p:nvPr/>
+        </p:nvSpPr>
+        <p:spPr>
+          <a:xfrm>
+            <a:off x="7393609" y="3874959"/>
+            <a:ext cx="735141" cy="215444"/>
+          </a:xfrm>
+          <a:prstGeom prst="rect">
+            <a:avLst/>
+          </a:prstGeom>
+          <a:noFill/>
+          <a:ln>
+            <a:noFill/>
+          </a:ln>
+        </p:spPr>
+        <p:txBody>
+          <a:bodyPr wrap="square" rtlCol="0">
+            <a:spAutoFit/>
+          </a:bodyPr>
+          <a:lstStyle/>
+          <a:p>
+            <a:pPr algn="ctr"/>
+            <a:r>
+              <a:rPr lang="en-US" sz="800" b="1" dirty="0">
+                <a:solidFill>
+                  <a:srgbClr val="FF0000"/>
+                </a:solidFill>
+              </a:rPr>
+              <a:t>static</a:t>
+            </a:r>
+          </a:p>
+        </p:txBody>
+      </p:sp>
+      <p:sp>
+        <p:nvSpPr>
+          <p:cNvPr id="180" name="TextBox 179">
+            <a:extLst>
+              <a:ext uri="{FF2B5EF4-FFF2-40B4-BE49-F238E27FC236}">
+                <a16:creationId xmlns:a16="http://schemas.microsoft.com/office/drawing/2014/main" id="{338194B8-0CEF-43BE-AD67-79934E3D64FE}"/>
+              </a:ext>
+            </a:extLst>
+          </p:cNvPr>
+          <p:cNvSpPr txBox="1"/>
+          <p:nvPr/>
+        </p:nvSpPr>
+        <p:spPr>
+          <a:xfrm>
+            <a:off x="7146132" y="4078666"/>
+            <a:ext cx="858092" cy="215444"/>
+          </a:xfrm>
+          <a:prstGeom prst="rect">
+            <a:avLst/>
+          </a:prstGeom>
+          <a:noFill/>
+          <a:ln>
+            <a:noFill/>
+          </a:ln>
+        </p:spPr>
+        <p:txBody>
+          <a:bodyPr wrap="square" rtlCol="0">
+            <a:spAutoFit/>
+          </a:bodyPr>
+          <a:lstStyle/>
+          <a:p>
+            <a:pPr algn="ctr"/>
+            <a:r>
+              <a:rPr lang="en-US" sz="800" b="1" dirty="0">
+                <a:solidFill>
+                  <a:srgbClr val="FF0000"/>
+                </a:solidFill>
+              </a:rPr>
+              <a:t>Template html</a:t>
+            </a:r>
+          </a:p>
+        </p:txBody>
+      </p:sp>
+      <p:sp>
+        <p:nvSpPr>
+          <p:cNvPr id="181" name="TextBox 180">
+            <a:extLst>
+              <a:ext uri="{FF2B5EF4-FFF2-40B4-BE49-F238E27FC236}">
+                <a16:creationId xmlns:a16="http://schemas.microsoft.com/office/drawing/2014/main" id="{2F86813F-DD3B-4C58-B9A8-19A7C4879399}"/>
+              </a:ext>
+            </a:extLst>
+          </p:cNvPr>
+          <p:cNvSpPr txBox="1"/>
+          <p:nvPr/>
+        </p:nvSpPr>
+        <p:spPr>
+          <a:xfrm>
+            <a:off x="7645162" y="4469796"/>
+            <a:ext cx="359061" cy="215444"/>
+          </a:xfrm>
+          <a:prstGeom prst="rect">
+            <a:avLst/>
+          </a:prstGeom>
+          <a:noFill/>
+          <a:ln>
+            <a:noFill/>
+          </a:ln>
+        </p:spPr>
+        <p:txBody>
+          <a:bodyPr wrap="square" rtlCol="0">
+            <a:spAutoFit/>
+          </a:bodyPr>
+          <a:lstStyle/>
+          <a:p>
+            <a:pPr algn="ctr"/>
+            <a:r>
+              <a:rPr lang="en-US" sz="800" b="1" dirty="0">
+                <a:solidFill>
+                  <a:srgbClr val="FF0000"/>
+                </a:solidFill>
+              </a:rPr>
+              <a:t>DB</a:t>
+            </a:r>
+          </a:p>
+        </p:txBody>
+      </p:sp>
+      <p:sp>
+        <p:nvSpPr>
+          <p:cNvPr id="182" name="TextBox 181">
+            <a:extLst>
+              <a:ext uri="{FF2B5EF4-FFF2-40B4-BE49-F238E27FC236}">
+                <a16:creationId xmlns:a16="http://schemas.microsoft.com/office/drawing/2014/main" id="{A01560D4-C170-4A60-89AF-BBE5EDE05189}"/>
+              </a:ext>
+            </a:extLst>
+          </p:cNvPr>
+          <p:cNvSpPr txBox="1"/>
+          <p:nvPr/>
+        </p:nvSpPr>
+        <p:spPr>
+          <a:xfrm>
+            <a:off x="7325352" y="4644045"/>
+            <a:ext cx="763403" cy="338554"/>
+          </a:xfrm>
+          <a:prstGeom prst="rect">
+            <a:avLst/>
+          </a:prstGeom>
+          <a:noFill/>
+          <a:ln>
+            <a:noFill/>
+          </a:ln>
+        </p:spPr>
+        <p:txBody>
+          <a:bodyPr wrap="square" rtlCol="0">
+            <a:spAutoFit/>
+          </a:bodyPr>
+          <a:lstStyle/>
+          <a:p>
+            <a:pPr algn="ctr"/>
+            <a:r>
+              <a:rPr lang="en-US" sz="800" b="1" dirty="0">
+                <a:solidFill>
+                  <a:srgbClr val="FF0000"/>
+                </a:solidFill>
+              </a:rPr>
+              <a:t>Python command</a:t>
+            </a:r>
+          </a:p>
+        </p:txBody>
+      </p:sp>
+      <p:sp>
+        <p:nvSpPr>
+          <p:cNvPr id="183" name="TextBox 182">
+            <a:extLst>
+              <a:ext uri="{FF2B5EF4-FFF2-40B4-BE49-F238E27FC236}">
+                <a16:creationId xmlns:a16="http://schemas.microsoft.com/office/drawing/2014/main" id="{C5C0662C-BB86-4BAC-A60D-4B5A27EFDED6}"/>
+              </a:ext>
+            </a:extLst>
+          </p:cNvPr>
+          <p:cNvSpPr txBox="1"/>
+          <p:nvPr/>
+        </p:nvSpPr>
+        <p:spPr>
+          <a:xfrm>
+            <a:off x="7504665" y="1773492"/>
+            <a:ext cx="735141" cy="215444"/>
+          </a:xfrm>
+          <a:prstGeom prst="rect">
+            <a:avLst/>
+          </a:prstGeom>
+          <a:noFill/>
+          <a:ln>
+            <a:noFill/>
+          </a:ln>
+        </p:spPr>
+        <p:txBody>
+          <a:bodyPr wrap="square" rtlCol="0">
+            <a:spAutoFit/>
+          </a:bodyPr>
+          <a:lstStyle/>
+          <a:p>
+            <a:pPr algn="ctr"/>
+            <a:r>
+              <a:rPr lang="en-US" sz="800" b="1" dirty="0">
+                <a:solidFill>
+                  <a:srgbClr val="FF0000"/>
+                </a:solidFill>
+              </a:rPr>
+              <a:t>model</a:t>
+            </a:r>
+          </a:p>
+        </p:txBody>
+      </p:sp>
+      <p:sp>
+        <p:nvSpPr>
+          <p:cNvPr id="184" name="TextBox 183">
+            <a:extLst>
+              <a:ext uri="{FF2B5EF4-FFF2-40B4-BE49-F238E27FC236}">
+                <a16:creationId xmlns:a16="http://schemas.microsoft.com/office/drawing/2014/main" id="{F528CFD5-749B-4289-8D23-9E08B56DBFED}"/>
+              </a:ext>
+            </a:extLst>
+          </p:cNvPr>
+          <p:cNvSpPr txBox="1"/>
+          <p:nvPr/>
+        </p:nvSpPr>
+        <p:spPr>
+          <a:xfrm>
+            <a:off x="7468351" y="840876"/>
+            <a:ext cx="735141" cy="215444"/>
+          </a:xfrm>
+          <a:prstGeom prst="rect">
+            <a:avLst/>
+          </a:prstGeom>
+          <a:noFill/>
+          <a:ln>
+            <a:noFill/>
+          </a:ln>
+        </p:spPr>
+        <p:txBody>
+          <a:bodyPr wrap="square" rtlCol="0">
+            <a:spAutoFit/>
+          </a:bodyPr>
+          <a:lstStyle/>
+          <a:p>
+            <a:pPr algn="ctr"/>
+            <a:r>
+              <a:rPr lang="en-US" sz="800" b="1" dirty="0">
+                <a:solidFill>
+                  <a:srgbClr val="FF0000"/>
+                </a:solidFill>
+              </a:rPr>
+              <a:t>ORM</a:t>
+            </a:r>
+          </a:p>
+        </p:txBody>
+      </p:sp>
+      <p:sp>
+        <p:nvSpPr>
+          <p:cNvPr id="187" name="TextBox 186">
+            <a:extLst>
+              <a:ext uri="{FF2B5EF4-FFF2-40B4-BE49-F238E27FC236}">
+                <a16:creationId xmlns:a16="http://schemas.microsoft.com/office/drawing/2014/main" id="{C01BDD30-F087-4C39-B746-D2E9CEE09C11}"/>
+              </a:ext>
+            </a:extLst>
+          </p:cNvPr>
+          <p:cNvSpPr txBox="1"/>
+          <p:nvPr/>
+        </p:nvSpPr>
+        <p:spPr>
+          <a:xfrm>
+            <a:off x="7471955" y="1590369"/>
+            <a:ext cx="735141" cy="215444"/>
+          </a:xfrm>
+          <a:prstGeom prst="rect">
+            <a:avLst/>
+          </a:prstGeom>
+          <a:noFill/>
+          <a:ln>
+            <a:noFill/>
+          </a:ln>
+        </p:spPr>
+        <p:txBody>
+          <a:bodyPr wrap="square" rtlCol="0">
+            <a:spAutoFit/>
+          </a:bodyPr>
+          <a:lstStyle/>
+          <a:p>
+            <a:pPr algn="ctr"/>
+            <a:r>
+              <a:rPr lang="en-US" sz="800" b="1" dirty="0">
+                <a:solidFill>
+                  <a:srgbClr val="FF0000"/>
+                </a:solidFill>
+              </a:rPr>
+              <a:t>form</a:t>
+            </a:r>
+          </a:p>
+        </p:txBody>
+      </p:sp>
+      <p:sp>
+        <p:nvSpPr>
+          <p:cNvPr id="188" name="TextBox 187">
+            <a:extLst>
+              <a:ext uri="{FF2B5EF4-FFF2-40B4-BE49-F238E27FC236}">
+                <a16:creationId xmlns:a16="http://schemas.microsoft.com/office/drawing/2014/main" id="{44E4DE23-C824-4594-913E-D60C74CEB257}"/>
+              </a:ext>
+            </a:extLst>
+          </p:cNvPr>
+          <p:cNvSpPr txBox="1"/>
+          <p:nvPr/>
+        </p:nvSpPr>
+        <p:spPr>
+          <a:xfrm>
+            <a:off x="7556205" y="1220865"/>
+            <a:ext cx="735141" cy="215444"/>
+          </a:xfrm>
+          <a:prstGeom prst="rect">
+            <a:avLst/>
+          </a:prstGeom>
+          <a:noFill/>
+          <a:ln>
+            <a:noFill/>
+          </a:ln>
+        </p:spPr>
+        <p:txBody>
+          <a:bodyPr wrap="square" rtlCol="0">
+            <a:spAutoFit/>
+          </a:bodyPr>
+          <a:lstStyle/>
+          <a:p>
+            <a:pPr algn="ctr"/>
+            <a:r>
+              <a:rPr lang="en-US" sz="800" b="1" dirty="0">
+                <a:solidFill>
+                  <a:srgbClr val="FF0000"/>
+                </a:solidFill>
+              </a:rPr>
+              <a:t>admin</a:t>
+            </a:r>
+          </a:p>
+        </p:txBody>
+      </p:sp>
+      <p:sp>
+        <p:nvSpPr>
+          <p:cNvPr id="191" name="TextBox 190">
+            <a:extLst>
+              <a:ext uri="{FF2B5EF4-FFF2-40B4-BE49-F238E27FC236}">
+                <a16:creationId xmlns:a16="http://schemas.microsoft.com/office/drawing/2014/main" id="{0382E06A-991F-4298-AB2B-6EA7B42F0C38}"/>
+              </a:ext>
+            </a:extLst>
+          </p:cNvPr>
+          <p:cNvSpPr txBox="1"/>
+          <p:nvPr/>
+        </p:nvSpPr>
+        <p:spPr>
+          <a:xfrm>
+            <a:off x="706638" y="5389534"/>
+            <a:ext cx="2142155" cy="277000"/>
+          </a:xfrm>
+          <a:prstGeom prst="rect">
+            <a:avLst/>
+          </a:prstGeom>
+          <a:solidFill>
+            <a:schemeClr val="accent2"/>
+          </a:solidFill>
+        </p:spPr>
+        <p:style>
+          <a:lnRef idx="2">
+            <a:schemeClr val="accent5"/>
+          </a:lnRef>
+          <a:fillRef idx="1">
+            <a:schemeClr val="lt1"/>
+          </a:fillRef>
+          <a:effectRef idx="0">
+            <a:schemeClr val="accent5"/>
+          </a:effectRef>
+          <a:fontRef idx="minor">
+            <a:schemeClr val="dk1"/>
+          </a:fontRef>
+        </p:style>
+        <p:txBody>
+          <a:bodyPr wrap="square" rtlCol="0">
+            <a:noAutofit/>
+          </a:bodyPr>
+          <a:lstStyle/>
+          <a:p>
+            <a:r>
+              <a:rPr lang="en-US" sz="1000" dirty="0"/>
+              <a:t>python manage.py migrate</a:t>
+            </a:r>
+          </a:p>
+        </p:txBody>
+      </p:sp>
+      <p:sp>
+        <p:nvSpPr>
+          <p:cNvPr id="192" name="TextBox 191">
+            <a:extLst>
+              <a:ext uri="{FF2B5EF4-FFF2-40B4-BE49-F238E27FC236}">
+                <a16:creationId xmlns:a16="http://schemas.microsoft.com/office/drawing/2014/main" id="{B726A7EB-4D9D-4AF8-8CB8-61B001496BAB}"/>
+              </a:ext>
+            </a:extLst>
+          </p:cNvPr>
+          <p:cNvSpPr txBox="1"/>
+          <p:nvPr/>
+        </p:nvSpPr>
+        <p:spPr>
+          <a:xfrm>
+            <a:off x="706638" y="5051308"/>
+            <a:ext cx="2142155" cy="277000"/>
+          </a:xfrm>
+          <a:prstGeom prst="rect">
+            <a:avLst/>
+          </a:prstGeom>
+          <a:solidFill>
+            <a:schemeClr val="accent2"/>
+          </a:solidFill>
+        </p:spPr>
+        <p:style>
+          <a:lnRef idx="2">
+            <a:schemeClr val="accent5"/>
+          </a:lnRef>
+          <a:fillRef idx="1">
+            <a:schemeClr val="lt1"/>
+          </a:fillRef>
+          <a:effectRef idx="0">
+            <a:schemeClr val="accent5"/>
+          </a:effectRef>
+          <a:fontRef idx="minor">
+            <a:schemeClr val="dk1"/>
+          </a:fontRef>
+        </p:style>
+        <p:txBody>
+          <a:bodyPr wrap="square" rtlCol="0">
+            <a:noAutofit/>
+          </a:bodyPr>
+          <a:lstStyle/>
+          <a:p>
+            <a:r>
+              <a:rPr lang="en-US" sz="1000" dirty="0"/>
+              <a:t>python manage.py </a:t>
+            </a:r>
+            <a:r>
+              <a:rPr lang="en-US" sz="1000" dirty="0" err="1"/>
+              <a:t>makemigrations</a:t>
+            </a:r>
+            <a:endParaRPr lang="en-US" sz="1000" dirty="0"/>
+          </a:p>
+        </p:txBody>
+      </p:sp>
+      <p:sp>
+        <p:nvSpPr>
+          <p:cNvPr id="193" name="Right Brace 192">
+            <a:extLst>
+              <a:ext uri="{FF2B5EF4-FFF2-40B4-BE49-F238E27FC236}">
+                <a16:creationId xmlns:a16="http://schemas.microsoft.com/office/drawing/2014/main" id="{1373AA2D-303E-4B8E-8C8D-691D17234AE2}"/>
+              </a:ext>
+            </a:extLst>
+          </p:cNvPr>
+          <p:cNvSpPr/>
+          <p:nvPr/>
+        </p:nvSpPr>
+        <p:spPr>
+          <a:xfrm>
+            <a:off x="2961366" y="5206670"/>
+            <a:ext cx="222173" cy="292341"/>
+          </a:xfrm>
+          <a:prstGeom prst="rightBrace">
+            <a:avLst/>
+          </a:prstGeom>
+        </p:spPr>
+        <p:style>
+          <a:lnRef idx="1">
+            <a:schemeClr val="accent1"/>
+          </a:lnRef>
+          <a:fillRef idx="0">
+            <a:schemeClr val="accent1"/>
+          </a:fillRef>
+          <a:effectRef idx="0">
+            <a:schemeClr val="accent1"/>
+          </a:effectRef>
+          <a:fontRef idx="minor">
+            <a:schemeClr val="tx1"/>
+          </a:fontRef>
+        </p:style>
+        <p:txBody>
+          <a:bodyPr rtlCol="0" anchor="ctr"/>
+          <a:lstStyle/>
+          <a:p>
+            <a:pPr algn="ctr"/>
+            <a:endParaRPr lang="en-US"/>
+          </a:p>
+        </p:txBody>
+      </p:sp>
+      <p:cxnSp>
+        <p:nvCxnSpPr>
+          <p:cNvPr id="195" name="Connector: Elbow 194">
+            <a:extLst>
+              <a:ext uri="{FF2B5EF4-FFF2-40B4-BE49-F238E27FC236}">
+                <a16:creationId xmlns:a16="http://schemas.microsoft.com/office/drawing/2014/main" id="{F43F1B7C-811B-4932-9FDA-3BD8E4E5C8CB}"/>
+              </a:ext>
+            </a:extLst>
+          </p:cNvPr>
+          <p:cNvCxnSpPr>
+            <a:stCxn id="121" idx="4"/>
+            <a:endCxn id="193" idx="1"/>
+          </p:cNvCxnSpPr>
+          <p:nvPr/>
+        </p:nvCxnSpPr>
+        <p:spPr>
+          <a:xfrm flipH="1">
+            <a:off x="3183539" y="2130702"/>
+            <a:ext cx="2833797" cy="3222139"/>
+          </a:xfrm>
+          <a:prstGeom prst="bentConnector5">
+            <a:avLst>
+              <a:gd name="adj1" fmla="val -8067"/>
+              <a:gd name="adj2" fmla="val 50780"/>
+              <a:gd name="adj3" fmla="val -7966"/>
+            </a:avLst>
+          </a:prstGeom>
+        </p:spPr>
+        <p:style>
+          <a:lnRef idx="1">
+            <a:schemeClr val="accent1"/>
+          </a:lnRef>
+          <a:fillRef idx="0">
+            <a:schemeClr val="accent1"/>
+          </a:fillRef>
+          <a:effectRef idx="0">
+            <a:schemeClr val="accent1"/>
+          </a:effectRef>
+          <a:fontRef idx="minor">
+            <a:schemeClr val="tx1"/>
+          </a:fontRef>
+        </p:style>
+      </p:cxnSp>
+      <p:sp>
+        <p:nvSpPr>
+          <p:cNvPr id="199" name="TextBox 198">
+            <a:extLst>
+              <a:ext uri="{FF2B5EF4-FFF2-40B4-BE49-F238E27FC236}">
+                <a16:creationId xmlns:a16="http://schemas.microsoft.com/office/drawing/2014/main" id="{0A0B08AD-6322-47FA-8F31-3BE2945CC0F4}"/>
+              </a:ext>
+            </a:extLst>
+          </p:cNvPr>
+          <p:cNvSpPr txBox="1"/>
+          <p:nvPr/>
+        </p:nvSpPr>
+        <p:spPr>
+          <a:xfrm>
+            <a:off x="3845840" y="5736476"/>
+            <a:ext cx="4282909" cy="246221"/>
+          </a:xfrm>
+          <a:prstGeom prst="rect">
+            <a:avLst/>
+          </a:prstGeom>
+          <a:noFill/>
+          <a:ln>
+            <a:solidFill>
+              <a:schemeClr val="accent1"/>
+            </a:solidFill>
+          </a:ln>
+        </p:spPr>
+        <p:txBody>
+          <a:bodyPr wrap="square" rtlCol="0">
+            <a:spAutoFit/>
+          </a:bodyPr>
+          <a:lstStyle/>
+          <a:p>
+            <a:r>
+              <a:rPr lang="en-US" sz="1000" dirty="0">
+                <a:solidFill>
+                  <a:schemeClr val="accent6">
+                    <a:lumMod val="50000"/>
+                  </a:schemeClr>
+                </a:solidFill>
+              </a:rPr>
+              <a:t>Ref: https://docs.djangoproject.com/en/3.0/ref/models/fields/#field-types</a:t>
+            </a:r>
+          </a:p>
+        </p:txBody>
+      </p:sp>
+      <p:cxnSp>
+        <p:nvCxnSpPr>
+          <p:cNvPr id="201" name="Connector: Elbow 200">
+            <a:extLst>
+              <a:ext uri="{FF2B5EF4-FFF2-40B4-BE49-F238E27FC236}">
+                <a16:creationId xmlns:a16="http://schemas.microsoft.com/office/drawing/2014/main" id="{25C7AB49-5A56-4EA1-967B-2A4AEA5C1311}"/>
+              </a:ext>
+            </a:extLst>
+          </p:cNvPr>
+          <p:cNvCxnSpPr>
+            <a:cxnSpLocks/>
+            <a:endCxn id="199" idx="3"/>
+          </p:cNvCxnSpPr>
+          <p:nvPr/>
+        </p:nvCxnSpPr>
+        <p:spPr>
+          <a:xfrm rot="5400000">
+            <a:off x="6518725" y="3593753"/>
+            <a:ext cx="3875858" cy="655810"/>
+          </a:xfrm>
+          <a:prstGeom prst="bentConnector2">
+            <a:avLst/>
+          </a:prstGeom>
+        </p:spPr>
+        <p:style>
+          <a:lnRef idx="1">
+            <a:schemeClr val="accent1"/>
+          </a:lnRef>
+          <a:fillRef idx="0">
+            <a:schemeClr val="accent1"/>
+          </a:fillRef>
+          <a:effectRef idx="0">
+            <a:schemeClr val="accent1"/>
+          </a:effectRef>
+          <a:fontRef idx="minor">
+            <a:schemeClr val="tx1"/>
+          </a:fontRef>
+        </p:style>
+      </p:cxnSp>
+      <p:cxnSp>
+        <p:nvCxnSpPr>
+          <p:cNvPr id="205" name="Straight Connector 204">
+            <a:extLst>
+              <a:ext uri="{FF2B5EF4-FFF2-40B4-BE49-F238E27FC236}">
+                <a16:creationId xmlns:a16="http://schemas.microsoft.com/office/drawing/2014/main" id="{3284A72F-386F-46C0-A9A5-0ED5EA54BF81}"/>
+              </a:ext>
+            </a:extLst>
+          </p:cNvPr>
+          <p:cNvCxnSpPr/>
+          <p:nvPr/>
+        </p:nvCxnSpPr>
+        <p:spPr>
+          <a:xfrm>
+            <a:off x="8310428" y="1983727"/>
+            <a:ext cx="511900" cy="0"/>
+          </a:xfrm>
+          <a:prstGeom prst="line">
+            <a:avLst/>
+          </a:prstGeom>
+        </p:spPr>
+        <p:style>
+          <a:lnRef idx="1">
+            <a:schemeClr val="accent1"/>
+          </a:lnRef>
+          <a:fillRef idx="0">
+            <a:schemeClr val="accent1"/>
+          </a:fillRef>
+          <a:effectRef idx="0">
+            <a:schemeClr val="accent1"/>
+          </a:effectRef>
+          <a:fontRef idx="minor">
+            <a:schemeClr val="tx1"/>
+          </a:fontRef>
+        </p:style>
+      </p:cxnSp>
+      <p:sp>
+        <p:nvSpPr>
+          <p:cNvPr id="206" name="TextBox 205">
+            <a:extLst>
+              <a:ext uri="{FF2B5EF4-FFF2-40B4-BE49-F238E27FC236}">
+                <a16:creationId xmlns:a16="http://schemas.microsoft.com/office/drawing/2014/main" id="{A3276AE2-EDF0-4535-B4D2-FF9C2C0A1D76}"/>
+              </a:ext>
+            </a:extLst>
+          </p:cNvPr>
+          <p:cNvSpPr txBox="1"/>
+          <p:nvPr/>
+        </p:nvSpPr>
+        <p:spPr>
+          <a:xfrm>
+            <a:off x="3845840" y="6058214"/>
+            <a:ext cx="4282909" cy="246221"/>
+          </a:xfrm>
+          <a:prstGeom prst="rect">
+            <a:avLst/>
+          </a:prstGeom>
+          <a:noFill/>
+          <a:ln>
+            <a:solidFill>
+              <a:schemeClr val="accent1"/>
+            </a:solidFill>
+          </a:ln>
+        </p:spPr>
+        <p:txBody>
+          <a:bodyPr wrap="square" rtlCol="0">
+            <a:spAutoFit/>
+          </a:bodyPr>
+          <a:lstStyle/>
+          <a:p>
+            <a:r>
+              <a:rPr lang="en-US" sz="1000" dirty="0">
+                <a:solidFill>
+                  <a:schemeClr val="accent6">
+                    <a:lumMod val="50000"/>
+                  </a:schemeClr>
+                </a:solidFill>
+              </a:rPr>
+              <a:t>Ref: https://docs.djangoproject.com/en/3.0/topics/db/queries/</a:t>
+            </a:r>
+          </a:p>
+        </p:txBody>
+      </p:sp>
+      <p:sp>
+        <p:nvSpPr>
+          <p:cNvPr id="207" name="TextBox 206">
+            <a:extLst>
+              <a:ext uri="{FF2B5EF4-FFF2-40B4-BE49-F238E27FC236}">
+                <a16:creationId xmlns:a16="http://schemas.microsoft.com/office/drawing/2014/main" id="{75A64127-ADE6-4BC2-930E-0A3C17382963}"/>
+              </a:ext>
+            </a:extLst>
+          </p:cNvPr>
+          <p:cNvSpPr txBox="1"/>
+          <p:nvPr/>
+        </p:nvSpPr>
+        <p:spPr>
+          <a:xfrm>
+            <a:off x="706637" y="6328938"/>
+            <a:ext cx="4282909" cy="246221"/>
+          </a:xfrm>
+          <a:prstGeom prst="rect">
+            <a:avLst/>
+          </a:prstGeom>
+          <a:noFill/>
+          <a:ln>
+            <a:solidFill>
+              <a:schemeClr val="accent1"/>
+            </a:solidFill>
+          </a:ln>
+        </p:spPr>
+        <p:txBody>
+          <a:bodyPr wrap="square" rtlCol="0">
+            <a:spAutoFit/>
+          </a:bodyPr>
+          <a:lstStyle/>
+          <a:p>
+            <a:r>
+              <a:rPr lang="en-US" sz="1000" dirty="0">
+                <a:solidFill>
+                  <a:schemeClr val="accent6">
+                    <a:lumMod val="50000"/>
+                  </a:schemeClr>
+                </a:solidFill>
+              </a:rPr>
+              <a:t>Ref: https://docs.djangoproject.com/en/3.0/topics/templates/</a:t>
+            </a:r>
+          </a:p>
+        </p:txBody>
+      </p:sp>
+      <p:cxnSp>
+        <p:nvCxnSpPr>
+          <p:cNvPr id="208" name="Connector: Elbow 207">
+            <a:extLst>
+              <a:ext uri="{FF2B5EF4-FFF2-40B4-BE49-F238E27FC236}">
+                <a16:creationId xmlns:a16="http://schemas.microsoft.com/office/drawing/2014/main" id="{3EBE7BE1-FE98-4358-87F7-A6C0F57F72EC}"/>
+              </a:ext>
+            </a:extLst>
+          </p:cNvPr>
+          <p:cNvCxnSpPr>
+            <a:cxnSpLocks/>
+            <a:endCxn id="207" idx="3"/>
+          </p:cNvCxnSpPr>
+          <p:nvPr/>
+        </p:nvCxnSpPr>
+        <p:spPr>
+          <a:xfrm rot="10800000" flipV="1">
+            <a:off x="4989547" y="4192583"/>
+            <a:ext cx="3400191" cy="2259465"/>
+          </a:xfrm>
+          <a:prstGeom prst="bentConnector3">
+            <a:avLst>
+              <a:gd name="adj1" fmla="val -1069"/>
+            </a:avLst>
+          </a:prstGeom>
+        </p:spPr>
+        <p:style>
+          <a:lnRef idx="1">
+            <a:schemeClr val="accent1"/>
+          </a:lnRef>
+          <a:fillRef idx="0">
+            <a:schemeClr val="accent1"/>
+          </a:fillRef>
+          <a:effectRef idx="0">
+            <a:schemeClr val="accent1"/>
+          </a:effectRef>
+          <a:fontRef idx="minor">
+            <a:schemeClr val="tx1"/>
+          </a:fontRef>
+        </p:style>
+      </p:cxnSp>
+      <p:cxnSp>
+        <p:nvCxnSpPr>
+          <p:cNvPr id="212" name="Straight Connector 211">
+            <a:extLst>
+              <a:ext uri="{FF2B5EF4-FFF2-40B4-BE49-F238E27FC236}">
+                <a16:creationId xmlns:a16="http://schemas.microsoft.com/office/drawing/2014/main" id="{438054B6-8FC7-416B-BEDA-924C85CE6C1F}"/>
+              </a:ext>
+            </a:extLst>
+          </p:cNvPr>
+          <p:cNvCxnSpPr/>
+          <p:nvPr/>
+        </p:nvCxnSpPr>
+        <p:spPr>
+          <a:xfrm>
+            <a:off x="8145241" y="4273547"/>
+            <a:ext cx="511900" cy="0"/>
+          </a:xfrm>
+          <a:prstGeom prst="line">
+            <a:avLst/>
+          </a:prstGeom>
+        </p:spPr>
+        <p:style>
+          <a:lnRef idx="1">
+            <a:schemeClr val="accent1"/>
+          </a:lnRef>
+          <a:fillRef idx="0">
+            <a:schemeClr val="accent1"/>
+          </a:fillRef>
+          <a:effectRef idx="0">
+            <a:schemeClr val="accent1"/>
+          </a:effectRef>
+          <a:fontRef idx="minor">
+            <a:schemeClr val="tx1"/>
+          </a:fontRef>
+        </p:style>
+      </p:cxnSp>
+      <p:sp>
+        <p:nvSpPr>
+          <p:cNvPr id="219" name="Rectangle: Top Corners One Rounded and One Snipped 218">
+            <a:extLst>
+              <a:ext uri="{FF2B5EF4-FFF2-40B4-BE49-F238E27FC236}">
+                <a16:creationId xmlns:a16="http://schemas.microsoft.com/office/drawing/2014/main" id="{7A841105-ABDE-476C-8A12-E597EB76998E}"/>
+              </a:ext>
+            </a:extLst>
+          </p:cNvPr>
+          <p:cNvSpPr/>
+          <p:nvPr/>
+        </p:nvSpPr>
+        <p:spPr>
+          <a:xfrm>
+            <a:off x="3599801" y="2819843"/>
+            <a:ext cx="304799" cy="215444"/>
+          </a:xfrm>
+          <a:prstGeom prst="snipRoundRect">
+            <a:avLst/>
+          </a:prstGeom>
+        </p:spPr>
+        <p:style>
+          <a:lnRef idx="2">
+            <a:schemeClr val="dk1"/>
+          </a:lnRef>
+          <a:fillRef idx="1">
+            <a:schemeClr val="lt1"/>
+          </a:fillRef>
+          <a:effectRef idx="0">
+            <a:schemeClr val="dk1"/>
+          </a:effectRef>
+          <a:fontRef idx="minor">
+            <a:schemeClr val="dk1"/>
+          </a:fontRef>
+        </p:style>
+        <p:txBody>
+          <a:bodyPr rtlCol="0" anchor="ctr"/>
+          <a:lstStyle/>
+          <a:p>
+            <a:pPr algn="ctr"/>
+            <a:endParaRPr lang="en-US"/>
+          </a:p>
+        </p:txBody>
+      </p:sp>
+      <p:sp>
+        <p:nvSpPr>
+          <p:cNvPr id="220" name="Rectangle: Top Corners One Rounded and One Snipped 219">
+            <a:extLst>
+              <a:ext uri="{FF2B5EF4-FFF2-40B4-BE49-F238E27FC236}">
+                <a16:creationId xmlns:a16="http://schemas.microsoft.com/office/drawing/2014/main" id="{E1F2C81A-E413-49FF-AC9D-9F13C50962CB}"/>
+              </a:ext>
+            </a:extLst>
+          </p:cNvPr>
+          <p:cNvSpPr/>
+          <p:nvPr/>
+        </p:nvSpPr>
+        <p:spPr>
+          <a:xfrm>
+            <a:off x="3966618" y="2819843"/>
+            <a:ext cx="304799" cy="215444"/>
+          </a:xfrm>
+          <a:prstGeom prst="snipRoundRect">
+            <a:avLst/>
+          </a:prstGeom>
+        </p:spPr>
+        <p:style>
+          <a:lnRef idx="2">
+            <a:schemeClr val="dk1"/>
+          </a:lnRef>
+          <a:fillRef idx="1">
+            <a:schemeClr val="lt1"/>
+          </a:fillRef>
+          <a:effectRef idx="0">
+            <a:schemeClr val="dk1"/>
+          </a:effectRef>
+          <a:fontRef idx="minor">
+            <a:schemeClr val="dk1"/>
+          </a:fontRef>
+        </p:style>
+        <p:txBody>
+          <a:bodyPr rtlCol="0" anchor="ctr"/>
+          <a:lstStyle/>
+          <a:p>
+            <a:pPr algn="ctr"/>
+            <a:endParaRPr lang="en-US"/>
+          </a:p>
+        </p:txBody>
+      </p:sp>
+      <p:sp>
+        <p:nvSpPr>
+          <p:cNvPr id="221" name="Rectangle: Top Corners One Rounded and One Snipped 220">
+            <a:extLst>
+              <a:ext uri="{FF2B5EF4-FFF2-40B4-BE49-F238E27FC236}">
+                <a16:creationId xmlns:a16="http://schemas.microsoft.com/office/drawing/2014/main" id="{AB62CEBB-A00F-4454-9CDC-02A89D9EF201}"/>
+              </a:ext>
+            </a:extLst>
+          </p:cNvPr>
+          <p:cNvSpPr/>
+          <p:nvPr/>
+        </p:nvSpPr>
+        <p:spPr>
+          <a:xfrm>
+            <a:off x="4324440" y="2819843"/>
+            <a:ext cx="304799" cy="215444"/>
+          </a:xfrm>
+          <a:prstGeom prst="snipRoundRect">
+            <a:avLst/>
+          </a:prstGeom>
+        </p:spPr>
+        <p:style>
+          <a:lnRef idx="2">
+            <a:schemeClr val="dk1"/>
+          </a:lnRef>
+          <a:fillRef idx="1">
+            <a:schemeClr val="lt1"/>
+          </a:fillRef>
+          <a:effectRef idx="0">
+            <a:schemeClr val="dk1"/>
+          </a:effectRef>
+          <a:fontRef idx="minor">
+            <a:schemeClr val="dk1"/>
+          </a:fontRef>
+        </p:style>
+        <p:txBody>
+          <a:bodyPr rtlCol="0" anchor="ctr"/>
+          <a:lstStyle/>
+          <a:p>
+            <a:pPr algn="ctr"/>
+            <a:endParaRPr lang="en-US"/>
+          </a:p>
+        </p:txBody>
+      </p:sp>
+      <p:sp>
+        <p:nvSpPr>
+          <p:cNvPr id="222" name="TextBox 221">
+            <a:extLst>
+              <a:ext uri="{FF2B5EF4-FFF2-40B4-BE49-F238E27FC236}">
+                <a16:creationId xmlns:a16="http://schemas.microsoft.com/office/drawing/2014/main" id="{1E82ED8A-D7A3-4B55-8D88-D8E21CFB460B}"/>
+              </a:ext>
+            </a:extLst>
+          </p:cNvPr>
+          <p:cNvSpPr txBox="1"/>
+          <p:nvPr/>
+        </p:nvSpPr>
+        <p:spPr>
+          <a:xfrm>
+            <a:off x="4654482" y="2952635"/>
+            <a:ext cx="734157" cy="215444"/>
+          </a:xfrm>
+          <a:prstGeom prst="rect">
+            <a:avLst/>
+          </a:prstGeom>
+          <a:noFill/>
+        </p:spPr>
+        <p:txBody>
+          <a:bodyPr wrap="square" rtlCol="0">
+            <a:spAutoFit/>
+          </a:bodyPr>
+          <a:lstStyle/>
+          <a:p>
+            <a:r>
+              <a:rPr lang="en-US" sz="800" dirty="0"/>
+              <a:t>html</a:t>
+            </a:r>
+          </a:p>
+        </p:txBody>
+      </p:sp>
+      <p:cxnSp>
+        <p:nvCxnSpPr>
+          <p:cNvPr id="224" name="Connector: Elbow 223">
+            <a:extLst>
+              <a:ext uri="{FF2B5EF4-FFF2-40B4-BE49-F238E27FC236}">
+                <a16:creationId xmlns:a16="http://schemas.microsoft.com/office/drawing/2014/main" id="{435B380C-8174-4FF6-99CE-04F25DD73C5F}"/>
+              </a:ext>
+            </a:extLst>
+          </p:cNvPr>
+          <p:cNvCxnSpPr>
+            <a:stCxn id="96" idx="3"/>
+            <a:endCxn id="97" idx="2"/>
+          </p:cNvCxnSpPr>
+          <p:nvPr/>
+        </p:nvCxnSpPr>
+        <p:spPr>
+          <a:xfrm rot="5400000" flipH="1" flipV="1">
+            <a:off x="3489431" y="2428570"/>
+            <a:ext cx="274899" cy="507648"/>
+          </a:xfrm>
+          <a:prstGeom prst="bentConnector2">
+            <a:avLst/>
+          </a:prstGeom>
+          <a:ln>
+            <a:tailEnd type="triangle"/>
+          </a:ln>
+        </p:spPr>
+        <p:style>
+          <a:lnRef idx="1">
+            <a:schemeClr val="accent1"/>
+          </a:lnRef>
+          <a:fillRef idx="0">
+            <a:schemeClr val="accent1"/>
+          </a:fillRef>
+          <a:effectRef idx="0">
+            <a:schemeClr val="accent1"/>
+          </a:effectRef>
+          <a:fontRef idx="minor">
+            <a:schemeClr val="tx1"/>
+          </a:fontRef>
+        </p:style>
+      </p:cxnSp>
+      <p:cxnSp>
+        <p:nvCxnSpPr>
+          <p:cNvPr id="226" name="Connector: Elbow 225">
+            <a:extLst>
+              <a:ext uri="{FF2B5EF4-FFF2-40B4-BE49-F238E27FC236}">
+                <a16:creationId xmlns:a16="http://schemas.microsoft.com/office/drawing/2014/main" id="{6CC04272-DDFA-4868-8A32-C9C7647291EA}"/>
+              </a:ext>
+            </a:extLst>
+          </p:cNvPr>
+          <p:cNvCxnSpPr>
+            <a:stCxn id="219" idx="3"/>
+            <a:endCxn id="97" idx="1"/>
+          </p:cNvCxnSpPr>
+          <p:nvPr/>
+        </p:nvCxnSpPr>
+        <p:spPr>
+          <a:xfrm rot="5400000" flipH="1" flipV="1">
+            <a:off x="3809064" y="2595804"/>
+            <a:ext cx="167177" cy="280903"/>
+          </a:xfrm>
+          <a:prstGeom prst="bentConnector3">
+            <a:avLst/>
+          </a:prstGeom>
+          <a:ln>
+            <a:tailEnd type="triangle"/>
+          </a:ln>
+        </p:spPr>
+        <p:style>
+          <a:lnRef idx="1">
+            <a:schemeClr val="accent1"/>
+          </a:lnRef>
+          <a:fillRef idx="0">
+            <a:schemeClr val="accent1"/>
+          </a:fillRef>
+          <a:effectRef idx="0">
+            <a:schemeClr val="accent1"/>
+          </a:effectRef>
+          <a:fontRef idx="minor">
+            <a:schemeClr val="tx1"/>
+          </a:fontRef>
+        </p:style>
+      </p:cxnSp>
+      <p:cxnSp>
+        <p:nvCxnSpPr>
+          <p:cNvPr id="228" name="Connector: Elbow 227">
+            <a:extLst>
+              <a:ext uri="{FF2B5EF4-FFF2-40B4-BE49-F238E27FC236}">
+                <a16:creationId xmlns:a16="http://schemas.microsoft.com/office/drawing/2014/main" id="{269F2D77-3BD7-44FF-B1CB-F17B6246CA90}"/>
+              </a:ext>
+            </a:extLst>
+          </p:cNvPr>
+          <p:cNvCxnSpPr>
+            <a:stCxn id="220" idx="3"/>
+            <a:endCxn id="97" idx="0"/>
+          </p:cNvCxnSpPr>
+          <p:nvPr/>
+        </p:nvCxnSpPr>
+        <p:spPr>
+          <a:xfrm rot="5400000" flipH="1" flipV="1">
+            <a:off x="4014811" y="2649152"/>
+            <a:ext cx="274899" cy="66485"/>
+          </a:xfrm>
+          <a:prstGeom prst="bentConnector4">
+            <a:avLst>
+              <a:gd name="adj1" fmla="val 30407"/>
+              <a:gd name="adj2" fmla="val 443837"/>
+            </a:avLst>
+          </a:prstGeom>
+          <a:ln>
+            <a:tailEnd type="triangle"/>
+          </a:ln>
+        </p:spPr>
+        <p:style>
+          <a:lnRef idx="1">
+            <a:schemeClr val="accent1"/>
+          </a:lnRef>
+          <a:fillRef idx="0">
+            <a:schemeClr val="accent1"/>
+          </a:fillRef>
+          <a:effectRef idx="0">
+            <a:schemeClr val="accent1"/>
+          </a:effectRef>
+          <a:fontRef idx="minor">
+            <a:schemeClr val="tx1"/>
+          </a:fontRef>
+        </p:style>
+      </p:cxnSp>
+      <p:cxnSp>
+        <p:nvCxnSpPr>
+          <p:cNvPr id="230" name="Connector: Elbow 229">
+            <a:extLst>
+              <a:ext uri="{FF2B5EF4-FFF2-40B4-BE49-F238E27FC236}">
+                <a16:creationId xmlns:a16="http://schemas.microsoft.com/office/drawing/2014/main" id="{210457CF-0F43-4991-A73B-531FA1D45F94}"/>
+              </a:ext>
+            </a:extLst>
+          </p:cNvPr>
+          <p:cNvCxnSpPr>
+            <a:stCxn id="221" idx="3"/>
+            <a:endCxn id="97" idx="0"/>
+          </p:cNvCxnSpPr>
+          <p:nvPr/>
+        </p:nvCxnSpPr>
+        <p:spPr>
+          <a:xfrm rot="16200000" flipV="1">
+            <a:off x="4193723" y="2536725"/>
+            <a:ext cx="274899" cy="291337"/>
+          </a:xfrm>
+          <a:prstGeom prst="bentConnector2">
+            <a:avLst/>
+          </a:prstGeom>
+          <a:ln>
+            <a:tailEnd type="triangle"/>
+          </a:ln>
+        </p:spPr>
+        <p:style>
+          <a:lnRef idx="1">
+            <a:schemeClr val="accent1"/>
+          </a:lnRef>
+          <a:fillRef idx="0">
+            <a:schemeClr val="accent1"/>
+          </a:fillRef>
+          <a:effectRef idx="0">
+            <a:schemeClr val="accent1"/>
+          </a:effectRef>
+          <a:fontRef idx="minor">
+            <a:schemeClr val="tx1"/>
+          </a:fontRef>
+        </p:style>
+      </p:cxnSp>
+      <p:sp>
+        <p:nvSpPr>
+          <p:cNvPr id="231" name="TextBox 230">
+            <a:extLst>
+              <a:ext uri="{FF2B5EF4-FFF2-40B4-BE49-F238E27FC236}">
+                <a16:creationId xmlns:a16="http://schemas.microsoft.com/office/drawing/2014/main" id="{AA8D3CDC-3815-4702-B4CF-554E06E23064}"/>
+              </a:ext>
+            </a:extLst>
+          </p:cNvPr>
+          <p:cNvSpPr txBox="1"/>
+          <p:nvPr/>
+        </p:nvSpPr>
+        <p:spPr>
+          <a:xfrm>
+            <a:off x="4411240" y="3659515"/>
+            <a:ext cx="997484" cy="215444"/>
+          </a:xfrm>
+          <a:prstGeom prst="rect">
+            <a:avLst/>
+          </a:prstGeom>
+          <a:noFill/>
+        </p:spPr>
+        <p:txBody>
+          <a:bodyPr wrap="square" rtlCol="0">
+            <a:spAutoFit/>
+          </a:bodyPr>
+          <a:lstStyle/>
+          <a:p>
+            <a:r>
+              <a:rPr lang="en-US" sz="800" dirty="0" err="1"/>
+              <a:t>Css</a:t>
+            </a:r>
+            <a:r>
+              <a:rPr lang="en-US" sz="800" dirty="0"/>
+              <a:t>, Js, Image, </a:t>
+            </a:r>
+            <a:r>
+              <a:rPr lang="en-US" sz="800" dirty="0" err="1"/>
+              <a:t>etc</a:t>
+            </a:r>
+            <a:endParaRPr lang="en-US" sz="800" dirty="0"/>
+          </a:p>
+        </p:txBody>
+      </p:sp>
+      <p:sp>
+        <p:nvSpPr>
+          <p:cNvPr id="232" name="TextBox 231">
+            <a:extLst>
+              <a:ext uri="{FF2B5EF4-FFF2-40B4-BE49-F238E27FC236}">
+                <a16:creationId xmlns:a16="http://schemas.microsoft.com/office/drawing/2014/main" id="{9213EC39-2750-4ADB-8C39-4DD32414D5A9}"/>
+              </a:ext>
+            </a:extLst>
+          </p:cNvPr>
+          <p:cNvSpPr txBox="1"/>
+          <p:nvPr/>
+        </p:nvSpPr>
+        <p:spPr>
+          <a:xfrm>
+            <a:off x="5170053" y="6526131"/>
+            <a:ext cx="4282909" cy="246221"/>
+          </a:xfrm>
+          <a:prstGeom prst="rect">
+            <a:avLst/>
+          </a:prstGeom>
+          <a:noFill/>
+          <a:ln>
+            <a:solidFill>
+              <a:schemeClr val="accent1"/>
+            </a:solidFill>
+          </a:ln>
+        </p:spPr>
+        <p:txBody>
+          <a:bodyPr wrap="square" rtlCol="0">
+            <a:spAutoFit/>
+          </a:bodyPr>
+          <a:lstStyle/>
+          <a:p>
+            <a:r>
+              <a:rPr lang="en-US" sz="1000" dirty="0">
+                <a:solidFill>
+                  <a:schemeClr val="accent6">
+                    <a:lumMod val="50000"/>
+                  </a:schemeClr>
+                </a:solidFill>
+              </a:rPr>
+              <a:t>Ref: https://docs.djangoproject.com/en/3.0/topics/forms/</a:t>
+            </a:r>
+          </a:p>
+        </p:txBody>
+      </p:sp>
+      <p:cxnSp>
+        <p:nvCxnSpPr>
+          <p:cNvPr id="233" name="Connector: Elbow 232">
+            <a:extLst>
+              <a:ext uri="{FF2B5EF4-FFF2-40B4-BE49-F238E27FC236}">
+                <a16:creationId xmlns:a16="http://schemas.microsoft.com/office/drawing/2014/main" id="{5EB51B76-03F4-42B5-A901-41910FF44A9D}"/>
+              </a:ext>
+            </a:extLst>
+          </p:cNvPr>
+          <p:cNvCxnSpPr>
+            <a:cxnSpLocks/>
+            <a:endCxn id="232" idx="3"/>
+          </p:cNvCxnSpPr>
+          <p:nvPr/>
+        </p:nvCxnSpPr>
+        <p:spPr>
+          <a:xfrm rot="16200000" flipH="1">
+            <a:off x="6565280" y="3761559"/>
+            <a:ext cx="4843427" cy="931938"/>
+          </a:xfrm>
+          <a:prstGeom prst="bentConnector4">
+            <a:avLst>
+              <a:gd name="adj1" fmla="val 17901"/>
+              <a:gd name="adj2" fmla="val 124530"/>
+            </a:avLst>
+          </a:prstGeom>
+        </p:spPr>
+        <p:style>
+          <a:lnRef idx="1">
+            <a:schemeClr val="accent1"/>
+          </a:lnRef>
+          <a:fillRef idx="0">
+            <a:schemeClr val="accent1"/>
+          </a:fillRef>
+          <a:effectRef idx="0">
+            <a:schemeClr val="accent1"/>
+          </a:effectRef>
+          <a:fontRef idx="minor">
+            <a:schemeClr val="tx1"/>
+          </a:fontRef>
+        </p:style>
+      </p:cxnSp>
+      <p:cxnSp>
+        <p:nvCxnSpPr>
+          <p:cNvPr id="237" name="Straight Connector 236">
+            <a:extLst>
+              <a:ext uri="{FF2B5EF4-FFF2-40B4-BE49-F238E27FC236}">
+                <a16:creationId xmlns:a16="http://schemas.microsoft.com/office/drawing/2014/main" id="{4BC81ED3-48EC-48F8-B34A-0AFF6F5A89AD}"/>
+              </a:ext>
+            </a:extLst>
+          </p:cNvPr>
+          <p:cNvCxnSpPr/>
+          <p:nvPr/>
+        </p:nvCxnSpPr>
+        <p:spPr>
+          <a:xfrm>
+            <a:off x="8310428" y="1805813"/>
+            <a:ext cx="511900" cy="0"/>
+          </a:xfrm>
+          <a:prstGeom prst="line">
+            <a:avLst/>
+          </a:prstGeom>
+        </p:spPr>
+        <p:style>
+          <a:lnRef idx="1">
+            <a:schemeClr val="accent1"/>
+          </a:lnRef>
+          <a:fillRef idx="0">
+            <a:schemeClr val="accent1"/>
+          </a:fillRef>
+          <a:effectRef idx="0">
+            <a:schemeClr val="accent1"/>
+          </a:effectRef>
+          <a:fontRef idx="minor">
+            <a:schemeClr val="tx1"/>
+          </a:fontRef>
+        </p:style>
+      </p:cxnSp>
+    </p:spTree>
+    <p:extLst>
+      <p:ext uri="{BB962C8B-B14F-4D97-AF65-F5344CB8AC3E}">
+        <p14:creationId xmlns:p14="http://schemas.microsoft.com/office/powerpoint/2010/main" val="3988664216"/>
+      </p:ext>
+    </p:extLst>
+  </p:cSld>
+  <p:clrMapOvr>
+    <a:masterClrMapping/>
+  </p:clrMapOvr>
+</p:sld>
+</file>
+
+<file path=ppt/slides/slide3.xml><?xml version="1.0" encoding="utf-8"?>
+<p:sld xmlns:a="http://schemas.openxmlformats.org/drawingml/2006/main" xmlns:r="http://schemas.openxmlformats.org/officeDocument/2006/relationships" xmlns:p="http://schemas.openxmlformats.org/presentationml/2006/main">
+  <p:cSld>
+    <p:spTree>
+      <p:nvGrpSpPr>
+        <p:cNvPr id="1" name=""/>
+        <p:cNvGrpSpPr/>
+        <p:nvPr/>
+      </p:nvGrpSpPr>
+      <p:grpSpPr>
+        <a:xfrm>
+          <a:off x="0" y="0"/>
+          <a:ext cx="0" cy="0"/>
+          <a:chOff x="0" y="0"/>
+          <a:chExt cx="0" cy="0"/>
+        </a:xfrm>
+      </p:grpSpPr>
+      <p:sp>
+        <p:nvSpPr>
+          <p:cNvPr id="64" name="TextBox 63">
+            <a:extLst>
+              <a:ext uri="{FF2B5EF4-FFF2-40B4-BE49-F238E27FC236}">
+                <a16:creationId xmlns:a16="http://schemas.microsoft.com/office/drawing/2014/main" id="{EB9ABD2F-4B5D-4B4B-A735-BE6554DA73EA}"/>
+              </a:ext>
+            </a:extLst>
+          </p:cNvPr>
+          <p:cNvSpPr txBox="1"/>
+          <p:nvPr/>
+        </p:nvSpPr>
+        <p:spPr>
+          <a:xfrm>
+            <a:off x="3146860" y="41983"/>
+            <a:ext cx="6462393" cy="307777"/>
+          </a:xfrm>
+          <a:prstGeom prst="rect">
+            <a:avLst/>
+          </a:prstGeom>
+          <a:noFill/>
+        </p:spPr>
+        <p:txBody>
+          <a:bodyPr wrap="square" rtlCol="0">
+            <a:spAutoFit/>
+          </a:bodyPr>
+          <a:lstStyle/>
+          <a:p>
+            <a:r>
+              <a:rPr lang="en-US" sz="1400" b="1" dirty="0"/>
+              <a:t>Deployment to Amazon Cloud – </a:t>
+            </a:r>
+            <a:r>
+              <a:rPr lang="en-US" sz="1400" b="1" dirty="0" err="1"/>
+              <a:t>LightShell</a:t>
+            </a:r>
+            <a:r>
+              <a:rPr lang="en-US" sz="1400" b="1" dirty="0"/>
+              <a:t> : lightsail.aws.amazon.com</a:t>
+            </a:r>
+          </a:p>
+        </p:txBody>
+      </p:sp>
+      <p:sp>
+        <p:nvSpPr>
+          <p:cNvPr id="3" name="TextBox 2">
+            <a:extLst>
+              <a:ext uri="{FF2B5EF4-FFF2-40B4-BE49-F238E27FC236}">
+                <a16:creationId xmlns:a16="http://schemas.microsoft.com/office/drawing/2014/main" id="{19687CD0-6F59-44D9-8775-BDA74A2E00C1}"/>
+              </a:ext>
+            </a:extLst>
+          </p:cNvPr>
+          <p:cNvSpPr txBox="1"/>
+          <p:nvPr/>
+        </p:nvSpPr>
+        <p:spPr>
+          <a:xfrm>
+            <a:off x="427640" y="349760"/>
+            <a:ext cx="5386305" cy="6201165"/>
+          </a:xfrm>
+          <a:prstGeom prst="rect">
+            <a:avLst/>
+          </a:prstGeom>
+          <a:noFill/>
+        </p:spPr>
+        <p:txBody>
+          <a:bodyPr wrap="square" rtlCol="0">
+            <a:noAutofit/>
+          </a:bodyPr>
+          <a:lstStyle/>
+          <a:p>
+            <a:r>
+              <a:rPr lang="en-US" sz="1200" b="1" dirty="0"/>
+              <a:t>terminal</a:t>
+            </a:r>
+          </a:p>
+          <a:p>
+            <a:endParaRPr lang="en-US" sz="1200" dirty="0"/>
+          </a:p>
+          <a:p>
+            <a:r>
+              <a:rPr lang="en-US" sz="1200" dirty="0"/>
+              <a:t>1. &gt;&gt; </a:t>
+            </a:r>
+            <a:r>
+              <a:rPr lang="en-US" sz="1200" dirty="0" err="1"/>
+              <a:t>sudo</a:t>
+            </a:r>
+            <a:r>
+              <a:rPr lang="en-US" sz="1200" dirty="0"/>
+              <a:t> ln -sf /</a:t>
+            </a:r>
+            <a:r>
+              <a:rPr lang="en-US" sz="1200" dirty="0" err="1"/>
+              <a:t>usr</a:t>
+            </a:r>
+            <a:r>
+              <a:rPr lang="en-US" sz="1200" dirty="0"/>
+              <a:t>/share/</a:t>
+            </a:r>
+            <a:r>
+              <a:rPr lang="en-US" sz="1200" dirty="0" err="1"/>
+              <a:t>zoneinfo</a:t>
+            </a:r>
+            <a:r>
+              <a:rPr lang="en-US" sz="1200" dirty="0"/>
+              <a:t>/America/Toronto /</a:t>
+            </a:r>
+            <a:r>
+              <a:rPr lang="en-US" sz="1200" dirty="0" err="1"/>
+              <a:t>etc</a:t>
+            </a:r>
+            <a:r>
+              <a:rPr lang="en-US" sz="1200" dirty="0"/>
+              <a:t>/</a:t>
+            </a:r>
+            <a:r>
+              <a:rPr lang="en-US" sz="1200" dirty="0" err="1"/>
+              <a:t>localtime</a:t>
+            </a:r>
+            <a:endParaRPr lang="en-US" sz="1200" dirty="0"/>
+          </a:p>
+          <a:p>
+            <a:endParaRPr lang="en-US" sz="1200" dirty="0"/>
+          </a:p>
+          <a:p>
+            <a:r>
+              <a:rPr lang="en-US" sz="1200" dirty="0"/>
+              <a:t>2. &gt;&gt; date</a:t>
+            </a:r>
+          </a:p>
+          <a:p>
+            <a:endParaRPr lang="en-US" sz="1200" dirty="0"/>
+          </a:p>
+          <a:p>
+            <a:r>
+              <a:rPr lang="en-US" sz="1200" dirty="0"/>
+              <a:t>3. &gt;&gt; python </a:t>
+            </a:r>
+          </a:p>
+          <a:p>
+            <a:r>
+              <a:rPr lang="en-US" sz="1200" dirty="0"/>
+              <a:t>	(error. instead...)</a:t>
+            </a:r>
+          </a:p>
+          <a:p>
+            <a:r>
+              <a:rPr lang="en-US" sz="1200" dirty="0"/>
+              <a:t>4. &gt;&gt; python3</a:t>
+            </a:r>
+          </a:p>
+          <a:p>
+            <a:r>
+              <a:rPr lang="en-US" sz="1200" dirty="0"/>
+              <a:t> </a:t>
+            </a:r>
+          </a:p>
+          <a:p>
+            <a:r>
+              <a:rPr lang="en-US" sz="1200" dirty="0"/>
+              <a:t>5. &gt;&gt; </a:t>
+            </a:r>
+            <a:r>
+              <a:rPr lang="en-US" sz="1200" dirty="0" err="1"/>
+              <a:t>sudo</a:t>
+            </a:r>
+            <a:r>
+              <a:rPr lang="en-US" sz="1200" dirty="0"/>
+              <a:t> apt update</a:t>
+            </a:r>
+          </a:p>
+          <a:p>
+            <a:endParaRPr lang="en-US" sz="1200" dirty="0"/>
+          </a:p>
+          <a:p>
+            <a:r>
+              <a:rPr lang="en-US" sz="1200" dirty="0"/>
+              <a:t>6. &gt;&gt; </a:t>
+            </a:r>
+            <a:r>
+              <a:rPr lang="en-US" sz="1200" dirty="0" err="1"/>
+              <a:t>sudo</a:t>
+            </a:r>
+            <a:r>
+              <a:rPr lang="en-US" sz="1200" dirty="0"/>
+              <a:t> apt install --only-upgrade python3</a:t>
+            </a:r>
+          </a:p>
+          <a:p>
+            <a:r>
+              <a:rPr lang="en-US" sz="1200" dirty="0"/>
+              <a:t>	(upgrade python)</a:t>
+            </a:r>
+          </a:p>
+          <a:p>
+            <a:r>
+              <a:rPr lang="en-US" sz="1200" dirty="0"/>
+              <a:t>7. &gt;&gt; python3 --version</a:t>
+            </a:r>
+          </a:p>
+          <a:p>
+            <a:endParaRPr lang="en-US" sz="1200" dirty="0"/>
+          </a:p>
+          <a:p>
+            <a:r>
+              <a:rPr lang="en-US" sz="1200" dirty="0"/>
+              <a:t>8. &gt;&gt; </a:t>
+            </a:r>
+            <a:r>
+              <a:rPr lang="en-US" sz="1200" dirty="0" err="1"/>
+              <a:t>sudo</a:t>
+            </a:r>
+            <a:r>
+              <a:rPr lang="en-US" sz="1200" dirty="0"/>
+              <a:t> apt install python3-venv  or &gt;&gt; </a:t>
+            </a:r>
+            <a:r>
+              <a:rPr lang="en-US" sz="1200" dirty="0" err="1"/>
+              <a:t>sudo</a:t>
+            </a:r>
+            <a:r>
+              <a:rPr lang="en-US" sz="1200" dirty="0"/>
+              <a:t> apt install python3.8-venv</a:t>
+            </a:r>
+          </a:p>
+          <a:p>
+            <a:r>
+              <a:rPr lang="en-US" sz="1200" dirty="0"/>
+              <a:t>	(python3 </a:t>
+            </a:r>
+            <a:r>
+              <a:rPr lang="en-US" sz="1200" dirty="0" err="1"/>
+              <a:t>venv</a:t>
+            </a:r>
+            <a:r>
+              <a:rPr lang="en-US" sz="1200" dirty="0"/>
+              <a:t> package)</a:t>
+            </a:r>
+          </a:p>
+          <a:p>
+            <a:r>
+              <a:rPr lang="en-US" sz="1200" dirty="0"/>
+              <a:t>	</a:t>
+            </a:r>
+          </a:p>
+          <a:p>
+            <a:r>
+              <a:rPr lang="en-US" sz="1200" dirty="0"/>
+              <a:t>9. &gt;&gt; </a:t>
+            </a:r>
+            <a:r>
+              <a:rPr lang="en-US" sz="1200" dirty="0" err="1"/>
+              <a:t>mkdir</a:t>
+            </a:r>
+            <a:r>
+              <a:rPr lang="en-US" sz="1200" dirty="0"/>
+              <a:t> projects</a:t>
+            </a:r>
+          </a:p>
+          <a:p>
+            <a:endParaRPr lang="en-US" sz="1200" dirty="0"/>
+          </a:p>
+          <a:p>
+            <a:r>
+              <a:rPr lang="en-US" sz="1200" dirty="0"/>
+              <a:t>10.&gt;&gt; </a:t>
+            </a:r>
+            <a:r>
+              <a:rPr lang="en-US" sz="1200" dirty="0" err="1"/>
+              <a:t>mkdir</a:t>
+            </a:r>
+            <a:r>
+              <a:rPr lang="en-US" sz="1200" dirty="0"/>
+              <a:t> </a:t>
+            </a:r>
+            <a:r>
+              <a:rPr lang="en-US" sz="1200" dirty="0" err="1"/>
+              <a:t>venvs</a:t>
+            </a:r>
+            <a:endParaRPr lang="en-US" sz="1200" dirty="0"/>
+          </a:p>
+          <a:p>
+            <a:endParaRPr lang="en-US" sz="1200" dirty="0"/>
+          </a:p>
+          <a:p>
+            <a:r>
+              <a:rPr lang="en-US" sz="1200" dirty="0"/>
+              <a:t>11. &gt;&gt; cd </a:t>
+            </a:r>
+            <a:r>
+              <a:rPr lang="en-US" sz="1200" dirty="0" err="1"/>
+              <a:t>venvs</a:t>
+            </a:r>
+            <a:r>
+              <a:rPr lang="en-US" sz="1200" dirty="0"/>
+              <a:t> and &gt;&gt; python3 -m </a:t>
+            </a:r>
+            <a:r>
+              <a:rPr lang="en-US" sz="1200" dirty="0" err="1"/>
+              <a:t>venv</a:t>
+            </a:r>
+            <a:r>
+              <a:rPr lang="en-US" sz="1200" dirty="0"/>
+              <a:t> </a:t>
+            </a:r>
+            <a:r>
+              <a:rPr lang="en-US" sz="1200" dirty="0" err="1"/>
+              <a:t>mysite</a:t>
+            </a:r>
+            <a:r>
+              <a:rPr lang="en-US" sz="1200" dirty="0"/>
+              <a:t> </a:t>
+            </a:r>
+          </a:p>
+          <a:p>
+            <a:r>
+              <a:rPr lang="en-US" sz="1200" dirty="0"/>
+              <a:t>	(create virtual environment under </a:t>
+            </a:r>
+            <a:r>
+              <a:rPr lang="en-US" sz="1200" dirty="0" err="1"/>
+              <a:t>mysite</a:t>
+            </a:r>
+            <a:r>
+              <a:rPr lang="en-US" sz="1200" dirty="0"/>
+              <a:t>)</a:t>
+            </a:r>
+          </a:p>
+          <a:p>
+            <a:r>
+              <a:rPr lang="en-US" sz="1200" dirty="0"/>
+              <a:t>12. &gt;&gt; cd bin and &gt;&gt; . activate  (or source activate)</a:t>
+            </a:r>
+          </a:p>
+          <a:p>
+            <a:r>
+              <a:rPr lang="en-US" sz="1200" dirty="0"/>
+              <a:t>	(get into virtual </a:t>
+            </a:r>
+            <a:r>
+              <a:rPr lang="en-US" sz="1200" dirty="0" err="1"/>
+              <a:t>enrionment</a:t>
+            </a:r>
+            <a:r>
+              <a:rPr lang="en-US" sz="1200" dirty="0"/>
+              <a:t>)</a:t>
+            </a:r>
+          </a:p>
+          <a:p>
+            <a:r>
+              <a:rPr lang="en-US" sz="1200" dirty="0"/>
+              <a:t>13. &gt;&gt; pip install </a:t>
+            </a:r>
+            <a:r>
+              <a:rPr lang="en-US" sz="1200" dirty="0" err="1"/>
+              <a:t>django</a:t>
+            </a:r>
+            <a:endParaRPr lang="en-US" sz="1200" dirty="0"/>
+          </a:p>
+          <a:p>
+            <a:endParaRPr lang="en-US" sz="1200" dirty="0"/>
+          </a:p>
+          <a:p>
+            <a:r>
+              <a:rPr lang="en-US" sz="1200" dirty="0"/>
+              <a:t>14. &gt;&gt; pip install markdown</a:t>
+            </a:r>
+          </a:p>
+          <a:p>
+            <a:endParaRPr lang="en-US" sz="1200" dirty="0"/>
+          </a:p>
+          <a:p>
+            <a:r>
+              <a:rPr lang="en-US" sz="1200" dirty="0"/>
+              <a:t>15. &gt;&gt; cd ~/projects</a:t>
+            </a:r>
+          </a:p>
+          <a:p>
+            <a:endParaRPr lang="en-US" sz="1200" dirty="0"/>
+          </a:p>
+          <a:p>
+            <a:r>
+              <a:rPr lang="en-US" sz="1200" dirty="0"/>
+              <a:t>16. &gt;&gt; git clone -b master https://github.com/jinibyun/Python_pybo.git </a:t>
+            </a:r>
+            <a:r>
+              <a:rPr lang="en-US" sz="1200" dirty="0" err="1"/>
+              <a:t>mysite</a:t>
+            </a:r>
+            <a:endParaRPr lang="en-US" sz="1200" dirty="0"/>
+          </a:p>
+          <a:p>
+            <a:endParaRPr lang="en-US" sz="1200" dirty="0"/>
+          </a:p>
+          <a:p>
+            <a:endParaRPr lang="en-US" sz="1200" dirty="0"/>
+          </a:p>
+        </p:txBody>
+      </p:sp>
+      <p:sp>
+        <p:nvSpPr>
+          <p:cNvPr id="94" name="TextBox 93">
+            <a:extLst>
+              <a:ext uri="{FF2B5EF4-FFF2-40B4-BE49-F238E27FC236}">
+                <a16:creationId xmlns:a16="http://schemas.microsoft.com/office/drawing/2014/main" id="{212F5133-EE12-41BB-A507-F0A0413724D0}"/>
+              </a:ext>
+            </a:extLst>
+          </p:cNvPr>
+          <p:cNvSpPr txBox="1"/>
+          <p:nvPr/>
+        </p:nvSpPr>
+        <p:spPr>
+          <a:xfrm>
+            <a:off x="6378056" y="349761"/>
+            <a:ext cx="5386305" cy="2013430"/>
+          </a:xfrm>
+          <a:prstGeom prst="rect">
+            <a:avLst/>
+          </a:prstGeom>
+          <a:noFill/>
+        </p:spPr>
+        <p:txBody>
+          <a:bodyPr wrap="square" rtlCol="0">
+            <a:noAutofit/>
+          </a:bodyPr>
+          <a:lstStyle/>
+          <a:p>
+            <a:r>
+              <a:rPr lang="en-US" sz="1200" dirty="0"/>
+              <a:t>17. &gt;&gt; cd </a:t>
+            </a:r>
+            <a:r>
+              <a:rPr lang="en-US" sz="1200" dirty="0" err="1"/>
+              <a:t>mysite</a:t>
+            </a:r>
+            <a:endParaRPr lang="en-US" sz="1200" dirty="0"/>
+          </a:p>
+          <a:p>
+            <a:endParaRPr lang="en-US" sz="1200" dirty="0"/>
+          </a:p>
+          <a:p>
+            <a:r>
+              <a:rPr lang="en-US" sz="1200" dirty="0"/>
+              <a:t>18. &gt;&gt; source </a:t>
+            </a:r>
+            <a:r>
+              <a:rPr lang="en-US" sz="1200" dirty="0" err="1"/>
+              <a:t>venvs</a:t>
+            </a:r>
+            <a:r>
+              <a:rPr lang="en-US" sz="1200" dirty="0"/>
+              <a:t>/</a:t>
+            </a:r>
+            <a:r>
+              <a:rPr lang="en-US" sz="1200" dirty="0" err="1"/>
+              <a:t>mysite</a:t>
+            </a:r>
+            <a:r>
+              <a:rPr lang="en-US" sz="1200" dirty="0"/>
+              <a:t>/bin/activate</a:t>
+            </a:r>
+          </a:p>
+          <a:p>
+            <a:r>
+              <a:rPr lang="en-US" sz="1200" dirty="0"/>
+              <a:t>	(get into virtual environment)</a:t>
+            </a:r>
+          </a:p>
+          <a:p>
+            <a:r>
+              <a:rPr lang="en-US" sz="1200" dirty="0"/>
+              <a:t>	</a:t>
+            </a:r>
+          </a:p>
+          <a:p>
+            <a:r>
+              <a:rPr lang="en-US" sz="1200" dirty="0"/>
+              <a:t>19. (under ~/projects/</a:t>
+            </a:r>
+            <a:r>
+              <a:rPr lang="en-US" sz="1200" dirty="0" err="1"/>
+              <a:t>mysite</a:t>
+            </a:r>
+            <a:r>
+              <a:rPr lang="en-US" sz="1200" dirty="0"/>
+              <a:t>) python manage.py </a:t>
+            </a:r>
+            <a:r>
+              <a:rPr lang="en-US" sz="1200" dirty="0" err="1"/>
+              <a:t>runserver</a:t>
+            </a:r>
+            <a:endParaRPr lang="en-US" sz="1200" dirty="0"/>
+          </a:p>
+          <a:p>
+            <a:r>
+              <a:rPr lang="en-US" sz="1200" dirty="0"/>
+              <a:t>20. In order to create "static" </a:t>
+            </a:r>
+            <a:r>
+              <a:rPr lang="en-US" sz="1200" dirty="0" err="1"/>
+              <a:t>ip</a:t>
+            </a:r>
+            <a:r>
+              <a:rPr lang="en-US" sz="1200" dirty="0"/>
+              <a:t> address --&gt;&gt; amazon </a:t>
+            </a:r>
+            <a:r>
+              <a:rPr lang="en-US" sz="1200" dirty="0" err="1"/>
+              <a:t>lightShell</a:t>
+            </a:r>
+            <a:r>
+              <a:rPr lang="en-US" sz="1200" dirty="0"/>
+              <a:t> Dashboard &gt; Network</a:t>
+            </a:r>
+          </a:p>
+          <a:p>
+            <a:r>
+              <a:rPr lang="en-US" sz="1200" dirty="0"/>
+              <a:t>	e.g. 3.14.99.172</a:t>
+            </a:r>
+          </a:p>
+        </p:txBody>
+      </p:sp>
+      <p:pic>
+        <p:nvPicPr>
+          <p:cNvPr id="8" name="Picture 7">
+            <a:extLst>
+              <a:ext uri="{FF2B5EF4-FFF2-40B4-BE49-F238E27FC236}">
+                <a16:creationId xmlns:a16="http://schemas.microsoft.com/office/drawing/2014/main" id="{B2DB0EE7-679A-41C2-A566-666B16AA6735}"/>
+              </a:ext>
+            </a:extLst>
+          </p:cNvPr>
+          <p:cNvPicPr>
+            <a:picLocks noChangeAspect="1"/>
+          </p:cNvPicPr>
+          <p:nvPr/>
+        </p:nvPicPr>
+        <p:blipFill>
+          <a:blip r:embed="rId2"/>
+          <a:stretch>
+            <a:fillRect/>
+          </a:stretch>
+        </p:blipFill>
+        <p:spPr>
+          <a:xfrm>
+            <a:off x="6378056" y="2363191"/>
+            <a:ext cx="4372052" cy="2534793"/>
+          </a:xfrm>
+          <a:prstGeom prst="rect">
+            <a:avLst/>
+          </a:prstGeom>
+        </p:spPr>
+      </p:pic>
+    </p:spTree>
+    <p:extLst>
+      <p:ext uri="{BB962C8B-B14F-4D97-AF65-F5344CB8AC3E}">
+        <p14:creationId xmlns:p14="http://schemas.microsoft.com/office/powerpoint/2010/main" val="3308252482"/>
+      </p:ext>
+    </p:extLst>
+  </p:cSld>
+  <p:clrMapOvr>
+    <a:masterClrMapping/>
+  </p:clrMapOvr>
+</p:sld>
+</file>
+
+<file path=ppt/slides/slide4.xml><?xml version="1.0" encoding="utf-8"?>
+<p:sld xmlns:a="http://schemas.openxmlformats.org/drawingml/2006/main" xmlns:r="http://schemas.openxmlformats.org/officeDocument/2006/relationships" xmlns:p="http://schemas.openxmlformats.org/presentationml/2006/main">
+  <p:cSld>
+    <p:spTree>
+      <p:nvGrpSpPr>
+        <p:cNvPr id="1" name=""/>
+        <p:cNvGrpSpPr/>
+        <p:nvPr/>
+      </p:nvGrpSpPr>
+      <p:grpSpPr>
+        <a:xfrm>
+          <a:off x="0" y="0"/>
+          <a:ext cx="0" cy="0"/>
+          <a:chOff x="0" y="0"/>
+          <a:chExt cx="0" cy="0"/>
+        </a:xfrm>
+      </p:grpSpPr>
+      <p:sp>
+        <p:nvSpPr>
+          <p:cNvPr id="64" name="TextBox 63">
+            <a:extLst>
+              <a:ext uri="{FF2B5EF4-FFF2-40B4-BE49-F238E27FC236}">
+                <a16:creationId xmlns:a16="http://schemas.microsoft.com/office/drawing/2014/main" id="{EB9ABD2F-4B5D-4B4B-A735-BE6554DA73EA}"/>
+              </a:ext>
+            </a:extLst>
+          </p:cNvPr>
+          <p:cNvSpPr txBox="1"/>
+          <p:nvPr/>
+        </p:nvSpPr>
+        <p:spPr>
+          <a:xfrm>
+            <a:off x="3146860" y="41983"/>
+            <a:ext cx="6462393" cy="307777"/>
+          </a:xfrm>
+          <a:prstGeom prst="rect">
+            <a:avLst/>
+          </a:prstGeom>
+          <a:noFill/>
+        </p:spPr>
+        <p:txBody>
+          <a:bodyPr wrap="square" rtlCol="0">
+            <a:spAutoFit/>
+          </a:bodyPr>
+          <a:lstStyle/>
+          <a:p>
+            <a:r>
+              <a:rPr lang="en-US" sz="1400" b="1" dirty="0"/>
+              <a:t>Deployment to Amazon Cloud – </a:t>
+            </a:r>
+            <a:r>
+              <a:rPr lang="en-US" sz="1400" b="1" dirty="0" err="1"/>
+              <a:t>LightShell</a:t>
+            </a:r>
+            <a:r>
+              <a:rPr lang="en-US" sz="1400" b="1" dirty="0"/>
+              <a:t> : lightsail.aws.amazon.com</a:t>
+            </a:r>
+          </a:p>
+        </p:txBody>
+      </p:sp>
+      <p:sp>
+        <p:nvSpPr>
+          <p:cNvPr id="3" name="TextBox 2">
+            <a:extLst>
+              <a:ext uri="{FF2B5EF4-FFF2-40B4-BE49-F238E27FC236}">
+                <a16:creationId xmlns:a16="http://schemas.microsoft.com/office/drawing/2014/main" id="{19687CD0-6F59-44D9-8775-BDA74A2E00C1}"/>
+              </a:ext>
+            </a:extLst>
+          </p:cNvPr>
+          <p:cNvSpPr txBox="1"/>
+          <p:nvPr/>
+        </p:nvSpPr>
+        <p:spPr>
+          <a:xfrm>
+            <a:off x="427640" y="349761"/>
+            <a:ext cx="5386305" cy="778396"/>
+          </a:xfrm>
+          <a:prstGeom prst="rect">
+            <a:avLst/>
+          </a:prstGeom>
+          <a:noFill/>
+        </p:spPr>
+        <p:txBody>
+          <a:bodyPr wrap="square" rtlCol="0">
+            <a:noAutofit/>
+          </a:bodyPr>
+          <a:lstStyle/>
+          <a:p>
+            <a:r>
+              <a:rPr lang="en-US" sz="1200" dirty="0"/>
+              <a:t>21. Firewall</a:t>
+            </a:r>
+          </a:p>
+          <a:p>
+            <a:r>
+              <a:rPr lang="en-US" sz="1200" dirty="0"/>
+              <a:t>	Dashboard &gt; instance click &gt; networking &gt; firewall &gt; + add rule &gt; add 8000 TCP &gt; create</a:t>
+            </a:r>
+          </a:p>
+        </p:txBody>
+      </p:sp>
+      <p:pic>
+        <p:nvPicPr>
+          <p:cNvPr id="4" name="Picture 3">
+            <a:extLst>
+              <a:ext uri="{FF2B5EF4-FFF2-40B4-BE49-F238E27FC236}">
+                <a16:creationId xmlns:a16="http://schemas.microsoft.com/office/drawing/2014/main" id="{C2AA0CB7-FE00-4EE6-96EC-5C54A3499D15}"/>
+              </a:ext>
+            </a:extLst>
+          </p:cNvPr>
+          <p:cNvPicPr>
+            <a:picLocks noChangeAspect="1"/>
+          </p:cNvPicPr>
+          <p:nvPr/>
+        </p:nvPicPr>
+        <p:blipFill>
+          <a:blip r:embed="rId2"/>
+          <a:stretch>
+            <a:fillRect/>
+          </a:stretch>
+        </p:blipFill>
+        <p:spPr>
+          <a:xfrm>
+            <a:off x="427640" y="1412509"/>
+            <a:ext cx="5371429" cy="2476190"/>
+          </a:xfrm>
+          <a:prstGeom prst="rect">
+            <a:avLst/>
+          </a:prstGeom>
+        </p:spPr>
+      </p:pic>
+      <p:pic>
+        <p:nvPicPr>
+          <p:cNvPr id="6" name="Picture 5">
+            <a:extLst>
+              <a:ext uri="{FF2B5EF4-FFF2-40B4-BE49-F238E27FC236}">
+                <a16:creationId xmlns:a16="http://schemas.microsoft.com/office/drawing/2014/main" id="{A46658FB-96CD-4543-B7C8-322926B1F5A1}"/>
+              </a:ext>
+            </a:extLst>
+          </p:cNvPr>
+          <p:cNvPicPr>
+            <a:picLocks noChangeAspect="1"/>
+          </p:cNvPicPr>
+          <p:nvPr/>
+        </p:nvPicPr>
+        <p:blipFill>
+          <a:blip r:embed="rId3"/>
+          <a:stretch>
+            <a:fillRect/>
+          </a:stretch>
+        </p:blipFill>
+        <p:spPr>
+          <a:xfrm>
+            <a:off x="6864413" y="719476"/>
+            <a:ext cx="5018400" cy="3169223"/>
+          </a:xfrm>
+          <a:prstGeom prst="rect">
+            <a:avLst/>
+          </a:prstGeom>
+        </p:spPr>
+      </p:pic>
+      <p:cxnSp>
+        <p:nvCxnSpPr>
+          <p:cNvPr id="9" name="Straight Arrow Connector 8">
+            <a:extLst>
+              <a:ext uri="{FF2B5EF4-FFF2-40B4-BE49-F238E27FC236}">
+                <a16:creationId xmlns:a16="http://schemas.microsoft.com/office/drawing/2014/main" id="{98762A29-624D-4AF4-BC1C-B9C7391A8729}"/>
+              </a:ext>
+            </a:extLst>
+          </p:cNvPr>
+          <p:cNvCxnSpPr/>
+          <p:nvPr/>
+        </p:nvCxnSpPr>
+        <p:spPr>
+          <a:xfrm>
+            <a:off x="5973288" y="2481943"/>
+            <a:ext cx="419645" cy="0"/>
+          </a:xfrm>
+          <a:prstGeom prst="straightConnector1">
+            <a:avLst/>
+          </a:prstGeom>
+          <a:ln>
+            <a:tailEnd type="triangle"/>
+          </a:ln>
+        </p:spPr>
+        <p:style>
+          <a:lnRef idx="1">
+            <a:schemeClr val="accent1"/>
+          </a:lnRef>
+          <a:fillRef idx="0">
+            <a:schemeClr val="accent1"/>
+          </a:fillRef>
+          <a:effectRef idx="0">
+            <a:schemeClr val="accent1"/>
+          </a:effectRef>
+          <a:fontRef idx="minor">
+            <a:schemeClr val="tx1"/>
+          </a:fontRef>
+        </p:style>
+      </p:cxnSp>
+      <p:sp>
+        <p:nvSpPr>
+          <p:cNvPr id="12" name="TextBox 11">
+            <a:extLst>
+              <a:ext uri="{FF2B5EF4-FFF2-40B4-BE49-F238E27FC236}">
+                <a16:creationId xmlns:a16="http://schemas.microsoft.com/office/drawing/2014/main" id="{A8D07D93-4E4B-4B12-AD43-8DCF528FC3FE}"/>
+              </a:ext>
+            </a:extLst>
+          </p:cNvPr>
+          <p:cNvSpPr txBox="1"/>
+          <p:nvPr/>
+        </p:nvSpPr>
+        <p:spPr>
+          <a:xfrm>
+            <a:off x="412764" y="3888698"/>
+            <a:ext cx="5386305" cy="2797109"/>
+          </a:xfrm>
+          <a:prstGeom prst="rect">
+            <a:avLst/>
+          </a:prstGeom>
+          <a:noFill/>
+        </p:spPr>
+        <p:txBody>
+          <a:bodyPr wrap="square" rtlCol="0">
+            <a:noAutofit/>
+          </a:bodyPr>
+          <a:lstStyle/>
+          <a:p>
+            <a:r>
+              <a:rPr lang="en-US" sz="1200" dirty="0"/>
+              <a:t>22. &gt;&gt; python manage.py </a:t>
+            </a:r>
+            <a:r>
+              <a:rPr lang="en-US" sz="1200" dirty="0" err="1"/>
+              <a:t>runserver</a:t>
+            </a:r>
+            <a:r>
+              <a:rPr lang="en-US" sz="1200" dirty="0"/>
+              <a:t> 0:8000	</a:t>
+            </a:r>
+          </a:p>
+          <a:p>
+            <a:endParaRPr lang="en-US" sz="1200" dirty="0"/>
+          </a:p>
+          <a:p>
+            <a:r>
+              <a:rPr lang="en-US" sz="1200" dirty="0"/>
+              <a:t>	NOTE: watching for file changes with </a:t>
+            </a:r>
+            <a:r>
+              <a:rPr lang="en-US" sz="1200" dirty="0" err="1"/>
+              <a:t>statreloader</a:t>
+            </a:r>
+            <a:endParaRPr lang="en-US" sz="1200" dirty="0"/>
+          </a:p>
+          <a:p>
+            <a:r>
+              <a:rPr lang="en-US" sz="1200" dirty="0"/>
+              <a:t>	performing system checks....</a:t>
+            </a:r>
+          </a:p>
+          <a:p>
+            <a:r>
+              <a:rPr lang="en-US" sz="1200" dirty="0"/>
+              <a:t>	...</a:t>
+            </a:r>
+          </a:p>
+          <a:p>
+            <a:r>
+              <a:rPr lang="en-US" sz="1200" dirty="0"/>
+              <a:t>	...</a:t>
+            </a:r>
+          </a:p>
+          <a:p>
+            <a:r>
+              <a:rPr lang="en-US" sz="1200" dirty="0"/>
+              <a:t>	Error: That port is already in use</a:t>
+            </a:r>
+          </a:p>
+          <a:p>
+            <a:r>
+              <a:rPr lang="en-US" sz="1200" dirty="0"/>
+              <a:t>	</a:t>
+            </a:r>
+          </a:p>
+          <a:p>
+            <a:r>
+              <a:rPr lang="en-US" sz="1200" dirty="0"/>
+              <a:t>	(If we encounter error message...then) &gt;&gt; </a:t>
+            </a:r>
+            <a:r>
+              <a:rPr lang="en-US" sz="1200" dirty="0" err="1"/>
+              <a:t>killall</a:t>
+            </a:r>
+            <a:r>
+              <a:rPr lang="en-US" sz="1200" dirty="0"/>
+              <a:t> python</a:t>
+            </a:r>
+          </a:p>
+          <a:p>
+            <a:r>
+              <a:rPr lang="en-US" sz="1200" dirty="0"/>
+              <a:t>	</a:t>
+            </a:r>
+          </a:p>
+          <a:p>
+            <a:r>
+              <a:rPr lang="en-US" sz="1200" dirty="0"/>
+              <a:t>23. open browser: 3.14.99.172:8000</a:t>
+            </a:r>
+          </a:p>
+          <a:p>
+            <a:r>
+              <a:rPr lang="en-US" sz="1200" dirty="0"/>
+              <a:t>	</a:t>
+            </a:r>
+          </a:p>
+          <a:p>
+            <a:r>
+              <a:rPr lang="en-US" sz="1200" dirty="0"/>
+              <a:t>24. error message	</a:t>
+            </a:r>
+          </a:p>
+          <a:p>
+            <a:r>
+              <a:rPr lang="en-US" sz="1200" dirty="0"/>
+              <a:t>	"Invalid HTTP_HOST header: '3.14.99.172:8000'. You may need to add '3.14.99.172' to ALLOWED_HOSTS."</a:t>
+            </a:r>
+          </a:p>
+          <a:p>
+            <a:r>
+              <a:rPr lang="en-US" sz="1200" dirty="0"/>
+              <a:t>	</a:t>
+            </a:r>
+          </a:p>
+        </p:txBody>
+      </p:sp>
+      <p:sp>
+        <p:nvSpPr>
+          <p:cNvPr id="13" name="TextBox 12">
+            <a:extLst>
+              <a:ext uri="{FF2B5EF4-FFF2-40B4-BE49-F238E27FC236}">
+                <a16:creationId xmlns:a16="http://schemas.microsoft.com/office/drawing/2014/main" id="{EF95C43A-7C33-4A8A-AF36-2BDE23378D4F}"/>
+              </a:ext>
+            </a:extLst>
+          </p:cNvPr>
+          <p:cNvSpPr txBox="1"/>
+          <p:nvPr/>
+        </p:nvSpPr>
+        <p:spPr>
+          <a:xfrm>
+            <a:off x="6418169" y="3888699"/>
+            <a:ext cx="5386305" cy="2476190"/>
+          </a:xfrm>
+          <a:prstGeom prst="rect">
+            <a:avLst/>
+          </a:prstGeom>
+          <a:noFill/>
+        </p:spPr>
+        <p:txBody>
+          <a:bodyPr wrap="square" rtlCol="0">
+            <a:noAutofit/>
+          </a:bodyPr>
+          <a:lstStyle/>
+          <a:p>
+            <a:r>
+              <a:rPr lang="en-US" sz="1200" dirty="0"/>
+              <a:t>	</a:t>
+            </a:r>
+          </a:p>
+          <a:p>
+            <a:r>
+              <a:rPr lang="en-US" sz="1200" dirty="0"/>
+              <a:t>25. In Local, change settings.py</a:t>
+            </a:r>
+          </a:p>
+          <a:p>
+            <a:r>
+              <a:rPr lang="en-US" sz="1200" dirty="0"/>
+              <a:t>	ALLOWED_HOSTS = ['3.14.99.172']</a:t>
+            </a:r>
+          </a:p>
+          <a:p>
+            <a:r>
+              <a:rPr lang="en-US" sz="1200" dirty="0"/>
+              <a:t>	and commit and push</a:t>
+            </a:r>
+          </a:p>
+          <a:p>
+            <a:r>
+              <a:rPr lang="en-US" sz="1200" dirty="0"/>
+              <a:t>26. On amazon terminal,</a:t>
+            </a:r>
+          </a:p>
+          <a:p>
+            <a:r>
+              <a:rPr lang="en-US" sz="1200" dirty="0"/>
+              <a:t>	&gt;&gt; git pull</a:t>
+            </a:r>
+          </a:p>
+          <a:p>
+            <a:r>
+              <a:rPr lang="en-US" sz="1200" dirty="0"/>
+              <a:t>	</a:t>
+            </a:r>
+          </a:p>
+          <a:p>
+            <a:r>
+              <a:rPr lang="en-US" sz="1200" dirty="0"/>
+              <a:t>	(or to skip authentication, git config </a:t>
+            </a:r>
+            <a:r>
+              <a:rPr lang="en-US" sz="1200" dirty="0" err="1"/>
+              <a:t>credential.helper</a:t>
+            </a:r>
+            <a:r>
+              <a:rPr lang="en-US" sz="1200" dirty="0"/>
+              <a:t> store)</a:t>
+            </a:r>
+          </a:p>
+          <a:p>
+            <a:r>
+              <a:rPr lang="en-US" sz="1200" dirty="0"/>
+              <a:t>27. &gt;&gt; python manage.py </a:t>
+            </a:r>
+            <a:r>
+              <a:rPr lang="en-US" sz="1200" dirty="0" err="1"/>
+              <a:t>runserver</a:t>
+            </a:r>
+            <a:r>
+              <a:rPr lang="en-US" sz="1200" dirty="0"/>
+              <a:t> 0:8000	</a:t>
+            </a:r>
+          </a:p>
+          <a:p>
+            <a:endParaRPr lang="en-US" sz="1200" dirty="0"/>
+          </a:p>
+          <a:p>
+            <a:r>
+              <a:rPr lang="en-US" sz="1200" dirty="0"/>
+              <a:t>28. </a:t>
+            </a:r>
+            <a:r>
+              <a:rPr lang="en-US" sz="1200" b="1" dirty="0"/>
+              <a:t>open browser: 3.14.99.172:8000</a:t>
+            </a:r>
+          </a:p>
+        </p:txBody>
+      </p:sp>
+    </p:spTree>
+    <p:extLst>
+      <p:ext uri="{BB962C8B-B14F-4D97-AF65-F5344CB8AC3E}">
+        <p14:creationId xmlns:p14="http://schemas.microsoft.com/office/powerpoint/2010/main" val="2426255523"/>
+      </p:ext>
+    </p:extLst>
+  </p:cSld>
+  <p:clrMapOvr>
+    <a:masterClrMapping/>
+  </p:clrMapOvr>
+</p:sld>
+</file>
+
+<file path=ppt/slides/slide5.xml><?xml version="1.0" encoding="utf-8"?>
+<p:sld xmlns:a="http://schemas.openxmlformats.org/drawingml/2006/main" xmlns:r="http://schemas.openxmlformats.org/officeDocument/2006/relationships" xmlns:p="http://schemas.openxmlformats.org/presentationml/2006/main">
+  <p:cSld>
+    <p:spTree>
+      <p:nvGrpSpPr>
+        <p:cNvPr id="1" name=""/>
+        <p:cNvGrpSpPr/>
+        <p:nvPr/>
+      </p:nvGrpSpPr>
+      <p:grpSpPr>
+        <a:xfrm>
+          <a:off x="0" y="0"/>
+          <a:ext cx="0" cy="0"/>
+          <a:chOff x="0" y="0"/>
+          <a:chExt cx="0" cy="0"/>
+        </a:xfrm>
+      </p:grpSpPr>
+      <p:sp>
+        <p:nvSpPr>
+          <p:cNvPr id="64" name="TextBox 63">
+            <a:extLst>
+              <a:ext uri="{FF2B5EF4-FFF2-40B4-BE49-F238E27FC236}">
+                <a16:creationId xmlns:a16="http://schemas.microsoft.com/office/drawing/2014/main" id="{EB9ABD2F-4B5D-4B4B-A735-BE6554DA73EA}"/>
+              </a:ext>
+            </a:extLst>
+          </p:cNvPr>
+          <p:cNvSpPr txBox="1"/>
+          <p:nvPr/>
+        </p:nvSpPr>
+        <p:spPr>
+          <a:xfrm>
+            <a:off x="3146860" y="41983"/>
+            <a:ext cx="6462393" cy="307777"/>
+          </a:xfrm>
+          <a:prstGeom prst="rect">
+            <a:avLst/>
+          </a:prstGeom>
+          <a:noFill/>
+        </p:spPr>
+        <p:txBody>
+          <a:bodyPr wrap="square" rtlCol="0">
+            <a:spAutoFit/>
+          </a:bodyPr>
+          <a:lstStyle/>
+          <a:p>
+            <a:r>
+              <a:rPr lang="en-US" sz="1400" b="1" dirty="0"/>
+              <a:t>Deployment to Amazon Cloud – </a:t>
+            </a:r>
+            <a:r>
+              <a:rPr lang="en-US" sz="1400" b="1" dirty="0" err="1"/>
+              <a:t>LightShell</a:t>
+            </a:r>
+            <a:r>
+              <a:rPr lang="en-US" sz="1400" b="1" dirty="0"/>
+              <a:t> : lightsail.aws.amazon.com</a:t>
+            </a:r>
+          </a:p>
+        </p:txBody>
+      </p:sp>
+      <p:sp>
+        <p:nvSpPr>
+          <p:cNvPr id="13" name="TextBox 12">
+            <a:extLst>
+              <a:ext uri="{FF2B5EF4-FFF2-40B4-BE49-F238E27FC236}">
+                <a16:creationId xmlns:a16="http://schemas.microsoft.com/office/drawing/2014/main" id="{EF95C43A-7C33-4A8A-AF36-2BDE23378D4F}"/>
+              </a:ext>
+            </a:extLst>
+          </p:cNvPr>
+          <p:cNvSpPr txBox="1"/>
+          <p:nvPr/>
+        </p:nvSpPr>
+        <p:spPr>
+          <a:xfrm>
+            <a:off x="453707" y="492355"/>
+            <a:ext cx="5386305" cy="6145951"/>
+          </a:xfrm>
+          <a:prstGeom prst="rect">
+            <a:avLst/>
+          </a:prstGeom>
+          <a:noFill/>
+        </p:spPr>
+        <p:txBody>
+          <a:bodyPr wrap="square" rtlCol="0">
+            <a:noAutofit/>
+          </a:bodyPr>
+          <a:lstStyle/>
+          <a:p>
+            <a:endParaRPr lang="en-US" sz="1200" dirty="0"/>
+          </a:p>
+          <a:p>
+            <a:r>
+              <a:rPr lang="en-US" sz="1200" b="1" dirty="0" err="1">
+                <a:solidFill>
+                  <a:srgbClr val="00B0F0"/>
+                </a:solidFill>
+              </a:rPr>
+              <a:t>Settings.Py</a:t>
+            </a:r>
+            <a:r>
+              <a:rPr lang="en-US" sz="1200" b="1" dirty="0">
+                <a:solidFill>
+                  <a:srgbClr val="00B0F0"/>
+                </a:solidFill>
+              </a:rPr>
+              <a:t> </a:t>
+            </a:r>
+            <a:r>
+              <a:rPr lang="en-US" sz="1200" b="1" dirty="0" err="1">
+                <a:solidFill>
+                  <a:srgbClr val="00B0F0"/>
+                </a:solidFill>
+              </a:rPr>
+              <a:t>Configruation</a:t>
+            </a:r>
+            <a:r>
+              <a:rPr lang="en-US" sz="1200" b="1" dirty="0">
+                <a:solidFill>
+                  <a:srgbClr val="00B0F0"/>
+                </a:solidFill>
+              </a:rPr>
+              <a:t> for both local an server</a:t>
+            </a:r>
+          </a:p>
+          <a:p>
+            <a:endParaRPr lang="en-US" sz="1200" dirty="0"/>
+          </a:p>
+          <a:p>
+            <a:r>
+              <a:rPr lang="en-US" sz="1200" dirty="0"/>
+              <a:t>(NOTE) We set	ALLOWED_HOSTS = ['3.14.99.172’]. This should be split for both environment</a:t>
+            </a:r>
+          </a:p>
+          <a:p>
+            <a:endParaRPr lang="en-US" sz="1200" dirty="0"/>
+          </a:p>
+          <a:p>
+            <a:r>
+              <a:rPr lang="en-US" sz="1200" dirty="0"/>
+              <a:t>(Local Terminal)</a:t>
+            </a:r>
+          </a:p>
+          <a:p>
+            <a:r>
+              <a:rPr lang="en-US" sz="1200" dirty="0"/>
+              <a:t>Terminal</a:t>
+            </a:r>
+          </a:p>
+          <a:p>
+            <a:endParaRPr lang="en-US" sz="1200" dirty="0"/>
+          </a:p>
+          <a:p>
+            <a:r>
+              <a:rPr lang="en-US" sz="1200" b="0" i="0" dirty="0">
+                <a:solidFill>
+                  <a:srgbClr val="000000"/>
+                </a:solidFill>
+                <a:effectLst/>
+                <a:latin typeface="Consolas" panose="020B0609020204030204" pitchFamily="49" charset="0"/>
+              </a:rPr>
+              <a:t>projects\</a:t>
+            </a:r>
+            <a:r>
+              <a:rPr lang="en-US" sz="1200" b="0" i="0" dirty="0" err="1">
+                <a:solidFill>
+                  <a:srgbClr val="000000"/>
+                </a:solidFill>
+                <a:effectLst/>
+                <a:latin typeface="Consolas" panose="020B0609020204030204" pitchFamily="49" charset="0"/>
+              </a:rPr>
+              <a:t>mysite</a:t>
+            </a:r>
+            <a:r>
+              <a:rPr lang="en-US" sz="1200" b="0" i="0" dirty="0">
+                <a:solidFill>
+                  <a:srgbClr val="000000"/>
+                </a:solidFill>
+                <a:effectLst/>
+                <a:latin typeface="Consolas" panose="020B0609020204030204" pitchFamily="49" charset="0"/>
+              </a:rPr>
+              <a:t>\config&gt;</a:t>
+            </a:r>
+          </a:p>
+          <a:p>
+            <a:endParaRPr lang="en-US" sz="1200" dirty="0"/>
+          </a:p>
+          <a:p>
+            <a:pPr marL="228600" indent="-228600">
+              <a:buAutoNum type="arabicPeriod"/>
+            </a:pPr>
+            <a:r>
+              <a:rPr lang="en-US" sz="1200" dirty="0"/>
+              <a:t>&gt;&gt; </a:t>
+            </a:r>
+            <a:r>
+              <a:rPr lang="en-US" sz="1200" b="0" i="0" dirty="0" err="1">
+                <a:solidFill>
+                  <a:srgbClr val="000000"/>
+                </a:solidFill>
+                <a:effectLst/>
+                <a:latin typeface="Consolas" panose="020B0609020204030204" pitchFamily="49" charset="0"/>
+              </a:rPr>
+              <a:t>mkdir</a:t>
+            </a:r>
+            <a:r>
+              <a:rPr lang="en-US" sz="1200" b="0" i="0" dirty="0">
+                <a:solidFill>
+                  <a:srgbClr val="000000"/>
+                </a:solidFill>
+                <a:effectLst/>
+                <a:latin typeface="Consolas" panose="020B0609020204030204" pitchFamily="49" charset="0"/>
+              </a:rPr>
+              <a:t> settings</a:t>
+            </a:r>
+          </a:p>
+          <a:p>
+            <a:endParaRPr lang="en-US" sz="1200" dirty="0"/>
+          </a:p>
+          <a:p>
+            <a:r>
+              <a:rPr lang="en-US" sz="1200" dirty="0"/>
+              <a:t>2. &gt;&gt; </a:t>
+            </a:r>
+            <a:r>
+              <a:rPr lang="en-US" sz="1200" b="0" i="0" dirty="0">
+                <a:solidFill>
+                  <a:srgbClr val="000000"/>
+                </a:solidFill>
+                <a:effectLst/>
+                <a:latin typeface="Consolas" panose="020B0609020204030204" pitchFamily="49" charset="0"/>
+              </a:rPr>
+              <a:t>move settings.py settings/base.py</a:t>
+            </a:r>
+          </a:p>
+          <a:p>
+            <a:r>
+              <a:rPr lang="en-US" sz="1200" dirty="0">
+                <a:solidFill>
+                  <a:srgbClr val="000000"/>
+                </a:solidFill>
+                <a:latin typeface="Consolas" panose="020B0609020204030204" pitchFamily="49" charset="0"/>
+              </a:rPr>
+              <a:t>(NOTE settings.py is renamed to base.py)</a:t>
+            </a:r>
+          </a:p>
+          <a:p>
+            <a:endParaRPr lang="en-US" sz="1200" dirty="0">
+              <a:solidFill>
+                <a:srgbClr val="000000"/>
+              </a:solidFill>
+              <a:latin typeface="Consolas" panose="020B0609020204030204" pitchFamily="49" charset="0"/>
+            </a:endParaRPr>
+          </a:p>
+          <a:p>
+            <a:r>
+              <a:rPr lang="en-US" sz="1200" dirty="0">
+                <a:solidFill>
+                  <a:srgbClr val="000000"/>
+                </a:solidFill>
+                <a:latin typeface="Consolas" panose="020B0609020204030204" pitchFamily="49" charset="0"/>
+              </a:rPr>
+              <a:t>3 change base.py</a:t>
+            </a:r>
+          </a:p>
+          <a:p>
+            <a:r>
+              <a:rPr lang="en-US" sz="1200" b="0" i="0" dirty="0">
+                <a:solidFill>
+                  <a:srgbClr val="000000"/>
+                </a:solidFill>
+                <a:effectLst/>
+                <a:latin typeface="Consolas" panose="020B0609020204030204" pitchFamily="49" charset="0"/>
+              </a:rPr>
+              <a:t>BASE_DIR = Path(__file__).resolve().</a:t>
+            </a:r>
+            <a:r>
+              <a:rPr lang="en-US" sz="1200" b="0" i="0" dirty="0" err="1">
+                <a:solidFill>
+                  <a:srgbClr val="000000"/>
+                </a:solidFill>
+                <a:effectLst/>
+                <a:latin typeface="Consolas" panose="020B0609020204030204" pitchFamily="49" charset="0"/>
+              </a:rPr>
+              <a:t>parent.parent.parent</a:t>
+            </a:r>
+            <a:endParaRPr lang="en-US" sz="1200" b="0" i="0" dirty="0">
+              <a:solidFill>
+                <a:srgbClr val="000000"/>
+              </a:solidFill>
+              <a:effectLst/>
+              <a:latin typeface="Consolas" panose="020B0609020204030204" pitchFamily="49" charset="0"/>
+            </a:endParaRPr>
+          </a:p>
+          <a:p>
+            <a:endParaRPr lang="en-US" sz="1200" dirty="0">
+              <a:solidFill>
+                <a:srgbClr val="000000"/>
+              </a:solidFill>
+              <a:latin typeface="Consolas" panose="020B0609020204030204" pitchFamily="49" charset="0"/>
+            </a:endParaRPr>
+          </a:p>
+          <a:p>
+            <a:r>
+              <a:rPr lang="en-US" sz="1200" dirty="0">
+                <a:solidFill>
+                  <a:srgbClr val="000000"/>
+                </a:solidFill>
+                <a:latin typeface="Consolas" panose="020B0609020204030204" pitchFamily="49" charset="0"/>
+              </a:rPr>
+              <a:t>4. Create “local.py” under \</a:t>
+            </a:r>
+            <a:r>
+              <a:rPr lang="en-US" sz="1200" dirty="0" err="1">
+                <a:solidFill>
+                  <a:srgbClr val="000000"/>
+                </a:solidFill>
+                <a:latin typeface="Consolas" panose="020B0609020204030204" pitchFamily="49" charset="0"/>
+              </a:rPr>
+              <a:t>mysite</a:t>
+            </a:r>
+            <a:r>
+              <a:rPr lang="en-US" sz="1200" dirty="0">
+                <a:solidFill>
+                  <a:srgbClr val="000000"/>
+                </a:solidFill>
+                <a:latin typeface="Consolas" panose="020B0609020204030204" pitchFamily="49" charset="0"/>
+              </a:rPr>
+              <a:t>\config\settings\</a:t>
+            </a:r>
+          </a:p>
+          <a:p>
+            <a:endParaRPr lang="en-US" sz="1200" dirty="0"/>
+          </a:p>
+          <a:p>
+            <a:r>
+              <a:rPr lang="en-US" sz="1200" b="1" i="0" dirty="0">
+                <a:solidFill>
+                  <a:srgbClr val="000000"/>
+                </a:solidFill>
+                <a:effectLst/>
+                <a:latin typeface="Consolas" panose="020B0609020204030204" pitchFamily="49" charset="0"/>
+              </a:rPr>
+              <a:t>from</a:t>
+            </a:r>
+            <a:r>
+              <a:rPr lang="en-US" sz="1200" b="0" i="0" dirty="0">
+                <a:solidFill>
+                  <a:srgbClr val="000000"/>
+                </a:solidFill>
+                <a:effectLst/>
+                <a:latin typeface="Consolas" panose="020B0609020204030204" pitchFamily="49" charset="0"/>
+              </a:rPr>
+              <a:t> .base </a:t>
+            </a:r>
+            <a:r>
+              <a:rPr lang="en-US" sz="1200" b="1" i="0" dirty="0">
+                <a:solidFill>
+                  <a:srgbClr val="000000"/>
+                </a:solidFill>
+                <a:effectLst/>
+                <a:latin typeface="Consolas" panose="020B0609020204030204" pitchFamily="49" charset="0"/>
+              </a:rPr>
+              <a:t>import</a:t>
+            </a:r>
+            <a:r>
+              <a:rPr lang="en-US" sz="1200" b="0" i="0" dirty="0">
+                <a:solidFill>
+                  <a:srgbClr val="000000"/>
+                </a:solidFill>
+                <a:effectLst/>
+                <a:latin typeface="Consolas" panose="020B0609020204030204" pitchFamily="49" charset="0"/>
+              </a:rPr>
+              <a:t> * </a:t>
+            </a:r>
+          </a:p>
+          <a:p>
+            <a:r>
+              <a:rPr lang="en-US" sz="1200" b="0" i="0" dirty="0">
+                <a:solidFill>
+                  <a:srgbClr val="000000"/>
+                </a:solidFill>
+                <a:effectLst/>
+                <a:latin typeface="Consolas" panose="020B0609020204030204" pitchFamily="49" charset="0"/>
+              </a:rPr>
+              <a:t>ALLOWED_HOSTS = [] </a:t>
+            </a:r>
+          </a:p>
+          <a:p>
+            <a:endParaRPr lang="en-US" sz="1200" dirty="0">
+              <a:solidFill>
+                <a:srgbClr val="000000"/>
+              </a:solidFill>
+              <a:latin typeface="Consolas" panose="020B0609020204030204" pitchFamily="49" charset="0"/>
+            </a:endParaRPr>
+          </a:p>
+          <a:p>
+            <a:r>
+              <a:rPr lang="en-US" sz="1200" dirty="0">
+                <a:solidFill>
+                  <a:srgbClr val="000000"/>
+                </a:solidFill>
+                <a:latin typeface="Consolas" panose="020B0609020204030204" pitchFamily="49" charset="0"/>
+              </a:rPr>
+              <a:t>5. Create “prod.py” under \</a:t>
+            </a:r>
+            <a:r>
+              <a:rPr lang="en-US" sz="1200" dirty="0" err="1">
+                <a:solidFill>
+                  <a:srgbClr val="000000"/>
+                </a:solidFill>
+                <a:latin typeface="Consolas" panose="020B0609020204030204" pitchFamily="49" charset="0"/>
+              </a:rPr>
+              <a:t>mysite</a:t>
+            </a:r>
+            <a:r>
+              <a:rPr lang="en-US" sz="1200" dirty="0">
+                <a:solidFill>
+                  <a:srgbClr val="000000"/>
+                </a:solidFill>
+                <a:latin typeface="Consolas" panose="020B0609020204030204" pitchFamily="49" charset="0"/>
+              </a:rPr>
+              <a:t>\config\settings\</a:t>
+            </a:r>
+          </a:p>
+          <a:p>
+            <a:endParaRPr lang="en-US" sz="1200" dirty="0"/>
+          </a:p>
+          <a:p>
+            <a:r>
+              <a:rPr lang="en-US" sz="1200" b="1" i="0" dirty="0">
+                <a:solidFill>
+                  <a:srgbClr val="000000"/>
+                </a:solidFill>
+                <a:effectLst/>
+                <a:latin typeface="Consolas" panose="020B0609020204030204" pitchFamily="49" charset="0"/>
+              </a:rPr>
+              <a:t>from</a:t>
+            </a:r>
+            <a:r>
+              <a:rPr lang="en-US" sz="1200" b="0" i="0" dirty="0">
+                <a:solidFill>
+                  <a:srgbClr val="000000"/>
+                </a:solidFill>
+                <a:effectLst/>
+                <a:latin typeface="Consolas" panose="020B0609020204030204" pitchFamily="49" charset="0"/>
+              </a:rPr>
+              <a:t> .base </a:t>
+            </a:r>
+            <a:r>
+              <a:rPr lang="en-US" sz="1200" b="1" i="0" dirty="0">
+                <a:solidFill>
+                  <a:srgbClr val="000000"/>
+                </a:solidFill>
+                <a:effectLst/>
+                <a:latin typeface="Consolas" panose="020B0609020204030204" pitchFamily="49" charset="0"/>
+              </a:rPr>
+              <a:t>import</a:t>
+            </a:r>
+            <a:r>
+              <a:rPr lang="en-US" sz="1200" b="0" i="0" dirty="0">
+                <a:solidFill>
+                  <a:srgbClr val="000000"/>
+                </a:solidFill>
+                <a:effectLst/>
+                <a:latin typeface="Consolas" panose="020B0609020204030204" pitchFamily="49" charset="0"/>
+              </a:rPr>
+              <a:t> * </a:t>
+            </a:r>
+          </a:p>
+          <a:p>
+            <a:r>
+              <a:rPr lang="en-US" sz="1200" b="0" i="0" dirty="0">
+                <a:solidFill>
+                  <a:srgbClr val="000000"/>
+                </a:solidFill>
+                <a:effectLst/>
+                <a:latin typeface="Consolas" panose="020B0609020204030204" pitchFamily="49" charset="0"/>
+              </a:rPr>
+              <a:t>ALLOWED_HOSTS = [‘</a:t>
+            </a:r>
+            <a:r>
+              <a:rPr lang="en-US" sz="1200" b="1" dirty="0"/>
+              <a:t>3.14.99.172’</a:t>
+            </a:r>
+            <a:r>
+              <a:rPr lang="en-US" sz="1200" b="0" i="0" dirty="0">
+                <a:solidFill>
+                  <a:srgbClr val="000000"/>
+                </a:solidFill>
+                <a:effectLst/>
+                <a:latin typeface="Consolas" panose="020B0609020204030204" pitchFamily="49" charset="0"/>
+              </a:rPr>
+              <a:t>]</a:t>
+            </a:r>
+            <a:endParaRPr lang="en-US" sz="1200" b="1" dirty="0"/>
+          </a:p>
+        </p:txBody>
+      </p:sp>
+      <p:pic>
+        <p:nvPicPr>
+          <p:cNvPr id="5" name="Picture 4">
+            <a:extLst>
+              <a:ext uri="{FF2B5EF4-FFF2-40B4-BE49-F238E27FC236}">
+                <a16:creationId xmlns:a16="http://schemas.microsoft.com/office/drawing/2014/main" id="{80A184E4-4398-439E-822F-9939ED01C074}"/>
+              </a:ext>
+            </a:extLst>
+          </p:cNvPr>
+          <p:cNvPicPr>
+            <a:picLocks noChangeAspect="1"/>
+          </p:cNvPicPr>
+          <p:nvPr/>
+        </p:nvPicPr>
+        <p:blipFill>
+          <a:blip r:embed="rId2"/>
+          <a:stretch>
+            <a:fillRect/>
+          </a:stretch>
+        </p:blipFill>
+        <p:spPr>
+          <a:xfrm>
+            <a:off x="6262451" y="1071743"/>
+            <a:ext cx="1590897" cy="1762371"/>
+          </a:xfrm>
+          <a:prstGeom prst="rect">
+            <a:avLst/>
+          </a:prstGeom>
+        </p:spPr>
+      </p:pic>
+      <p:sp>
+        <p:nvSpPr>
+          <p:cNvPr id="11" name="TextBox 10">
+            <a:extLst>
+              <a:ext uri="{FF2B5EF4-FFF2-40B4-BE49-F238E27FC236}">
+                <a16:creationId xmlns:a16="http://schemas.microsoft.com/office/drawing/2014/main" id="{1C18061F-85DC-4E75-A5FC-144F61745A20}"/>
+              </a:ext>
+            </a:extLst>
+          </p:cNvPr>
+          <p:cNvSpPr txBox="1"/>
+          <p:nvPr/>
+        </p:nvSpPr>
+        <p:spPr>
+          <a:xfrm>
+            <a:off x="5712032" y="492355"/>
+            <a:ext cx="5770274" cy="6145951"/>
+          </a:xfrm>
+          <a:prstGeom prst="rect">
+            <a:avLst/>
+          </a:prstGeom>
+          <a:noFill/>
+        </p:spPr>
+        <p:txBody>
+          <a:bodyPr wrap="square" rtlCol="0">
+            <a:noAutofit/>
+          </a:bodyPr>
+          <a:lstStyle/>
+          <a:p>
+            <a:endParaRPr lang="en-US" sz="1200" dirty="0"/>
+          </a:p>
+          <a:p>
+            <a:r>
+              <a:rPr lang="en-US" sz="1200" dirty="0"/>
+              <a:t>6. Confirmation</a:t>
+            </a:r>
+          </a:p>
+          <a:p>
+            <a:endParaRPr lang="en-US" sz="1200" dirty="0">
+              <a:solidFill>
+                <a:srgbClr val="000000"/>
+              </a:solidFill>
+              <a:latin typeface="Consolas" panose="020B0609020204030204" pitchFamily="49" charset="0"/>
+            </a:endParaRPr>
+          </a:p>
+          <a:p>
+            <a:endParaRPr lang="en-US" sz="1200" dirty="0">
+              <a:solidFill>
+                <a:srgbClr val="000000"/>
+              </a:solidFill>
+              <a:latin typeface="Consolas" panose="020B0609020204030204" pitchFamily="49" charset="0"/>
+            </a:endParaRPr>
+          </a:p>
+          <a:p>
+            <a:endParaRPr lang="en-US" sz="1200" dirty="0">
+              <a:solidFill>
+                <a:srgbClr val="000000"/>
+              </a:solidFill>
+              <a:latin typeface="Consolas" panose="020B0609020204030204" pitchFamily="49" charset="0"/>
+            </a:endParaRPr>
+          </a:p>
+          <a:p>
+            <a:endParaRPr lang="en-US" sz="1200" dirty="0">
+              <a:solidFill>
+                <a:srgbClr val="000000"/>
+              </a:solidFill>
+              <a:latin typeface="Consolas" panose="020B0609020204030204" pitchFamily="49" charset="0"/>
+            </a:endParaRPr>
+          </a:p>
+          <a:p>
+            <a:endParaRPr lang="en-US" sz="1200" dirty="0">
+              <a:solidFill>
+                <a:srgbClr val="000000"/>
+              </a:solidFill>
+              <a:latin typeface="Consolas" panose="020B0609020204030204" pitchFamily="49" charset="0"/>
+            </a:endParaRPr>
+          </a:p>
+          <a:p>
+            <a:endParaRPr lang="en-US" sz="1200" dirty="0">
+              <a:solidFill>
+                <a:srgbClr val="000000"/>
+              </a:solidFill>
+              <a:latin typeface="Consolas" panose="020B0609020204030204" pitchFamily="49" charset="0"/>
+            </a:endParaRPr>
+          </a:p>
+          <a:p>
+            <a:endParaRPr lang="en-US" sz="1200" dirty="0">
+              <a:solidFill>
+                <a:srgbClr val="000000"/>
+              </a:solidFill>
+              <a:latin typeface="Consolas" panose="020B0609020204030204" pitchFamily="49" charset="0"/>
+            </a:endParaRPr>
+          </a:p>
+          <a:p>
+            <a:endParaRPr lang="en-US" sz="1200" dirty="0">
+              <a:solidFill>
+                <a:srgbClr val="000000"/>
+              </a:solidFill>
+              <a:latin typeface="Consolas" panose="020B0609020204030204" pitchFamily="49" charset="0"/>
+            </a:endParaRPr>
+          </a:p>
+          <a:p>
+            <a:endParaRPr lang="en-US" sz="1200" dirty="0">
+              <a:solidFill>
+                <a:srgbClr val="000000"/>
+              </a:solidFill>
+              <a:latin typeface="Consolas" panose="020B0609020204030204" pitchFamily="49" charset="0"/>
+            </a:endParaRPr>
+          </a:p>
+          <a:p>
+            <a:endParaRPr lang="en-US" sz="1200" dirty="0">
+              <a:solidFill>
+                <a:srgbClr val="000000"/>
+              </a:solidFill>
+              <a:latin typeface="Consolas" panose="020B0609020204030204" pitchFamily="49" charset="0"/>
+            </a:endParaRPr>
+          </a:p>
+          <a:p>
+            <a:endParaRPr lang="en-US" sz="1200" dirty="0">
+              <a:solidFill>
+                <a:srgbClr val="000000"/>
+              </a:solidFill>
+              <a:latin typeface="Consolas" panose="020B0609020204030204" pitchFamily="49" charset="0"/>
+            </a:endParaRPr>
+          </a:p>
+          <a:p>
+            <a:r>
+              <a:rPr lang="en-US" sz="1200" dirty="0">
+                <a:solidFill>
+                  <a:srgbClr val="000000"/>
+                </a:solidFill>
+                <a:latin typeface="Consolas" panose="020B0609020204030204" pitchFamily="49" charset="0"/>
+              </a:rPr>
+              <a:t>7. &gt;&gt; </a:t>
+            </a:r>
+            <a:r>
+              <a:rPr lang="en-US" sz="1200" b="0" i="0" dirty="0">
+                <a:solidFill>
+                  <a:srgbClr val="000000"/>
+                </a:solidFill>
+                <a:effectLst/>
+                <a:latin typeface="Consolas" panose="020B0609020204030204" pitchFamily="49" charset="0"/>
+              </a:rPr>
+              <a:t>python manage.py </a:t>
+            </a:r>
+            <a:r>
+              <a:rPr lang="en-US" sz="1200" b="0" i="0" dirty="0" err="1">
+                <a:solidFill>
+                  <a:srgbClr val="000000"/>
+                </a:solidFill>
+                <a:effectLst/>
+                <a:latin typeface="Consolas" panose="020B0609020204030204" pitchFamily="49" charset="0"/>
+              </a:rPr>
+              <a:t>runserver</a:t>
+            </a:r>
+            <a:endParaRPr lang="en-US" sz="1200" b="0" i="0" dirty="0">
+              <a:solidFill>
+                <a:srgbClr val="000000"/>
+              </a:solidFill>
+              <a:effectLst/>
+              <a:latin typeface="Consolas" panose="020B0609020204030204" pitchFamily="49" charset="0"/>
+            </a:endParaRPr>
+          </a:p>
+          <a:p>
+            <a:r>
+              <a:rPr lang="en-US" sz="1200" dirty="0">
+                <a:solidFill>
+                  <a:srgbClr val="000000"/>
+                </a:solidFill>
+                <a:latin typeface="Consolas" panose="020B0609020204030204" pitchFamily="49" charset="0"/>
+              </a:rPr>
+              <a:t>(Error) ……..The SECRET_KEY setting must not be empty…….</a:t>
+            </a:r>
+          </a:p>
+          <a:p>
+            <a:r>
+              <a:rPr lang="en-US" sz="1200" dirty="0">
+                <a:solidFill>
+                  <a:srgbClr val="000000"/>
+                </a:solidFill>
+                <a:latin typeface="Consolas" panose="020B0609020204030204" pitchFamily="49" charset="0"/>
+              </a:rPr>
+              <a:t>(Reason) Settings.py is removed</a:t>
+            </a:r>
+          </a:p>
+          <a:p>
+            <a:endParaRPr lang="en-US" sz="1200" dirty="0">
+              <a:solidFill>
+                <a:srgbClr val="000000"/>
+              </a:solidFill>
+              <a:latin typeface="Consolas" panose="020B0609020204030204" pitchFamily="49" charset="0"/>
+            </a:endParaRPr>
+          </a:p>
+          <a:p>
+            <a:r>
+              <a:rPr lang="en-US" sz="1200" dirty="0">
+                <a:solidFill>
+                  <a:srgbClr val="000000"/>
+                </a:solidFill>
+                <a:latin typeface="Consolas" panose="020B0609020204030204" pitchFamily="49" charset="0"/>
+              </a:rPr>
+              <a:t>8. &gt;&gt; </a:t>
+            </a:r>
+            <a:r>
+              <a:rPr lang="en-US" sz="1200" b="0" i="0" dirty="0">
+                <a:solidFill>
+                  <a:srgbClr val="000000"/>
+                </a:solidFill>
+                <a:effectLst/>
+                <a:latin typeface="Consolas" panose="020B0609020204030204" pitchFamily="49" charset="0"/>
+              </a:rPr>
+              <a:t>python manage.py </a:t>
+            </a:r>
+            <a:r>
+              <a:rPr lang="en-US" sz="1200" b="0" i="0" dirty="0" err="1">
+                <a:solidFill>
+                  <a:srgbClr val="000000"/>
+                </a:solidFill>
+                <a:effectLst/>
+                <a:latin typeface="Consolas" panose="020B0609020204030204" pitchFamily="49" charset="0"/>
+              </a:rPr>
+              <a:t>runserver</a:t>
+            </a:r>
+            <a:r>
+              <a:rPr lang="en-US" sz="1200" b="0" i="0" dirty="0">
+                <a:solidFill>
+                  <a:srgbClr val="000000"/>
+                </a:solidFill>
+                <a:effectLst/>
+                <a:latin typeface="Consolas" panose="020B0609020204030204" pitchFamily="49" charset="0"/>
+              </a:rPr>
+              <a:t> </a:t>
+            </a:r>
+            <a:r>
+              <a:rPr lang="en-US" sz="1200" b="1" i="0" dirty="0">
+                <a:solidFill>
+                  <a:srgbClr val="000000"/>
+                </a:solidFill>
+                <a:effectLst/>
+                <a:latin typeface="Consolas" panose="020B0609020204030204" pitchFamily="49" charset="0"/>
+              </a:rPr>
+              <a:t>--settings=</a:t>
+            </a:r>
+            <a:r>
+              <a:rPr lang="en-US" sz="1200" b="1" i="0" dirty="0" err="1">
+                <a:solidFill>
+                  <a:srgbClr val="000000"/>
+                </a:solidFill>
+                <a:effectLst/>
+                <a:latin typeface="Consolas" panose="020B0609020204030204" pitchFamily="49" charset="0"/>
+              </a:rPr>
+              <a:t>config.settings.local</a:t>
+            </a:r>
+            <a:endParaRPr lang="en-US" sz="1200" b="1" i="0" dirty="0">
+              <a:solidFill>
+                <a:srgbClr val="000000"/>
+              </a:solidFill>
+              <a:effectLst/>
+              <a:latin typeface="Consolas" panose="020B0609020204030204" pitchFamily="49" charset="0"/>
+            </a:endParaRPr>
+          </a:p>
+          <a:p>
+            <a:r>
+              <a:rPr lang="en-US" sz="1200" b="1" dirty="0">
+                <a:solidFill>
+                  <a:srgbClr val="000000"/>
+                </a:solidFill>
+                <a:latin typeface="Consolas" panose="020B0609020204030204" pitchFamily="49" charset="0"/>
+              </a:rPr>
+              <a:t>   (When run it on Local Environment)</a:t>
+            </a:r>
+          </a:p>
+          <a:p>
+            <a:r>
+              <a:rPr lang="en-US" sz="1200" b="1" dirty="0">
+                <a:solidFill>
+                  <a:srgbClr val="000000"/>
+                </a:solidFill>
+                <a:latin typeface="Consolas" panose="020B0609020204030204" pitchFamily="49" charset="0"/>
+              </a:rPr>
+              <a:t>9. </a:t>
+            </a:r>
+            <a:r>
+              <a:rPr lang="en-US" sz="1200" dirty="0">
+                <a:solidFill>
+                  <a:srgbClr val="000000"/>
+                </a:solidFill>
+                <a:latin typeface="Consolas" panose="020B0609020204030204" pitchFamily="49" charset="0"/>
+              </a:rPr>
+              <a:t>&gt;&gt; </a:t>
+            </a:r>
+            <a:r>
+              <a:rPr lang="en-US" sz="1200" b="0" i="0" dirty="0">
+                <a:solidFill>
+                  <a:srgbClr val="000000"/>
+                </a:solidFill>
+                <a:effectLst/>
+                <a:latin typeface="Consolas" panose="020B0609020204030204" pitchFamily="49" charset="0"/>
+              </a:rPr>
+              <a:t>python manage.py </a:t>
+            </a:r>
+            <a:r>
+              <a:rPr lang="en-US" sz="1200" b="0" i="0" dirty="0" err="1">
+                <a:solidFill>
+                  <a:srgbClr val="000000"/>
+                </a:solidFill>
+                <a:effectLst/>
+                <a:latin typeface="Consolas" panose="020B0609020204030204" pitchFamily="49" charset="0"/>
+              </a:rPr>
+              <a:t>runserver</a:t>
+            </a:r>
+            <a:r>
+              <a:rPr lang="en-US" sz="1200" b="0" i="0" dirty="0">
+                <a:solidFill>
+                  <a:srgbClr val="000000"/>
+                </a:solidFill>
+                <a:effectLst/>
+                <a:latin typeface="Consolas" panose="020B0609020204030204" pitchFamily="49" charset="0"/>
+              </a:rPr>
+              <a:t> </a:t>
+            </a:r>
+            <a:r>
+              <a:rPr lang="en-US" sz="1200" b="1" i="0" dirty="0">
+                <a:solidFill>
+                  <a:srgbClr val="000000"/>
+                </a:solidFill>
+                <a:effectLst/>
+                <a:latin typeface="Consolas" panose="020B0609020204030204" pitchFamily="49" charset="0"/>
+              </a:rPr>
+              <a:t>--settings=</a:t>
+            </a:r>
+            <a:r>
+              <a:rPr lang="en-US" sz="1200" b="1" i="0" dirty="0" err="1">
+                <a:solidFill>
+                  <a:srgbClr val="000000"/>
+                </a:solidFill>
+                <a:effectLst/>
+                <a:latin typeface="Consolas" panose="020B0609020204030204" pitchFamily="49" charset="0"/>
+              </a:rPr>
+              <a:t>config.settings.prod</a:t>
+            </a:r>
+            <a:endParaRPr lang="en-US" sz="1200" b="1" dirty="0">
+              <a:solidFill>
+                <a:srgbClr val="000000"/>
+              </a:solidFill>
+              <a:latin typeface="Consolas" panose="020B0609020204030204" pitchFamily="49" charset="0"/>
+            </a:endParaRPr>
+          </a:p>
+          <a:p>
+            <a:r>
+              <a:rPr lang="en-US" sz="1200" b="1" dirty="0">
+                <a:solidFill>
+                  <a:srgbClr val="000000"/>
+                </a:solidFill>
+                <a:latin typeface="Consolas" panose="020B0609020204030204" pitchFamily="49" charset="0"/>
+              </a:rPr>
+              <a:t>   (When run it on Prod Environment)</a:t>
+            </a:r>
+          </a:p>
+          <a:p>
+            <a:endParaRPr lang="en-US" sz="1200" dirty="0"/>
+          </a:p>
+        </p:txBody>
+      </p:sp>
+    </p:spTree>
+    <p:extLst>
+      <p:ext uri="{BB962C8B-B14F-4D97-AF65-F5344CB8AC3E}">
+        <p14:creationId xmlns:p14="http://schemas.microsoft.com/office/powerpoint/2010/main" val="3853092504"/>
+      </p:ext>
+    </p:extLst>
+  </p:cSld>
+  <p:clrMapOvr>
+    <a:masterClrMapping/>
+  </p:clrMapOvr>
+</p:sld>
+</file>
+
+<file path=ppt/slides/slide6.xml><?xml version="1.0" encoding="utf-8"?>
+<p:sld xmlns:a="http://schemas.openxmlformats.org/drawingml/2006/main" xmlns:r="http://schemas.openxmlformats.org/officeDocument/2006/relationships" xmlns:p="http://schemas.openxmlformats.org/presentationml/2006/main">
+  <p:cSld>
+    <p:spTree>
+      <p:nvGrpSpPr>
+        <p:cNvPr id="1" name=""/>
+        <p:cNvGrpSpPr/>
+        <p:nvPr/>
+      </p:nvGrpSpPr>
+      <p:grpSpPr>
+        <a:xfrm>
+          <a:off x="0" y="0"/>
+          <a:ext cx="0" cy="0"/>
+          <a:chOff x="0" y="0"/>
+          <a:chExt cx="0" cy="0"/>
+        </a:xfrm>
+      </p:grpSpPr>
+      <p:sp>
+        <p:nvSpPr>
+          <p:cNvPr id="64" name="TextBox 63">
+            <a:extLst>
+              <a:ext uri="{FF2B5EF4-FFF2-40B4-BE49-F238E27FC236}">
+                <a16:creationId xmlns:a16="http://schemas.microsoft.com/office/drawing/2014/main" id="{EB9ABD2F-4B5D-4B4B-A735-BE6554DA73EA}"/>
+              </a:ext>
+            </a:extLst>
+          </p:cNvPr>
+          <p:cNvSpPr txBox="1"/>
+          <p:nvPr/>
+        </p:nvSpPr>
+        <p:spPr>
+          <a:xfrm>
+            <a:off x="3146860" y="41983"/>
+            <a:ext cx="6462393" cy="307777"/>
+          </a:xfrm>
+          <a:prstGeom prst="rect">
+            <a:avLst/>
+          </a:prstGeom>
+          <a:noFill/>
+        </p:spPr>
+        <p:txBody>
+          <a:bodyPr wrap="square" rtlCol="0">
+            <a:spAutoFit/>
+          </a:bodyPr>
+          <a:lstStyle/>
+          <a:p>
+            <a:r>
+              <a:rPr lang="en-US" sz="1400" b="1" dirty="0"/>
+              <a:t>Deployment to Amazon Cloud – </a:t>
+            </a:r>
+            <a:r>
+              <a:rPr lang="en-US" sz="1400" b="1" dirty="0" err="1"/>
+              <a:t>LightShell</a:t>
+            </a:r>
+            <a:r>
+              <a:rPr lang="en-US" sz="1400" b="1" dirty="0"/>
+              <a:t> : lightsail.aws.amazon.com</a:t>
+            </a:r>
+          </a:p>
+        </p:txBody>
+      </p:sp>
+      <p:sp>
+        <p:nvSpPr>
+          <p:cNvPr id="13" name="TextBox 12">
+            <a:extLst>
+              <a:ext uri="{FF2B5EF4-FFF2-40B4-BE49-F238E27FC236}">
+                <a16:creationId xmlns:a16="http://schemas.microsoft.com/office/drawing/2014/main" id="{EF95C43A-7C33-4A8A-AF36-2BDE23378D4F}"/>
+              </a:ext>
+            </a:extLst>
+          </p:cNvPr>
+          <p:cNvSpPr txBox="1"/>
+          <p:nvPr/>
+        </p:nvSpPr>
+        <p:spPr>
+          <a:xfrm>
+            <a:off x="453707" y="492355"/>
+            <a:ext cx="5386305" cy="6145951"/>
+          </a:xfrm>
+          <a:prstGeom prst="rect">
+            <a:avLst/>
+          </a:prstGeom>
+          <a:noFill/>
+        </p:spPr>
+        <p:txBody>
+          <a:bodyPr wrap="square" rtlCol="0">
+            <a:noAutofit/>
+          </a:bodyPr>
+          <a:lstStyle/>
+          <a:p>
+            <a:endParaRPr lang="en-US" sz="1200" dirty="0"/>
+          </a:p>
+          <a:p>
+            <a:r>
+              <a:rPr lang="en-US" sz="1200" b="1" dirty="0">
+                <a:solidFill>
+                  <a:srgbClr val="00B0F0"/>
+                </a:solidFill>
+              </a:rPr>
+              <a:t>Terminal Program Instead of AWS web terminal</a:t>
+            </a:r>
+          </a:p>
+          <a:p>
+            <a:endParaRPr lang="en-US" sz="1200" dirty="0"/>
+          </a:p>
+          <a:p>
+            <a:r>
+              <a:rPr lang="en-US" sz="1200" dirty="0"/>
+              <a:t>(NOTE) We need private key</a:t>
+            </a:r>
+          </a:p>
+          <a:p>
+            <a:endParaRPr lang="en-US" sz="1200" dirty="0"/>
+          </a:p>
+          <a:p>
+            <a:endParaRPr lang="en-US" sz="1200" dirty="0"/>
+          </a:p>
+          <a:p>
+            <a:endParaRPr lang="en-US" sz="1200" dirty="0"/>
+          </a:p>
+          <a:p>
+            <a:endParaRPr lang="en-US" sz="1200" dirty="0"/>
+          </a:p>
+          <a:p>
+            <a:endParaRPr lang="en-US" sz="1200" dirty="0"/>
+          </a:p>
+          <a:p>
+            <a:endParaRPr lang="en-US" sz="1200" dirty="0"/>
+          </a:p>
+          <a:p>
+            <a:endParaRPr lang="en-US" sz="1200" dirty="0"/>
+          </a:p>
+          <a:p>
+            <a:endParaRPr lang="en-US" sz="1200" dirty="0"/>
+          </a:p>
+          <a:p>
+            <a:endParaRPr lang="en-US" sz="1200" dirty="0"/>
+          </a:p>
+          <a:p>
+            <a:endParaRPr lang="en-US" sz="1200" dirty="0"/>
+          </a:p>
+          <a:p>
+            <a:endParaRPr lang="en-US" sz="1200" dirty="0"/>
+          </a:p>
+          <a:p>
+            <a:endParaRPr lang="en-US" sz="1200" dirty="0"/>
+          </a:p>
+          <a:p>
+            <a:endParaRPr lang="en-US" sz="1200" dirty="0"/>
+          </a:p>
+          <a:p>
+            <a:endParaRPr lang="en-US" sz="1200" dirty="0"/>
+          </a:p>
+          <a:p>
+            <a:endParaRPr lang="en-US" sz="1200" dirty="0"/>
+          </a:p>
+          <a:p>
+            <a:endParaRPr lang="en-US" sz="1200" dirty="0"/>
+          </a:p>
+          <a:p>
+            <a:r>
+              <a:rPr lang="en-US" sz="1200" dirty="0"/>
+              <a:t>1. Download it under </a:t>
+            </a:r>
+            <a:r>
+              <a:rPr lang="en-US" sz="1200" dirty="0" err="1"/>
+              <a:t>venvs</a:t>
+            </a:r>
+            <a:r>
+              <a:rPr lang="en-US" sz="1200" dirty="0"/>
+              <a:t> directory in the name of “</a:t>
+            </a:r>
+            <a:r>
+              <a:rPr lang="en-US" sz="1200" dirty="0" err="1"/>
+              <a:t>mysite.pem</a:t>
+            </a:r>
+            <a:r>
+              <a:rPr lang="en-US" sz="1200" dirty="0"/>
+              <a:t>”</a:t>
+            </a:r>
+          </a:p>
+          <a:p>
+            <a:endParaRPr lang="en-US" sz="1200" dirty="0"/>
+          </a:p>
+          <a:p>
+            <a:r>
+              <a:rPr lang="en-US" sz="1200" dirty="0">
+                <a:solidFill>
+                  <a:srgbClr val="000000"/>
+                </a:solidFill>
+                <a:latin typeface="Consolas" panose="020B0609020204030204" pitchFamily="49" charset="0"/>
+              </a:rPr>
+              <a:t>2. You can use any terminal program.</a:t>
+            </a:r>
+          </a:p>
+          <a:p>
+            <a:r>
+              <a:rPr lang="en-US" sz="1200" b="0" i="0" u="sng" dirty="0">
+                <a:solidFill>
+                  <a:srgbClr val="23527C"/>
+                </a:solidFill>
+                <a:effectLst/>
+                <a:latin typeface="Malgun Gothic" panose="020B0503020000020004" pitchFamily="34" charset="-127"/>
+                <a:ea typeface="Malgun Gothic" panose="020B0503020000020004" pitchFamily="34" charset="-127"/>
+                <a:hlinkClick r:id="rId2"/>
+              </a:rPr>
+              <a:t>https://mobaxterm.mobatek.net/download.html</a:t>
+            </a:r>
+            <a:endParaRPr lang="en-US" sz="1200" dirty="0">
+              <a:solidFill>
+                <a:srgbClr val="000000"/>
+              </a:solidFill>
+              <a:latin typeface="Consolas" panose="020B0609020204030204" pitchFamily="49" charset="0"/>
+            </a:endParaRPr>
+          </a:p>
+          <a:p>
+            <a:endParaRPr lang="en-US" sz="1200" b="1" dirty="0"/>
+          </a:p>
+        </p:txBody>
+      </p:sp>
+      <p:pic>
+        <p:nvPicPr>
+          <p:cNvPr id="3" name="Picture 2">
+            <a:extLst>
+              <a:ext uri="{FF2B5EF4-FFF2-40B4-BE49-F238E27FC236}">
+                <a16:creationId xmlns:a16="http://schemas.microsoft.com/office/drawing/2014/main" id="{1A60212B-6C94-4994-8483-4A62F2A3C585}"/>
+              </a:ext>
+            </a:extLst>
+          </p:cNvPr>
+          <p:cNvPicPr>
+            <a:picLocks noChangeAspect="1"/>
+          </p:cNvPicPr>
+          <p:nvPr/>
+        </p:nvPicPr>
+        <p:blipFill>
+          <a:blip r:embed="rId3"/>
+          <a:stretch>
+            <a:fillRect/>
+          </a:stretch>
+        </p:blipFill>
+        <p:spPr>
+          <a:xfrm>
+            <a:off x="453707" y="1302843"/>
+            <a:ext cx="3895108" cy="2837465"/>
+          </a:xfrm>
+          <a:prstGeom prst="rect">
+            <a:avLst/>
+          </a:prstGeom>
+        </p:spPr>
+      </p:pic>
+      <p:pic>
+        <p:nvPicPr>
+          <p:cNvPr id="6" name="Picture 5">
+            <a:extLst>
+              <a:ext uri="{FF2B5EF4-FFF2-40B4-BE49-F238E27FC236}">
+                <a16:creationId xmlns:a16="http://schemas.microsoft.com/office/drawing/2014/main" id="{52DB5FE9-3419-42B3-A309-C6E03F1843BD}"/>
+              </a:ext>
+            </a:extLst>
+          </p:cNvPr>
+          <p:cNvPicPr>
+            <a:picLocks noChangeAspect="1"/>
+          </p:cNvPicPr>
+          <p:nvPr/>
+        </p:nvPicPr>
+        <p:blipFill>
+          <a:blip r:embed="rId4"/>
+          <a:stretch>
+            <a:fillRect/>
+          </a:stretch>
+        </p:blipFill>
+        <p:spPr>
+          <a:xfrm>
+            <a:off x="5448280" y="1443507"/>
+            <a:ext cx="6305847" cy="4243646"/>
+          </a:xfrm>
+          <a:prstGeom prst="rect">
+            <a:avLst/>
+          </a:prstGeom>
+        </p:spPr>
+      </p:pic>
+      <p:sp>
+        <p:nvSpPr>
+          <p:cNvPr id="7" name="TextBox 6">
+            <a:extLst>
+              <a:ext uri="{FF2B5EF4-FFF2-40B4-BE49-F238E27FC236}">
+                <a16:creationId xmlns:a16="http://schemas.microsoft.com/office/drawing/2014/main" id="{D6AA6C75-142A-48C0-8077-7CB047FAC601}"/>
+              </a:ext>
+            </a:extLst>
+          </p:cNvPr>
+          <p:cNvSpPr txBox="1"/>
+          <p:nvPr/>
+        </p:nvSpPr>
+        <p:spPr>
+          <a:xfrm>
+            <a:off x="6210217" y="733004"/>
+            <a:ext cx="4781972" cy="437843"/>
+          </a:xfrm>
+          <a:prstGeom prst="rect">
+            <a:avLst/>
+          </a:prstGeom>
+          <a:noFill/>
+        </p:spPr>
+        <p:txBody>
+          <a:bodyPr wrap="square" rtlCol="0">
+            <a:noAutofit/>
+          </a:bodyPr>
+          <a:lstStyle/>
+          <a:p>
+            <a:r>
+              <a:rPr lang="en-US" sz="1200" dirty="0"/>
+              <a:t>	</a:t>
+            </a:r>
+          </a:p>
+          <a:p>
+            <a:r>
+              <a:rPr lang="en-US" sz="1200" dirty="0"/>
+              <a:t>3. Follow below instruction to connect</a:t>
+            </a:r>
+          </a:p>
+        </p:txBody>
+      </p:sp>
+    </p:spTree>
+    <p:extLst>
+      <p:ext uri="{BB962C8B-B14F-4D97-AF65-F5344CB8AC3E}">
+        <p14:creationId xmlns:p14="http://schemas.microsoft.com/office/powerpoint/2010/main" val="2462188292"/>
       </p:ext>
     </p:extLst>
   </p:cSld>

--- a/PythonWeb/Virtual environment.pptx
+++ b/PythonWeb/Virtual environment.pptx
@@ -11917,6 +11917,22 @@
             </a:r>
           </a:p>
           <a:p>
+            <a:r>
+              <a:rPr lang="en-US" sz="1200" dirty="0"/>
+              <a:t>10. &gt;&gt; git commit -a -m "change config“</a:t>
+            </a:r>
+          </a:p>
+          <a:p>
+            <a:r>
+              <a:rPr lang="en-US" sz="1200" dirty="0"/>
+              <a:t>11. &gt;&gt; </a:t>
+            </a:r>
+            <a:r>
+              <a:rPr lang="en-US" sz="1200"/>
+              <a:t>git push</a:t>
+            </a:r>
+          </a:p>
+          <a:p>
             <a:endParaRPr lang="en-US" sz="1200" dirty="0"/>
           </a:p>
         </p:txBody>

--- a/PythonWeb/Virtual environment.pptx
+++ b/PythonWeb/Virtual environment.pptx
@@ -7,10 +7,6 @@
   <p:sldIdLst>
     <p:sldId id="256" r:id="rId2"/>
     <p:sldId id="257" r:id="rId3"/>
-    <p:sldId id="258" r:id="rId4"/>
-    <p:sldId id="259" r:id="rId5"/>
-    <p:sldId id="260" r:id="rId6"/>
-    <p:sldId id="261" r:id="rId7"/>
   </p:sldIdLst>
   <p:sldSz cx="12192000" cy="6858000"/>
   <p:notesSz cx="6858000" cy="9144000"/>
@@ -112,7 +108,7 @@
   <p:extLst>
     <p:ext uri="{EFAFB233-063F-42B5-8137-9DF3F51BA10A}">
       <p15:sldGuideLst xmlns:p15="http://schemas.microsoft.com/office/powerpoint/2012/main">
-        <p15:guide id="1" orient="horz" pos="2160" userDrawn="1">
+        <p15:guide id="1" orient="horz" pos="2184" userDrawn="1">
           <p15:clr>
             <a:srgbClr val="A4A3A4"/>
           </p15:clr>
@@ -287,7 +283,7 @@
           <a:p>
             <a:fld id="{C896BB7D-3E44-45BB-BAC5-956A3A869278}" type="datetimeFigureOut">
               <a:rPr lang="en-US" smtClean="0"/>
-              <a:t>10/8/2020</a:t>
+              <a:t>12/12/2020</a:t>
             </a:fld>
             <a:endParaRPr lang="en-US"/>
           </a:p>
@@ -485,7 +481,7 @@
           <a:p>
             <a:fld id="{C896BB7D-3E44-45BB-BAC5-956A3A869278}" type="datetimeFigureOut">
               <a:rPr lang="en-US" smtClean="0"/>
-              <a:t>10/8/2020</a:t>
+              <a:t>12/12/2020</a:t>
             </a:fld>
             <a:endParaRPr lang="en-US"/>
           </a:p>
@@ -693,7 +689,7 @@
           <a:p>
             <a:fld id="{C896BB7D-3E44-45BB-BAC5-956A3A869278}" type="datetimeFigureOut">
               <a:rPr lang="en-US" smtClean="0"/>
-              <a:t>10/8/2020</a:t>
+              <a:t>12/12/2020</a:t>
             </a:fld>
             <a:endParaRPr lang="en-US"/>
           </a:p>
@@ -891,7 +887,7 @@
           <a:p>
             <a:fld id="{C896BB7D-3E44-45BB-BAC5-956A3A869278}" type="datetimeFigureOut">
               <a:rPr lang="en-US" smtClean="0"/>
-              <a:t>10/8/2020</a:t>
+              <a:t>12/12/2020</a:t>
             </a:fld>
             <a:endParaRPr lang="en-US"/>
           </a:p>
@@ -1166,7 +1162,7 @@
           <a:p>
             <a:fld id="{C896BB7D-3E44-45BB-BAC5-956A3A869278}" type="datetimeFigureOut">
               <a:rPr lang="en-US" smtClean="0"/>
-              <a:t>10/8/2020</a:t>
+              <a:t>12/12/2020</a:t>
             </a:fld>
             <a:endParaRPr lang="en-US"/>
           </a:p>
@@ -1431,7 +1427,7 @@
           <a:p>
             <a:fld id="{C896BB7D-3E44-45BB-BAC5-956A3A869278}" type="datetimeFigureOut">
               <a:rPr lang="en-US" smtClean="0"/>
-              <a:t>10/8/2020</a:t>
+              <a:t>12/12/2020</a:t>
             </a:fld>
             <a:endParaRPr lang="en-US"/>
           </a:p>
@@ -1843,7 +1839,7 @@
           <a:p>
             <a:fld id="{C896BB7D-3E44-45BB-BAC5-956A3A869278}" type="datetimeFigureOut">
               <a:rPr lang="en-US" smtClean="0"/>
-              <a:t>10/8/2020</a:t>
+              <a:t>12/12/2020</a:t>
             </a:fld>
             <a:endParaRPr lang="en-US"/>
           </a:p>
@@ -1984,7 +1980,7 @@
           <a:p>
             <a:fld id="{C896BB7D-3E44-45BB-BAC5-956A3A869278}" type="datetimeFigureOut">
               <a:rPr lang="en-US" smtClean="0"/>
-              <a:t>10/8/2020</a:t>
+              <a:t>12/12/2020</a:t>
             </a:fld>
             <a:endParaRPr lang="en-US"/>
           </a:p>
@@ -2097,7 +2093,7 @@
           <a:p>
             <a:fld id="{C896BB7D-3E44-45BB-BAC5-956A3A869278}" type="datetimeFigureOut">
               <a:rPr lang="en-US" smtClean="0"/>
-              <a:t>10/8/2020</a:t>
+              <a:t>12/12/2020</a:t>
             </a:fld>
             <a:endParaRPr lang="en-US"/>
           </a:p>
@@ -2408,7 +2404,7 @@
           <a:p>
             <a:fld id="{C896BB7D-3E44-45BB-BAC5-956A3A869278}" type="datetimeFigureOut">
               <a:rPr lang="en-US" smtClean="0"/>
-              <a:t>10/8/2020</a:t>
+              <a:t>12/12/2020</a:t>
             </a:fld>
             <a:endParaRPr lang="en-US"/>
           </a:p>
@@ -2696,7 +2692,7 @@
           <a:p>
             <a:fld id="{C896BB7D-3E44-45BB-BAC5-956A3A869278}" type="datetimeFigureOut">
               <a:rPr lang="en-US" smtClean="0"/>
-              <a:t>10/8/2020</a:t>
+              <a:t>12/12/2020</a:t>
             </a:fld>
             <a:endParaRPr lang="en-US"/>
           </a:p>
@@ -2937,7 +2933,7 @@
           <a:p>
             <a:fld id="{C896BB7D-3E44-45BB-BAC5-956A3A869278}" type="datetimeFigureOut">
               <a:rPr lang="en-US" smtClean="0"/>
-              <a:t>10/8/2020</a:t>
+              <a:t>12/12/2020</a:t>
             </a:fld>
             <a:endParaRPr lang="en-US"/>
           </a:p>
@@ -5301,15 +5297,27 @@
           <a:lstStyle/>
           <a:p>
             <a:r>
-              <a:rPr lang="en-US" sz="1400" b="1" dirty="0"/>
+              <a:rPr lang="en-US" sz="1400" b="1" dirty="0">
+                <a:solidFill>
+                  <a:srgbClr val="00B0F0"/>
+                </a:solidFill>
+              </a:rPr>
               <a:t>The virtual environment of </a:t>
             </a:r>
             <a:r>
-              <a:rPr lang="en-US" sz="1600" b="1" dirty="0"/>
+              <a:rPr lang="en-US" sz="1600" b="1" dirty="0">
+                <a:solidFill>
+                  <a:srgbClr val="00B0F0"/>
+                </a:solidFill>
+              </a:rPr>
               <a:t>python</a:t>
             </a:r>
             <a:r>
-              <a:rPr lang="en-US" sz="1400" b="1" dirty="0"/>
+              <a:rPr lang="en-US" sz="1400" b="1" dirty="0">
+                <a:solidFill>
+                  <a:srgbClr val="00B0F0"/>
+                </a:solidFill>
+              </a:rPr>
               <a:t> Django web site</a:t>
             </a:r>
           </a:p>
@@ -5937,7 +5945,11 @@
           <a:lstStyle/>
           <a:p>
             <a:r>
-              <a:rPr lang="en-US" sz="1400" b="1" dirty="0"/>
+              <a:rPr lang="en-US" sz="1400" b="1" dirty="0">
+                <a:solidFill>
+                  <a:srgbClr val="00B0F0"/>
+                </a:solidFill>
+              </a:rPr>
               <a:t>Python Django Web Project and App Structure</a:t>
             </a:r>
           </a:p>
@@ -9975,2304 +9987,6 @@
     <p:extLst>
       <p:ext uri="{BB962C8B-B14F-4D97-AF65-F5344CB8AC3E}">
         <p14:creationId xmlns:p14="http://schemas.microsoft.com/office/powerpoint/2010/main" val="3988664216"/>
-      </p:ext>
-    </p:extLst>
-  </p:cSld>
-  <p:clrMapOvr>
-    <a:masterClrMapping/>
-  </p:clrMapOvr>
-</p:sld>
-</file>
-
-<file path=ppt/slides/slide3.xml><?xml version="1.0" encoding="utf-8"?>
-<p:sld xmlns:a="http://schemas.openxmlformats.org/drawingml/2006/main" xmlns:r="http://schemas.openxmlformats.org/officeDocument/2006/relationships" xmlns:p="http://schemas.openxmlformats.org/presentationml/2006/main">
-  <p:cSld>
-    <p:spTree>
-      <p:nvGrpSpPr>
-        <p:cNvPr id="1" name=""/>
-        <p:cNvGrpSpPr/>
-        <p:nvPr/>
-      </p:nvGrpSpPr>
-      <p:grpSpPr>
-        <a:xfrm>
-          <a:off x="0" y="0"/>
-          <a:ext cx="0" cy="0"/>
-          <a:chOff x="0" y="0"/>
-          <a:chExt cx="0" cy="0"/>
-        </a:xfrm>
-      </p:grpSpPr>
-      <p:sp>
-        <p:nvSpPr>
-          <p:cNvPr id="64" name="TextBox 63">
-            <a:extLst>
-              <a:ext uri="{FF2B5EF4-FFF2-40B4-BE49-F238E27FC236}">
-                <a16:creationId xmlns:a16="http://schemas.microsoft.com/office/drawing/2014/main" id="{EB9ABD2F-4B5D-4B4B-A735-BE6554DA73EA}"/>
-              </a:ext>
-            </a:extLst>
-          </p:cNvPr>
-          <p:cNvSpPr txBox="1"/>
-          <p:nvPr/>
-        </p:nvSpPr>
-        <p:spPr>
-          <a:xfrm>
-            <a:off x="3146860" y="41983"/>
-            <a:ext cx="6462393" cy="307777"/>
-          </a:xfrm>
-          <a:prstGeom prst="rect">
-            <a:avLst/>
-          </a:prstGeom>
-          <a:noFill/>
-        </p:spPr>
-        <p:txBody>
-          <a:bodyPr wrap="square" rtlCol="0">
-            <a:spAutoFit/>
-          </a:bodyPr>
-          <a:lstStyle/>
-          <a:p>
-            <a:r>
-              <a:rPr lang="en-US" sz="1400" b="1" dirty="0"/>
-              <a:t>Deployment to Amazon Cloud – </a:t>
-            </a:r>
-            <a:r>
-              <a:rPr lang="en-US" sz="1400" b="1" dirty="0" err="1"/>
-              <a:t>LightShell</a:t>
-            </a:r>
-            <a:r>
-              <a:rPr lang="en-US" sz="1400" b="1" dirty="0"/>
-              <a:t> : lightsail.aws.amazon.com</a:t>
-            </a:r>
-          </a:p>
-        </p:txBody>
-      </p:sp>
-      <p:sp>
-        <p:nvSpPr>
-          <p:cNvPr id="3" name="TextBox 2">
-            <a:extLst>
-              <a:ext uri="{FF2B5EF4-FFF2-40B4-BE49-F238E27FC236}">
-                <a16:creationId xmlns:a16="http://schemas.microsoft.com/office/drawing/2014/main" id="{19687CD0-6F59-44D9-8775-BDA74A2E00C1}"/>
-              </a:ext>
-            </a:extLst>
-          </p:cNvPr>
-          <p:cNvSpPr txBox="1"/>
-          <p:nvPr/>
-        </p:nvSpPr>
-        <p:spPr>
-          <a:xfrm>
-            <a:off x="427640" y="349760"/>
-            <a:ext cx="5386305" cy="6201165"/>
-          </a:xfrm>
-          <a:prstGeom prst="rect">
-            <a:avLst/>
-          </a:prstGeom>
-          <a:noFill/>
-        </p:spPr>
-        <p:txBody>
-          <a:bodyPr wrap="square" rtlCol="0">
-            <a:noAutofit/>
-          </a:bodyPr>
-          <a:lstStyle/>
-          <a:p>
-            <a:r>
-              <a:rPr lang="en-US" sz="1200" b="1" dirty="0"/>
-              <a:t>terminal</a:t>
-            </a:r>
-          </a:p>
-          <a:p>
-            <a:endParaRPr lang="en-US" sz="1200" dirty="0"/>
-          </a:p>
-          <a:p>
-            <a:r>
-              <a:rPr lang="en-US" sz="1200" dirty="0"/>
-              <a:t>1. &gt;&gt; </a:t>
-            </a:r>
-            <a:r>
-              <a:rPr lang="en-US" sz="1200" dirty="0" err="1"/>
-              <a:t>sudo</a:t>
-            </a:r>
-            <a:r>
-              <a:rPr lang="en-US" sz="1200" dirty="0"/>
-              <a:t> ln -sf /</a:t>
-            </a:r>
-            <a:r>
-              <a:rPr lang="en-US" sz="1200" dirty="0" err="1"/>
-              <a:t>usr</a:t>
-            </a:r>
-            <a:r>
-              <a:rPr lang="en-US" sz="1200" dirty="0"/>
-              <a:t>/share/</a:t>
-            </a:r>
-            <a:r>
-              <a:rPr lang="en-US" sz="1200" dirty="0" err="1"/>
-              <a:t>zoneinfo</a:t>
-            </a:r>
-            <a:r>
-              <a:rPr lang="en-US" sz="1200" dirty="0"/>
-              <a:t>/America/Toronto /</a:t>
-            </a:r>
-            <a:r>
-              <a:rPr lang="en-US" sz="1200" dirty="0" err="1"/>
-              <a:t>etc</a:t>
-            </a:r>
-            <a:r>
-              <a:rPr lang="en-US" sz="1200" dirty="0"/>
-              <a:t>/</a:t>
-            </a:r>
-            <a:r>
-              <a:rPr lang="en-US" sz="1200" dirty="0" err="1"/>
-              <a:t>localtime</a:t>
-            </a:r>
-            <a:endParaRPr lang="en-US" sz="1200" dirty="0"/>
-          </a:p>
-          <a:p>
-            <a:endParaRPr lang="en-US" sz="1200" dirty="0"/>
-          </a:p>
-          <a:p>
-            <a:r>
-              <a:rPr lang="en-US" sz="1200" dirty="0"/>
-              <a:t>2. &gt;&gt; date</a:t>
-            </a:r>
-          </a:p>
-          <a:p>
-            <a:endParaRPr lang="en-US" sz="1200" dirty="0"/>
-          </a:p>
-          <a:p>
-            <a:r>
-              <a:rPr lang="en-US" sz="1200" dirty="0"/>
-              <a:t>3. &gt;&gt; python </a:t>
-            </a:r>
-          </a:p>
-          <a:p>
-            <a:r>
-              <a:rPr lang="en-US" sz="1200" dirty="0"/>
-              <a:t>	(error. instead...)</a:t>
-            </a:r>
-          </a:p>
-          <a:p>
-            <a:r>
-              <a:rPr lang="en-US" sz="1200" dirty="0"/>
-              <a:t>4. &gt;&gt; python3</a:t>
-            </a:r>
-          </a:p>
-          <a:p>
-            <a:r>
-              <a:rPr lang="en-US" sz="1200" dirty="0"/>
-              <a:t> </a:t>
-            </a:r>
-          </a:p>
-          <a:p>
-            <a:r>
-              <a:rPr lang="en-US" sz="1200" dirty="0"/>
-              <a:t>5. &gt;&gt; </a:t>
-            </a:r>
-            <a:r>
-              <a:rPr lang="en-US" sz="1200" dirty="0" err="1"/>
-              <a:t>sudo</a:t>
-            </a:r>
-            <a:r>
-              <a:rPr lang="en-US" sz="1200" dirty="0"/>
-              <a:t> apt update</a:t>
-            </a:r>
-          </a:p>
-          <a:p>
-            <a:endParaRPr lang="en-US" sz="1200" dirty="0"/>
-          </a:p>
-          <a:p>
-            <a:r>
-              <a:rPr lang="en-US" sz="1200" dirty="0"/>
-              <a:t>6. &gt;&gt; </a:t>
-            </a:r>
-            <a:r>
-              <a:rPr lang="en-US" sz="1200" dirty="0" err="1"/>
-              <a:t>sudo</a:t>
-            </a:r>
-            <a:r>
-              <a:rPr lang="en-US" sz="1200" dirty="0"/>
-              <a:t> apt install --only-upgrade python3</a:t>
-            </a:r>
-          </a:p>
-          <a:p>
-            <a:r>
-              <a:rPr lang="en-US" sz="1200" dirty="0"/>
-              <a:t>	(upgrade python)</a:t>
-            </a:r>
-          </a:p>
-          <a:p>
-            <a:r>
-              <a:rPr lang="en-US" sz="1200" dirty="0"/>
-              <a:t>7. &gt;&gt; python3 --version</a:t>
-            </a:r>
-          </a:p>
-          <a:p>
-            <a:endParaRPr lang="en-US" sz="1200" dirty="0"/>
-          </a:p>
-          <a:p>
-            <a:r>
-              <a:rPr lang="en-US" sz="1200" dirty="0"/>
-              <a:t>8. &gt;&gt; </a:t>
-            </a:r>
-            <a:r>
-              <a:rPr lang="en-US" sz="1200" dirty="0" err="1"/>
-              <a:t>sudo</a:t>
-            </a:r>
-            <a:r>
-              <a:rPr lang="en-US" sz="1200" dirty="0"/>
-              <a:t> apt install python3-venv  or &gt;&gt; </a:t>
-            </a:r>
-            <a:r>
-              <a:rPr lang="en-US" sz="1200" dirty="0" err="1"/>
-              <a:t>sudo</a:t>
-            </a:r>
-            <a:r>
-              <a:rPr lang="en-US" sz="1200" dirty="0"/>
-              <a:t> apt install python3.8-venv</a:t>
-            </a:r>
-          </a:p>
-          <a:p>
-            <a:r>
-              <a:rPr lang="en-US" sz="1200" dirty="0"/>
-              <a:t>	(python3 </a:t>
-            </a:r>
-            <a:r>
-              <a:rPr lang="en-US" sz="1200" dirty="0" err="1"/>
-              <a:t>venv</a:t>
-            </a:r>
-            <a:r>
-              <a:rPr lang="en-US" sz="1200" dirty="0"/>
-              <a:t> package)</a:t>
-            </a:r>
-          </a:p>
-          <a:p>
-            <a:r>
-              <a:rPr lang="en-US" sz="1200" dirty="0"/>
-              <a:t>	</a:t>
-            </a:r>
-          </a:p>
-          <a:p>
-            <a:r>
-              <a:rPr lang="en-US" sz="1200" dirty="0"/>
-              <a:t>9. &gt;&gt; </a:t>
-            </a:r>
-            <a:r>
-              <a:rPr lang="en-US" sz="1200" dirty="0" err="1"/>
-              <a:t>mkdir</a:t>
-            </a:r>
-            <a:r>
-              <a:rPr lang="en-US" sz="1200" dirty="0"/>
-              <a:t> projects</a:t>
-            </a:r>
-          </a:p>
-          <a:p>
-            <a:endParaRPr lang="en-US" sz="1200" dirty="0"/>
-          </a:p>
-          <a:p>
-            <a:r>
-              <a:rPr lang="en-US" sz="1200" dirty="0"/>
-              <a:t>10.&gt;&gt; </a:t>
-            </a:r>
-            <a:r>
-              <a:rPr lang="en-US" sz="1200" dirty="0" err="1"/>
-              <a:t>mkdir</a:t>
-            </a:r>
-            <a:r>
-              <a:rPr lang="en-US" sz="1200" dirty="0"/>
-              <a:t> </a:t>
-            </a:r>
-            <a:r>
-              <a:rPr lang="en-US" sz="1200" dirty="0" err="1"/>
-              <a:t>venvs</a:t>
-            </a:r>
-            <a:endParaRPr lang="en-US" sz="1200" dirty="0"/>
-          </a:p>
-          <a:p>
-            <a:endParaRPr lang="en-US" sz="1200" dirty="0"/>
-          </a:p>
-          <a:p>
-            <a:r>
-              <a:rPr lang="en-US" sz="1200" dirty="0"/>
-              <a:t>11. &gt;&gt; cd </a:t>
-            </a:r>
-            <a:r>
-              <a:rPr lang="en-US" sz="1200" dirty="0" err="1"/>
-              <a:t>venvs</a:t>
-            </a:r>
-            <a:r>
-              <a:rPr lang="en-US" sz="1200" dirty="0"/>
-              <a:t> and &gt;&gt; python3 -m </a:t>
-            </a:r>
-            <a:r>
-              <a:rPr lang="en-US" sz="1200" dirty="0" err="1"/>
-              <a:t>venv</a:t>
-            </a:r>
-            <a:r>
-              <a:rPr lang="en-US" sz="1200" dirty="0"/>
-              <a:t> </a:t>
-            </a:r>
-            <a:r>
-              <a:rPr lang="en-US" sz="1200" dirty="0" err="1"/>
-              <a:t>mysite</a:t>
-            </a:r>
-            <a:r>
-              <a:rPr lang="en-US" sz="1200" dirty="0"/>
-              <a:t> </a:t>
-            </a:r>
-          </a:p>
-          <a:p>
-            <a:r>
-              <a:rPr lang="en-US" sz="1200" dirty="0"/>
-              <a:t>	(create virtual environment under </a:t>
-            </a:r>
-            <a:r>
-              <a:rPr lang="en-US" sz="1200" dirty="0" err="1"/>
-              <a:t>mysite</a:t>
-            </a:r>
-            <a:r>
-              <a:rPr lang="en-US" sz="1200" dirty="0"/>
-              <a:t>)</a:t>
-            </a:r>
-          </a:p>
-          <a:p>
-            <a:r>
-              <a:rPr lang="en-US" sz="1200" dirty="0"/>
-              <a:t>12. &gt;&gt; cd bin and &gt;&gt; . activate  (or source activate)</a:t>
-            </a:r>
-          </a:p>
-          <a:p>
-            <a:r>
-              <a:rPr lang="en-US" sz="1200" dirty="0"/>
-              <a:t>	(get into virtual </a:t>
-            </a:r>
-            <a:r>
-              <a:rPr lang="en-US" sz="1200" dirty="0" err="1"/>
-              <a:t>enrionment</a:t>
-            </a:r>
-            <a:r>
-              <a:rPr lang="en-US" sz="1200" dirty="0"/>
-              <a:t>)</a:t>
-            </a:r>
-          </a:p>
-          <a:p>
-            <a:r>
-              <a:rPr lang="en-US" sz="1200" dirty="0"/>
-              <a:t>13. &gt;&gt; pip install </a:t>
-            </a:r>
-            <a:r>
-              <a:rPr lang="en-US" sz="1200" dirty="0" err="1"/>
-              <a:t>django</a:t>
-            </a:r>
-            <a:endParaRPr lang="en-US" sz="1200" dirty="0"/>
-          </a:p>
-          <a:p>
-            <a:endParaRPr lang="en-US" sz="1200" dirty="0"/>
-          </a:p>
-          <a:p>
-            <a:r>
-              <a:rPr lang="en-US" sz="1200" dirty="0"/>
-              <a:t>14. &gt;&gt; pip install markdown</a:t>
-            </a:r>
-          </a:p>
-          <a:p>
-            <a:endParaRPr lang="en-US" sz="1200" dirty="0"/>
-          </a:p>
-          <a:p>
-            <a:r>
-              <a:rPr lang="en-US" sz="1200" dirty="0"/>
-              <a:t>15. &gt;&gt; cd ~/projects</a:t>
-            </a:r>
-          </a:p>
-          <a:p>
-            <a:endParaRPr lang="en-US" sz="1200" dirty="0"/>
-          </a:p>
-          <a:p>
-            <a:r>
-              <a:rPr lang="en-US" sz="1200" dirty="0"/>
-              <a:t>16. &gt;&gt; git clone -b master https://github.com/jinibyun/Python_pybo.git </a:t>
-            </a:r>
-            <a:r>
-              <a:rPr lang="en-US" sz="1200" dirty="0" err="1"/>
-              <a:t>mysite</a:t>
-            </a:r>
-            <a:endParaRPr lang="en-US" sz="1200" dirty="0"/>
-          </a:p>
-          <a:p>
-            <a:endParaRPr lang="en-US" sz="1200" dirty="0"/>
-          </a:p>
-          <a:p>
-            <a:endParaRPr lang="en-US" sz="1200" dirty="0"/>
-          </a:p>
-        </p:txBody>
-      </p:sp>
-      <p:sp>
-        <p:nvSpPr>
-          <p:cNvPr id="94" name="TextBox 93">
-            <a:extLst>
-              <a:ext uri="{FF2B5EF4-FFF2-40B4-BE49-F238E27FC236}">
-                <a16:creationId xmlns:a16="http://schemas.microsoft.com/office/drawing/2014/main" id="{212F5133-EE12-41BB-A507-F0A0413724D0}"/>
-              </a:ext>
-            </a:extLst>
-          </p:cNvPr>
-          <p:cNvSpPr txBox="1"/>
-          <p:nvPr/>
-        </p:nvSpPr>
-        <p:spPr>
-          <a:xfrm>
-            <a:off x="6378056" y="349761"/>
-            <a:ext cx="5386305" cy="2013430"/>
-          </a:xfrm>
-          <a:prstGeom prst="rect">
-            <a:avLst/>
-          </a:prstGeom>
-          <a:noFill/>
-        </p:spPr>
-        <p:txBody>
-          <a:bodyPr wrap="square" rtlCol="0">
-            <a:noAutofit/>
-          </a:bodyPr>
-          <a:lstStyle/>
-          <a:p>
-            <a:r>
-              <a:rPr lang="en-US" sz="1200" dirty="0"/>
-              <a:t>17. &gt;&gt; cd </a:t>
-            </a:r>
-            <a:r>
-              <a:rPr lang="en-US" sz="1200" dirty="0" err="1"/>
-              <a:t>mysite</a:t>
-            </a:r>
-            <a:endParaRPr lang="en-US" sz="1200" dirty="0"/>
-          </a:p>
-          <a:p>
-            <a:endParaRPr lang="en-US" sz="1200" dirty="0"/>
-          </a:p>
-          <a:p>
-            <a:r>
-              <a:rPr lang="en-US" sz="1200" dirty="0"/>
-              <a:t>18. &gt;&gt; source </a:t>
-            </a:r>
-            <a:r>
-              <a:rPr lang="en-US" sz="1200" dirty="0" err="1"/>
-              <a:t>venvs</a:t>
-            </a:r>
-            <a:r>
-              <a:rPr lang="en-US" sz="1200" dirty="0"/>
-              <a:t>/</a:t>
-            </a:r>
-            <a:r>
-              <a:rPr lang="en-US" sz="1200" dirty="0" err="1"/>
-              <a:t>mysite</a:t>
-            </a:r>
-            <a:r>
-              <a:rPr lang="en-US" sz="1200" dirty="0"/>
-              <a:t>/bin/activate</a:t>
-            </a:r>
-          </a:p>
-          <a:p>
-            <a:r>
-              <a:rPr lang="en-US" sz="1200" dirty="0"/>
-              <a:t>	(get into virtual environment)</a:t>
-            </a:r>
-          </a:p>
-          <a:p>
-            <a:r>
-              <a:rPr lang="en-US" sz="1200" dirty="0"/>
-              <a:t>	</a:t>
-            </a:r>
-          </a:p>
-          <a:p>
-            <a:r>
-              <a:rPr lang="en-US" sz="1200" dirty="0"/>
-              <a:t>19. (under ~/projects/</a:t>
-            </a:r>
-            <a:r>
-              <a:rPr lang="en-US" sz="1200" dirty="0" err="1"/>
-              <a:t>mysite</a:t>
-            </a:r>
-            <a:r>
-              <a:rPr lang="en-US" sz="1200" dirty="0"/>
-              <a:t>) python manage.py </a:t>
-            </a:r>
-            <a:r>
-              <a:rPr lang="en-US" sz="1200" dirty="0" err="1"/>
-              <a:t>runserver</a:t>
-            </a:r>
-            <a:endParaRPr lang="en-US" sz="1200" dirty="0"/>
-          </a:p>
-          <a:p>
-            <a:r>
-              <a:rPr lang="en-US" sz="1200" dirty="0"/>
-              <a:t>20. In order to create "static" </a:t>
-            </a:r>
-            <a:r>
-              <a:rPr lang="en-US" sz="1200" dirty="0" err="1"/>
-              <a:t>ip</a:t>
-            </a:r>
-            <a:r>
-              <a:rPr lang="en-US" sz="1200" dirty="0"/>
-              <a:t> address --&gt;&gt; amazon </a:t>
-            </a:r>
-            <a:r>
-              <a:rPr lang="en-US" sz="1200" dirty="0" err="1"/>
-              <a:t>lightShell</a:t>
-            </a:r>
-            <a:r>
-              <a:rPr lang="en-US" sz="1200" dirty="0"/>
-              <a:t> Dashboard &gt; Network</a:t>
-            </a:r>
-          </a:p>
-          <a:p>
-            <a:r>
-              <a:rPr lang="en-US" sz="1200" dirty="0"/>
-              <a:t>	e.g. 3.14.99.172</a:t>
-            </a:r>
-          </a:p>
-        </p:txBody>
-      </p:sp>
-      <p:pic>
-        <p:nvPicPr>
-          <p:cNvPr id="8" name="Picture 7">
-            <a:extLst>
-              <a:ext uri="{FF2B5EF4-FFF2-40B4-BE49-F238E27FC236}">
-                <a16:creationId xmlns:a16="http://schemas.microsoft.com/office/drawing/2014/main" id="{B2DB0EE7-679A-41C2-A566-666B16AA6735}"/>
-              </a:ext>
-            </a:extLst>
-          </p:cNvPr>
-          <p:cNvPicPr>
-            <a:picLocks noChangeAspect="1"/>
-          </p:cNvPicPr>
-          <p:nvPr/>
-        </p:nvPicPr>
-        <p:blipFill>
-          <a:blip r:embed="rId2"/>
-          <a:stretch>
-            <a:fillRect/>
-          </a:stretch>
-        </p:blipFill>
-        <p:spPr>
-          <a:xfrm>
-            <a:off x="6378056" y="2363191"/>
-            <a:ext cx="4372052" cy="2534793"/>
-          </a:xfrm>
-          <a:prstGeom prst="rect">
-            <a:avLst/>
-          </a:prstGeom>
-        </p:spPr>
-      </p:pic>
-    </p:spTree>
-    <p:extLst>
-      <p:ext uri="{BB962C8B-B14F-4D97-AF65-F5344CB8AC3E}">
-        <p14:creationId xmlns:p14="http://schemas.microsoft.com/office/powerpoint/2010/main" val="3308252482"/>
-      </p:ext>
-    </p:extLst>
-  </p:cSld>
-  <p:clrMapOvr>
-    <a:masterClrMapping/>
-  </p:clrMapOvr>
-</p:sld>
-</file>
-
-<file path=ppt/slides/slide4.xml><?xml version="1.0" encoding="utf-8"?>
-<p:sld xmlns:a="http://schemas.openxmlformats.org/drawingml/2006/main" xmlns:r="http://schemas.openxmlformats.org/officeDocument/2006/relationships" xmlns:p="http://schemas.openxmlformats.org/presentationml/2006/main">
-  <p:cSld>
-    <p:spTree>
-      <p:nvGrpSpPr>
-        <p:cNvPr id="1" name=""/>
-        <p:cNvGrpSpPr/>
-        <p:nvPr/>
-      </p:nvGrpSpPr>
-      <p:grpSpPr>
-        <a:xfrm>
-          <a:off x="0" y="0"/>
-          <a:ext cx="0" cy="0"/>
-          <a:chOff x="0" y="0"/>
-          <a:chExt cx="0" cy="0"/>
-        </a:xfrm>
-      </p:grpSpPr>
-      <p:sp>
-        <p:nvSpPr>
-          <p:cNvPr id="64" name="TextBox 63">
-            <a:extLst>
-              <a:ext uri="{FF2B5EF4-FFF2-40B4-BE49-F238E27FC236}">
-                <a16:creationId xmlns:a16="http://schemas.microsoft.com/office/drawing/2014/main" id="{EB9ABD2F-4B5D-4B4B-A735-BE6554DA73EA}"/>
-              </a:ext>
-            </a:extLst>
-          </p:cNvPr>
-          <p:cNvSpPr txBox="1"/>
-          <p:nvPr/>
-        </p:nvSpPr>
-        <p:spPr>
-          <a:xfrm>
-            <a:off x="3146860" y="41983"/>
-            <a:ext cx="6462393" cy="307777"/>
-          </a:xfrm>
-          <a:prstGeom prst="rect">
-            <a:avLst/>
-          </a:prstGeom>
-          <a:noFill/>
-        </p:spPr>
-        <p:txBody>
-          <a:bodyPr wrap="square" rtlCol="0">
-            <a:spAutoFit/>
-          </a:bodyPr>
-          <a:lstStyle/>
-          <a:p>
-            <a:r>
-              <a:rPr lang="en-US" sz="1400" b="1" dirty="0"/>
-              <a:t>Deployment to Amazon Cloud – </a:t>
-            </a:r>
-            <a:r>
-              <a:rPr lang="en-US" sz="1400" b="1" dirty="0" err="1"/>
-              <a:t>LightShell</a:t>
-            </a:r>
-            <a:r>
-              <a:rPr lang="en-US" sz="1400" b="1" dirty="0"/>
-              <a:t> : lightsail.aws.amazon.com</a:t>
-            </a:r>
-          </a:p>
-        </p:txBody>
-      </p:sp>
-      <p:sp>
-        <p:nvSpPr>
-          <p:cNvPr id="3" name="TextBox 2">
-            <a:extLst>
-              <a:ext uri="{FF2B5EF4-FFF2-40B4-BE49-F238E27FC236}">
-                <a16:creationId xmlns:a16="http://schemas.microsoft.com/office/drawing/2014/main" id="{19687CD0-6F59-44D9-8775-BDA74A2E00C1}"/>
-              </a:ext>
-            </a:extLst>
-          </p:cNvPr>
-          <p:cNvSpPr txBox="1"/>
-          <p:nvPr/>
-        </p:nvSpPr>
-        <p:spPr>
-          <a:xfrm>
-            <a:off x="427640" y="349761"/>
-            <a:ext cx="5386305" cy="778396"/>
-          </a:xfrm>
-          <a:prstGeom prst="rect">
-            <a:avLst/>
-          </a:prstGeom>
-          <a:noFill/>
-        </p:spPr>
-        <p:txBody>
-          <a:bodyPr wrap="square" rtlCol="0">
-            <a:noAutofit/>
-          </a:bodyPr>
-          <a:lstStyle/>
-          <a:p>
-            <a:r>
-              <a:rPr lang="en-US" sz="1200" dirty="0"/>
-              <a:t>21. Firewall</a:t>
-            </a:r>
-          </a:p>
-          <a:p>
-            <a:r>
-              <a:rPr lang="en-US" sz="1200" dirty="0"/>
-              <a:t>	Dashboard &gt; instance click &gt; networking &gt; firewall &gt; + add rule &gt; add 8000 TCP &gt; create</a:t>
-            </a:r>
-          </a:p>
-        </p:txBody>
-      </p:sp>
-      <p:pic>
-        <p:nvPicPr>
-          <p:cNvPr id="4" name="Picture 3">
-            <a:extLst>
-              <a:ext uri="{FF2B5EF4-FFF2-40B4-BE49-F238E27FC236}">
-                <a16:creationId xmlns:a16="http://schemas.microsoft.com/office/drawing/2014/main" id="{C2AA0CB7-FE00-4EE6-96EC-5C54A3499D15}"/>
-              </a:ext>
-            </a:extLst>
-          </p:cNvPr>
-          <p:cNvPicPr>
-            <a:picLocks noChangeAspect="1"/>
-          </p:cNvPicPr>
-          <p:nvPr/>
-        </p:nvPicPr>
-        <p:blipFill>
-          <a:blip r:embed="rId2"/>
-          <a:stretch>
-            <a:fillRect/>
-          </a:stretch>
-        </p:blipFill>
-        <p:spPr>
-          <a:xfrm>
-            <a:off x="427640" y="1412509"/>
-            <a:ext cx="5371429" cy="2476190"/>
-          </a:xfrm>
-          <a:prstGeom prst="rect">
-            <a:avLst/>
-          </a:prstGeom>
-        </p:spPr>
-      </p:pic>
-      <p:pic>
-        <p:nvPicPr>
-          <p:cNvPr id="6" name="Picture 5">
-            <a:extLst>
-              <a:ext uri="{FF2B5EF4-FFF2-40B4-BE49-F238E27FC236}">
-                <a16:creationId xmlns:a16="http://schemas.microsoft.com/office/drawing/2014/main" id="{A46658FB-96CD-4543-B7C8-322926B1F5A1}"/>
-              </a:ext>
-            </a:extLst>
-          </p:cNvPr>
-          <p:cNvPicPr>
-            <a:picLocks noChangeAspect="1"/>
-          </p:cNvPicPr>
-          <p:nvPr/>
-        </p:nvPicPr>
-        <p:blipFill>
-          <a:blip r:embed="rId3"/>
-          <a:stretch>
-            <a:fillRect/>
-          </a:stretch>
-        </p:blipFill>
-        <p:spPr>
-          <a:xfrm>
-            <a:off x="6864413" y="719476"/>
-            <a:ext cx="5018400" cy="3169223"/>
-          </a:xfrm>
-          <a:prstGeom prst="rect">
-            <a:avLst/>
-          </a:prstGeom>
-        </p:spPr>
-      </p:pic>
-      <p:cxnSp>
-        <p:nvCxnSpPr>
-          <p:cNvPr id="9" name="Straight Arrow Connector 8">
-            <a:extLst>
-              <a:ext uri="{FF2B5EF4-FFF2-40B4-BE49-F238E27FC236}">
-                <a16:creationId xmlns:a16="http://schemas.microsoft.com/office/drawing/2014/main" id="{98762A29-624D-4AF4-BC1C-B9C7391A8729}"/>
-              </a:ext>
-            </a:extLst>
-          </p:cNvPr>
-          <p:cNvCxnSpPr/>
-          <p:nvPr/>
-        </p:nvCxnSpPr>
-        <p:spPr>
-          <a:xfrm>
-            <a:off x="5973288" y="2481943"/>
-            <a:ext cx="419645" cy="0"/>
-          </a:xfrm>
-          <a:prstGeom prst="straightConnector1">
-            <a:avLst/>
-          </a:prstGeom>
-          <a:ln>
-            <a:tailEnd type="triangle"/>
-          </a:ln>
-        </p:spPr>
-        <p:style>
-          <a:lnRef idx="1">
-            <a:schemeClr val="accent1"/>
-          </a:lnRef>
-          <a:fillRef idx="0">
-            <a:schemeClr val="accent1"/>
-          </a:fillRef>
-          <a:effectRef idx="0">
-            <a:schemeClr val="accent1"/>
-          </a:effectRef>
-          <a:fontRef idx="minor">
-            <a:schemeClr val="tx1"/>
-          </a:fontRef>
-        </p:style>
-      </p:cxnSp>
-      <p:sp>
-        <p:nvSpPr>
-          <p:cNvPr id="12" name="TextBox 11">
-            <a:extLst>
-              <a:ext uri="{FF2B5EF4-FFF2-40B4-BE49-F238E27FC236}">
-                <a16:creationId xmlns:a16="http://schemas.microsoft.com/office/drawing/2014/main" id="{A8D07D93-4E4B-4B12-AD43-8DCF528FC3FE}"/>
-              </a:ext>
-            </a:extLst>
-          </p:cNvPr>
-          <p:cNvSpPr txBox="1"/>
-          <p:nvPr/>
-        </p:nvSpPr>
-        <p:spPr>
-          <a:xfrm>
-            <a:off x="412764" y="3888698"/>
-            <a:ext cx="5386305" cy="2797109"/>
-          </a:xfrm>
-          <a:prstGeom prst="rect">
-            <a:avLst/>
-          </a:prstGeom>
-          <a:noFill/>
-        </p:spPr>
-        <p:txBody>
-          <a:bodyPr wrap="square" rtlCol="0">
-            <a:noAutofit/>
-          </a:bodyPr>
-          <a:lstStyle/>
-          <a:p>
-            <a:r>
-              <a:rPr lang="en-US" sz="1200" dirty="0"/>
-              <a:t>22. &gt;&gt; python manage.py </a:t>
-            </a:r>
-            <a:r>
-              <a:rPr lang="en-US" sz="1200" dirty="0" err="1"/>
-              <a:t>runserver</a:t>
-            </a:r>
-            <a:r>
-              <a:rPr lang="en-US" sz="1200" dirty="0"/>
-              <a:t> 0:8000	</a:t>
-            </a:r>
-          </a:p>
-          <a:p>
-            <a:endParaRPr lang="en-US" sz="1200" dirty="0"/>
-          </a:p>
-          <a:p>
-            <a:r>
-              <a:rPr lang="en-US" sz="1200" dirty="0"/>
-              <a:t>	NOTE: watching for file changes with </a:t>
-            </a:r>
-            <a:r>
-              <a:rPr lang="en-US" sz="1200" dirty="0" err="1"/>
-              <a:t>statreloader</a:t>
-            </a:r>
-            <a:endParaRPr lang="en-US" sz="1200" dirty="0"/>
-          </a:p>
-          <a:p>
-            <a:r>
-              <a:rPr lang="en-US" sz="1200" dirty="0"/>
-              <a:t>	performing system checks....</a:t>
-            </a:r>
-          </a:p>
-          <a:p>
-            <a:r>
-              <a:rPr lang="en-US" sz="1200" dirty="0"/>
-              <a:t>	...</a:t>
-            </a:r>
-          </a:p>
-          <a:p>
-            <a:r>
-              <a:rPr lang="en-US" sz="1200" dirty="0"/>
-              <a:t>	...</a:t>
-            </a:r>
-          </a:p>
-          <a:p>
-            <a:r>
-              <a:rPr lang="en-US" sz="1200" dirty="0"/>
-              <a:t>	Error: That port is already in use</a:t>
-            </a:r>
-          </a:p>
-          <a:p>
-            <a:r>
-              <a:rPr lang="en-US" sz="1200" dirty="0"/>
-              <a:t>	</a:t>
-            </a:r>
-          </a:p>
-          <a:p>
-            <a:r>
-              <a:rPr lang="en-US" sz="1200" dirty="0"/>
-              <a:t>	(If we encounter error message...then) &gt;&gt; </a:t>
-            </a:r>
-            <a:r>
-              <a:rPr lang="en-US" sz="1200" dirty="0" err="1"/>
-              <a:t>killall</a:t>
-            </a:r>
-            <a:r>
-              <a:rPr lang="en-US" sz="1200" dirty="0"/>
-              <a:t> python</a:t>
-            </a:r>
-          </a:p>
-          <a:p>
-            <a:r>
-              <a:rPr lang="en-US" sz="1200" dirty="0"/>
-              <a:t>	</a:t>
-            </a:r>
-          </a:p>
-          <a:p>
-            <a:r>
-              <a:rPr lang="en-US" sz="1200" dirty="0"/>
-              <a:t>23. open browser: 3.14.99.172:8000</a:t>
-            </a:r>
-          </a:p>
-          <a:p>
-            <a:r>
-              <a:rPr lang="en-US" sz="1200" dirty="0"/>
-              <a:t>	</a:t>
-            </a:r>
-          </a:p>
-          <a:p>
-            <a:r>
-              <a:rPr lang="en-US" sz="1200" dirty="0"/>
-              <a:t>24. error message	</a:t>
-            </a:r>
-          </a:p>
-          <a:p>
-            <a:r>
-              <a:rPr lang="en-US" sz="1200" dirty="0"/>
-              <a:t>	"Invalid HTTP_HOST header: '3.14.99.172:8000'. You may need to add '3.14.99.172' to ALLOWED_HOSTS."</a:t>
-            </a:r>
-          </a:p>
-          <a:p>
-            <a:r>
-              <a:rPr lang="en-US" sz="1200" dirty="0"/>
-              <a:t>	</a:t>
-            </a:r>
-          </a:p>
-        </p:txBody>
-      </p:sp>
-      <p:sp>
-        <p:nvSpPr>
-          <p:cNvPr id="13" name="TextBox 12">
-            <a:extLst>
-              <a:ext uri="{FF2B5EF4-FFF2-40B4-BE49-F238E27FC236}">
-                <a16:creationId xmlns:a16="http://schemas.microsoft.com/office/drawing/2014/main" id="{EF95C43A-7C33-4A8A-AF36-2BDE23378D4F}"/>
-              </a:ext>
-            </a:extLst>
-          </p:cNvPr>
-          <p:cNvSpPr txBox="1"/>
-          <p:nvPr/>
-        </p:nvSpPr>
-        <p:spPr>
-          <a:xfrm>
-            <a:off x="6418169" y="3888699"/>
-            <a:ext cx="5386305" cy="2476190"/>
-          </a:xfrm>
-          <a:prstGeom prst="rect">
-            <a:avLst/>
-          </a:prstGeom>
-          <a:noFill/>
-        </p:spPr>
-        <p:txBody>
-          <a:bodyPr wrap="square" rtlCol="0">
-            <a:noAutofit/>
-          </a:bodyPr>
-          <a:lstStyle/>
-          <a:p>
-            <a:r>
-              <a:rPr lang="en-US" sz="1200" dirty="0"/>
-              <a:t>	</a:t>
-            </a:r>
-          </a:p>
-          <a:p>
-            <a:r>
-              <a:rPr lang="en-US" sz="1200" dirty="0"/>
-              <a:t>25. In Local, change settings.py</a:t>
-            </a:r>
-          </a:p>
-          <a:p>
-            <a:r>
-              <a:rPr lang="en-US" sz="1200" dirty="0"/>
-              <a:t>	ALLOWED_HOSTS = ['3.14.99.172']</a:t>
-            </a:r>
-          </a:p>
-          <a:p>
-            <a:r>
-              <a:rPr lang="en-US" sz="1200" dirty="0"/>
-              <a:t>	and commit and push</a:t>
-            </a:r>
-          </a:p>
-          <a:p>
-            <a:r>
-              <a:rPr lang="en-US" sz="1200" dirty="0"/>
-              <a:t>26. On amazon terminal,</a:t>
-            </a:r>
-          </a:p>
-          <a:p>
-            <a:r>
-              <a:rPr lang="en-US" sz="1200" dirty="0"/>
-              <a:t>	&gt;&gt; git pull</a:t>
-            </a:r>
-          </a:p>
-          <a:p>
-            <a:r>
-              <a:rPr lang="en-US" sz="1200" dirty="0"/>
-              <a:t>	</a:t>
-            </a:r>
-          </a:p>
-          <a:p>
-            <a:r>
-              <a:rPr lang="en-US" sz="1200" dirty="0"/>
-              <a:t>	(or to skip authentication, git config </a:t>
-            </a:r>
-            <a:r>
-              <a:rPr lang="en-US" sz="1200" dirty="0" err="1"/>
-              <a:t>credential.helper</a:t>
-            </a:r>
-            <a:r>
-              <a:rPr lang="en-US" sz="1200" dirty="0"/>
-              <a:t> store)</a:t>
-            </a:r>
-          </a:p>
-          <a:p>
-            <a:r>
-              <a:rPr lang="en-US" sz="1200" dirty="0"/>
-              <a:t>27. &gt;&gt; python manage.py </a:t>
-            </a:r>
-            <a:r>
-              <a:rPr lang="en-US" sz="1200" dirty="0" err="1"/>
-              <a:t>runserver</a:t>
-            </a:r>
-            <a:r>
-              <a:rPr lang="en-US" sz="1200" dirty="0"/>
-              <a:t> 0:8000	</a:t>
-            </a:r>
-          </a:p>
-          <a:p>
-            <a:endParaRPr lang="en-US" sz="1200" dirty="0"/>
-          </a:p>
-          <a:p>
-            <a:r>
-              <a:rPr lang="en-US" sz="1200" dirty="0"/>
-              <a:t>28. </a:t>
-            </a:r>
-            <a:r>
-              <a:rPr lang="en-US" sz="1200" b="1" dirty="0"/>
-              <a:t>open browser: 3.14.99.172:8000</a:t>
-            </a:r>
-          </a:p>
-        </p:txBody>
-      </p:sp>
-    </p:spTree>
-    <p:extLst>
-      <p:ext uri="{BB962C8B-B14F-4D97-AF65-F5344CB8AC3E}">
-        <p14:creationId xmlns:p14="http://schemas.microsoft.com/office/powerpoint/2010/main" val="2426255523"/>
-      </p:ext>
-    </p:extLst>
-  </p:cSld>
-  <p:clrMapOvr>
-    <a:masterClrMapping/>
-  </p:clrMapOvr>
-</p:sld>
-</file>
-
-<file path=ppt/slides/slide5.xml><?xml version="1.0" encoding="utf-8"?>
-<p:sld xmlns:a="http://schemas.openxmlformats.org/drawingml/2006/main" xmlns:r="http://schemas.openxmlformats.org/officeDocument/2006/relationships" xmlns:p="http://schemas.openxmlformats.org/presentationml/2006/main">
-  <p:cSld>
-    <p:spTree>
-      <p:nvGrpSpPr>
-        <p:cNvPr id="1" name=""/>
-        <p:cNvGrpSpPr/>
-        <p:nvPr/>
-      </p:nvGrpSpPr>
-      <p:grpSpPr>
-        <a:xfrm>
-          <a:off x="0" y="0"/>
-          <a:ext cx="0" cy="0"/>
-          <a:chOff x="0" y="0"/>
-          <a:chExt cx="0" cy="0"/>
-        </a:xfrm>
-      </p:grpSpPr>
-      <p:sp>
-        <p:nvSpPr>
-          <p:cNvPr id="64" name="TextBox 63">
-            <a:extLst>
-              <a:ext uri="{FF2B5EF4-FFF2-40B4-BE49-F238E27FC236}">
-                <a16:creationId xmlns:a16="http://schemas.microsoft.com/office/drawing/2014/main" id="{EB9ABD2F-4B5D-4B4B-A735-BE6554DA73EA}"/>
-              </a:ext>
-            </a:extLst>
-          </p:cNvPr>
-          <p:cNvSpPr txBox="1"/>
-          <p:nvPr/>
-        </p:nvSpPr>
-        <p:spPr>
-          <a:xfrm>
-            <a:off x="3146860" y="41983"/>
-            <a:ext cx="6462393" cy="307777"/>
-          </a:xfrm>
-          <a:prstGeom prst="rect">
-            <a:avLst/>
-          </a:prstGeom>
-          <a:noFill/>
-        </p:spPr>
-        <p:txBody>
-          <a:bodyPr wrap="square" rtlCol="0">
-            <a:spAutoFit/>
-          </a:bodyPr>
-          <a:lstStyle/>
-          <a:p>
-            <a:r>
-              <a:rPr lang="en-US" sz="1400" b="1" dirty="0"/>
-              <a:t>Deployment to Amazon Cloud – </a:t>
-            </a:r>
-            <a:r>
-              <a:rPr lang="en-US" sz="1400" b="1" dirty="0" err="1"/>
-              <a:t>LightShell</a:t>
-            </a:r>
-            <a:r>
-              <a:rPr lang="en-US" sz="1400" b="1" dirty="0"/>
-              <a:t> : lightsail.aws.amazon.com</a:t>
-            </a:r>
-          </a:p>
-        </p:txBody>
-      </p:sp>
-      <p:sp>
-        <p:nvSpPr>
-          <p:cNvPr id="13" name="TextBox 12">
-            <a:extLst>
-              <a:ext uri="{FF2B5EF4-FFF2-40B4-BE49-F238E27FC236}">
-                <a16:creationId xmlns:a16="http://schemas.microsoft.com/office/drawing/2014/main" id="{EF95C43A-7C33-4A8A-AF36-2BDE23378D4F}"/>
-              </a:ext>
-            </a:extLst>
-          </p:cNvPr>
-          <p:cNvSpPr txBox="1"/>
-          <p:nvPr/>
-        </p:nvSpPr>
-        <p:spPr>
-          <a:xfrm>
-            <a:off x="453707" y="492355"/>
-            <a:ext cx="5386305" cy="6145951"/>
-          </a:xfrm>
-          <a:prstGeom prst="rect">
-            <a:avLst/>
-          </a:prstGeom>
-          <a:noFill/>
-        </p:spPr>
-        <p:txBody>
-          <a:bodyPr wrap="square" rtlCol="0">
-            <a:noAutofit/>
-          </a:bodyPr>
-          <a:lstStyle/>
-          <a:p>
-            <a:endParaRPr lang="en-US" sz="1200" dirty="0"/>
-          </a:p>
-          <a:p>
-            <a:r>
-              <a:rPr lang="en-US" sz="1200" b="1" dirty="0" err="1">
-                <a:solidFill>
-                  <a:srgbClr val="00B0F0"/>
-                </a:solidFill>
-              </a:rPr>
-              <a:t>Settings.Py</a:t>
-            </a:r>
-            <a:r>
-              <a:rPr lang="en-US" sz="1200" b="1" dirty="0">
-                <a:solidFill>
-                  <a:srgbClr val="00B0F0"/>
-                </a:solidFill>
-              </a:rPr>
-              <a:t> </a:t>
-            </a:r>
-            <a:r>
-              <a:rPr lang="en-US" sz="1200" b="1" dirty="0" err="1">
-                <a:solidFill>
-                  <a:srgbClr val="00B0F0"/>
-                </a:solidFill>
-              </a:rPr>
-              <a:t>Configruation</a:t>
-            </a:r>
-            <a:r>
-              <a:rPr lang="en-US" sz="1200" b="1" dirty="0">
-                <a:solidFill>
-                  <a:srgbClr val="00B0F0"/>
-                </a:solidFill>
-              </a:rPr>
-              <a:t> for both local an server</a:t>
-            </a:r>
-          </a:p>
-          <a:p>
-            <a:endParaRPr lang="en-US" sz="1200" dirty="0"/>
-          </a:p>
-          <a:p>
-            <a:r>
-              <a:rPr lang="en-US" sz="1200" dirty="0"/>
-              <a:t>(NOTE) We set	ALLOWED_HOSTS = ['3.14.99.172’]. This should be split for both environment</a:t>
-            </a:r>
-          </a:p>
-          <a:p>
-            <a:endParaRPr lang="en-US" sz="1200" dirty="0"/>
-          </a:p>
-          <a:p>
-            <a:r>
-              <a:rPr lang="en-US" sz="1200" dirty="0"/>
-              <a:t>(Local Terminal)</a:t>
-            </a:r>
-          </a:p>
-          <a:p>
-            <a:r>
-              <a:rPr lang="en-US" sz="1200" dirty="0"/>
-              <a:t>Terminal</a:t>
-            </a:r>
-          </a:p>
-          <a:p>
-            <a:endParaRPr lang="en-US" sz="1200" dirty="0"/>
-          </a:p>
-          <a:p>
-            <a:r>
-              <a:rPr lang="en-US" sz="1200" b="0" i="0" dirty="0">
-                <a:solidFill>
-                  <a:srgbClr val="000000"/>
-                </a:solidFill>
-                <a:effectLst/>
-                <a:latin typeface="Consolas" panose="020B0609020204030204" pitchFamily="49" charset="0"/>
-              </a:rPr>
-              <a:t>projects\</a:t>
-            </a:r>
-            <a:r>
-              <a:rPr lang="en-US" sz="1200" b="0" i="0" dirty="0" err="1">
-                <a:solidFill>
-                  <a:srgbClr val="000000"/>
-                </a:solidFill>
-                <a:effectLst/>
-                <a:latin typeface="Consolas" panose="020B0609020204030204" pitchFamily="49" charset="0"/>
-              </a:rPr>
-              <a:t>mysite</a:t>
-            </a:r>
-            <a:r>
-              <a:rPr lang="en-US" sz="1200" b="0" i="0" dirty="0">
-                <a:solidFill>
-                  <a:srgbClr val="000000"/>
-                </a:solidFill>
-                <a:effectLst/>
-                <a:latin typeface="Consolas" panose="020B0609020204030204" pitchFamily="49" charset="0"/>
-              </a:rPr>
-              <a:t>\config&gt;</a:t>
-            </a:r>
-          </a:p>
-          <a:p>
-            <a:endParaRPr lang="en-US" sz="1200" dirty="0"/>
-          </a:p>
-          <a:p>
-            <a:pPr marL="228600" indent="-228600">
-              <a:buAutoNum type="arabicPeriod"/>
-            </a:pPr>
-            <a:r>
-              <a:rPr lang="en-US" sz="1200" dirty="0"/>
-              <a:t>&gt;&gt; </a:t>
-            </a:r>
-            <a:r>
-              <a:rPr lang="en-US" sz="1200" b="0" i="0" dirty="0" err="1">
-                <a:solidFill>
-                  <a:srgbClr val="000000"/>
-                </a:solidFill>
-                <a:effectLst/>
-                <a:latin typeface="Consolas" panose="020B0609020204030204" pitchFamily="49" charset="0"/>
-              </a:rPr>
-              <a:t>mkdir</a:t>
-            </a:r>
-            <a:r>
-              <a:rPr lang="en-US" sz="1200" b="0" i="0" dirty="0">
-                <a:solidFill>
-                  <a:srgbClr val="000000"/>
-                </a:solidFill>
-                <a:effectLst/>
-                <a:latin typeface="Consolas" panose="020B0609020204030204" pitchFamily="49" charset="0"/>
-              </a:rPr>
-              <a:t> settings</a:t>
-            </a:r>
-          </a:p>
-          <a:p>
-            <a:endParaRPr lang="en-US" sz="1200" dirty="0"/>
-          </a:p>
-          <a:p>
-            <a:r>
-              <a:rPr lang="en-US" sz="1200" dirty="0"/>
-              <a:t>2. &gt;&gt; </a:t>
-            </a:r>
-            <a:r>
-              <a:rPr lang="en-US" sz="1200" b="0" i="0" dirty="0">
-                <a:solidFill>
-                  <a:srgbClr val="000000"/>
-                </a:solidFill>
-                <a:effectLst/>
-                <a:latin typeface="Consolas" panose="020B0609020204030204" pitchFamily="49" charset="0"/>
-              </a:rPr>
-              <a:t>move settings.py settings/base.py</a:t>
-            </a:r>
-          </a:p>
-          <a:p>
-            <a:r>
-              <a:rPr lang="en-US" sz="1200" dirty="0">
-                <a:solidFill>
-                  <a:srgbClr val="000000"/>
-                </a:solidFill>
-                <a:latin typeface="Consolas" panose="020B0609020204030204" pitchFamily="49" charset="0"/>
-              </a:rPr>
-              <a:t>(NOTE settings.py is renamed to base.py)</a:t>
-            </a:r>
-          </a:p>
-          <a:p>
-            <a:endParaRPr lang="en-US" sz="1200" dirty="0">
-              <a:solidFill>
-                <a:srgbClr val="000000"/>
-              </a:solidFill>
-              <a:latin typeface="Consolas" panose="020B0609020204030204" pitchFamily="49" charset="0"/>
-            </a:endParaRPr>
-          </a:p>
-          <a:p>
-            <a:r>
-              <a:rPr lang="en-US" sz="1200" dirty="0">
-                <a:solidFill>
-                  <a:srgbClr val="000000"/>
-                </a:solidFill>
-                <a:latin typeface="Consolas" panose="020B0609020204030204" pitchFamily="49" charset="0"/>
-              </a:rPr>
-              <a:t>3 change base.py</a:t>
-            </a:r>
-          </a:p>
-          <a:p>
-            <a:r>
-              <a:rPr lang="en-US" sz="1200" b="0" i="0" dirty="0">
-                <a:solidFill>
-                  <a:srgbClr val="000000"/>
-                </a:solidFill>
-                <a:effectLst/>
-                <a:latin typeface="Consolas" panose="020B0609020204030204" pitchFamily="49" charset="0"/>
-              </a:rPr>
-              <a:t>BASE_DIR = Path(__file__).resolve().</a:t>
-            </a:r>
-            <a:r>
-              <a:rPr lang="en-US" sz="1200" b="0" i="0" dirty="0" err="1">
-                <a:solidFill>
-                  <a:srgbClr val="000000"/>
-                </a:solidFill>
-                <a:effectLst/>
-                <a:latin typeface="Consolas" panose="020B0609020204030204" pitchFamily="49" charset="0"/>
-              </a:rPr>
-              <a:t>parent.parent.parent</a:t>
-            </a:r>
-            <a:endParaRPr lang="en-US" sz="1200" b="0" i="0" dirty="0">
-              <a:solidFill>
-                <a:srgbClr val="000000"/>
-              </a:solidFill>
-              <a:effectLst/>
-              <a:latin typeface="Consolas" panose="020B0609020204030204" pitchFamily="49" charset="0"/>
-            </a:endParaRPr>
-          </a:p>
-          <a:p>
-            <a:endParaRPr lang="en-US" sz="1200" dirty="0">
-              <a:solidFill>
-                <a:srgbClr val="000000"/>
-              </a:solidFill>
-              <a:latin typeface="Consolas" panose="020B0609020204030204" pitchFamily="49" charset="0"/>
-            </a:endParaRPr>
-          </a:p>
-          <a:p>
-            <a:r>
-              <a:rPr lang="en-US" sz="1200" dirty="0">
-                <a:solidFill>
-                  <a:srgbClr val="000000"/>
-                </a:solidFill>
-                <a:latin typeface="Consolas" panose="020B0609020204030204" pitchFamily="49" charset="0"/>
-              </a:rPr>
-              <a:t>4. Create “local.py” under \</a:t>
-            </a:r>
-            <a:r>
-              <a:rPr lang="en-US" sz="1200" dirty="0" err="1">
-                <a:solidFill>
-                  <a:srgbClr val="000000"/>
-                </a:solidFill>
-                <a:latin typeface="Consolas" panose="020B0609020204030204" pitchFamily="49" charset="0"/>
-              </a:rPr>
-              <a:t>mysite</a:t>
-            </a:r>
-            <a:r>
-              <a:rPr lang="en-US" sz="1200" dirty="0">
-                <a:solidFill>
-                  <a:srgbClr val="000000"/>
-                </a:solidFill>
-                <a:latin typeface="Consolas" panose="020B0609020204030204" pitchFamily="49" charset="0"/>
-              </a:rPr>
-              <a:t>\config\settings\</a:t>
-            </a:r>
-          </a:p>
-          <a:p>
-            <a:endParaRPr lang="en-US" sz="1200" dirty="0"/>
-          </a:p>
-          <a:p>
-            <a:r>
-              <a:rPr lang="en-US" sz="1200" b="1" i="0" dirty="0">
-                <a:solidFill>
-                  <a:srgbClr val="000000"/>
-                </a:solidFill>
-                <a:effectLst/>
-                <a:latin typeface="Consolas" panose="020B0609020204030204" pitchFamily="49" charset="0"/>
-              </a:rPr>
-              <a:t>from</a:t>
-            </a:r>
-            <a:r>
-              <a:rPr lang="en-US" sz="1200" b="0" i="0" dirty="0">
-                <a:solidFill>
-                  <a:srgbClr val="000000"/>
-                </a:solidFill>
-                <a:effectLst/>
-                <a:latin typeface="Consolas" panose="020B0609020204030204" pitchFamily="49" charset="0"/>
-              </a:rPr>
-              <a:t> .base </a:t>
-            </a:r>
-            <a:r>
-              <a:rPr lang="en-US" sz="1200" b="1" i="0" dirty="0">
-                <a:solidFill>
-                  <a:srgbClr val="000000"/>
-                </a:solidFill>
-                <a:effectLst/>
-                <a:latin typeface="Consolas" panose="020B0609020204030204" pitchFamily="49" charset="0"/>
-              </a:rPr>
-              <a:t>import</a:t>
-            </a:r>
-            <a:r>
-              <a:rPr lang="en-US" sz="1200" b="0" i="0" dirty="0">
-                <a:solidFill>
-                  <a:srgbClr val="000000"/>
-                </a:solidFill>
-                <a:effectLst/>
-                <a:latin typeface="Consolas" panose="020B0609020204030204" pitchFamily="49" charset="0"/>
-              </a:rPr>
-              <a:t> * </a:t>
-            </a:r>
-          </a:p>
-          <a:p>
-            <a:r>
-              <a:rPr lang="en-US" sz="1200" b="0" i="0" dirty="0">
-                <a:solidFill>
-                  <a:srgbClr val="000000"/>
-                </a:solidFill>
-                <a:effectLst/>
-                <a:latin typeface="Consolas" panose="020B0609020204030204" pitchFamily="49" charset="0"/>
-              </a:rPr>
-              <a:t>ALLOWED_HOSTS = [] </a:t>
-            </a:r>
-          </a:p>
-          <a:p>
-            <a:endParaRPr lang="en-US" sz="1200" dirty="0">
-              <a:solidFill>
-                <a:srgbClr val="000000"/>
-              </a:solidFill>
-              <a:latin typeface="Consolas" panose="020B0609020204030204" pitchFamily="49" charset="0"/>
-            </a:endParaRPr>
-          </a:p>
-          <a:p>
-            <a:r>
-              <a:rPr lang="en-US" sz="1200" dirty="0">
-                <a:solidFill>
-                  <a:srgbClr val="000000"/>
-                </a:solidFill>
-                <a:latin typeface="Consolas" panose="020B0609020204030204" pitchFamily="49" charset="0"/>
-              </a:rPr>
-              <a:t>5. Create “prod.py” under \</a:t>
-            </a:r>
-            <a:r>
-              <a:rPr lang="en-US" sz="1200" dirty="0" err="1">
-                <a:solidFill>
-                  <a:srgbClr val="000000"/>
-                </a:solidFill>
-                <a:latin typeface="Consolas" panose="020B0609020204030204" pitchFamily="49" charset="0"/>
-              </a:rPr>
-              <a:t>mysite</a:t>
-            </a:r>
-            <a:r>
-              <a:rPr lang="en-US" sz="1200" dirty="0">
-                <a:solidFill>
-                  <a:srgbClr val="000000"/>
-                </a:solidFill>
-                <a:latin typeface="Consolas" panose="020B0609020204030204" pitchFamily="49" charset="0"/>
-              </a:rPr>
-              <a:t>\config\settings\</a:t>
-            </a:r>
-          </a:p>
-          <a:p>
-            <a:endParaRPr lang="en-US" sz="1200" dirty="0"/>
-          </a:p>
-          <a:p>
-            <a:r>
-              <a:rPr lang="en-US" sz="1200" b="1" i="0" dirty="0">
-                <a:solidFill>
-                  <a:srgbClr val="000000"/>
-                </a:solidFill>
-                <a:effectLst/>
-                <a:latin typeface="Consolas" panose="020B0609020204030204" pitchFamily="49" charset="0"/>
-              </a:rPr>
-              <a:t>from</a:t>
-            </a:r>
-            <a:r>
-              <a:rPr lang="en-US" sz="1200" b="0" i="0" dirty="0">
-                <a:solidFill>
-                  <a:srgbClr val="000000"/>
-                </a:solidFill>
-                <a:effectLst/>
-                <a:latin typeface="Consolas" panose="020B0609020204030204" pitchFamily="49" charset="0"/>
-              </a:rPr>
-              <a:t> .base </a:t>
-            </a:r>
-            <a:r>
-              <a:rPr lang="en-US" sz="1200" b="1" i="0" dirty="0">
-                <a:solidFill>
-                  <a:srgbClr val="000000"/>
-                </a:solidFill>
-                <a:effectLst/>
-                <a:latin typeface="Consolas" panose="020B0609020204030204" pitchFamily="49" charset="0"/>
-              </a:rPr>
-              <a:t>import</a:t>
-            </a:r>
-            <a:r>
-              <a:rPr lang="en-US" sz="1200" b="0" i="0" dirty="0">
-                <a:solidFill>
-                  <a:srgbClr val="000000"/>
-                </a:solidFill>
-                <a:effectLst/>
-                <a:latin typeface="Consolas" panose="020B0609020204030204" pitchFamily="49" charset="0"/>
-              </a:rPr>
-              <a:t> * </a:t>
-            </a:r>
-          </a:p>
-          <a:p>
-            <a:r>
-              <a:rPr lang="en-US" sz="1200" b="0" i="0" dirty="0">
-                <a:solidFill>
-                  <a:srgbClr val="000000"/>
-                </a:solidFill>
-                <a:effectLst/>
-                <a:latin typeface="Consolas" panose="020B0609020204030204" pitchFamily="49" charset="0"/>
-              </a:rPr>
-              <a:t>ALLOWED_HOSTS = [‘</a:t>
-            </a:r>
-            <a:r>
-              <a:rPr lang="en-US" sz="1200" b="1" dirty="0"/>
-              <a:t>3.14.99.172’</a:t>
-            </a:r>
-            <a:r>
-              <a:rPr lang="en-US" sz="1200" b="0" i="0" dirty="0">
-                <a:solidFill>
-                  <a:srgbClr val="000000"/>
-                </a:solidFill>
-                <a:effectLst/>
-                <a:latin typeface="Consolas" panose="020B0609020204030204" pitchFamily="49" charset="0"/>
-              </a:rPr>
-              <a:t>]</a:t>
-            </a:r>
-            <a:endParaRPr lang="en-US" sz="1200" b="1" dirty="0"/>
-          </a:p>
-        </p:txBody>
-      </p:sp>
-      <p:pic>
-        <p:nvPicPr>
-          <p:cNvPr id="5" name="Picture 4">
-            <a:extLst>
-              <a:ext uri="{FF2B5EF4-FFF2-40B4-BE49-F238E27FC236}">
-                <a16:creationId xmlns:a16="http://schemas.microsoft.com/office/drawing/2014/main" id="{80A184E4-4398-439E-822F-9939ED01C074}"/>
-              </a:ext>
-            </a:extLst>
-          </p:cNvPr>
-          <p:cNvPicPr>
-            <a:picLocks noChangeAspect="1"/>
-          </p:cNvPicPr>
-          <p:nvPr/>
-        </p:nvPicPr>
-        <p:blipFill>
-          <a:blip r:embed="rId2"/>
-          <a:stretch>
-            <a:fillRect/>
-          </a:stretch>
-        </p:blipFill>
-        <p:spPr>
-          <a:xfrm>
-            <a:off x="6262451" y="1071743"/>
-            <a:ext cx="1590897" cy="1762371"/>
-          </a:xfrm>
-          <a:prstGeom prst="rect">
-            <a:avLst/>
-          </a:prstGeom>
-        </p:spPr>
-      </p:pic>
-      <p:sp>
-        <p:nvSpPr>
-          <p:cNvPr id="11" name="TextBox 10">
-            <a:extLst>
-              <a:ext uri="{FF2B5EF4-FFF2-40B4-BE49-F238E27FC236}">
-                <a16:creationId xmlns:a16="http://schemas.microsoft.com/office/drawing/2014/main" id="{1C18061F-85DC-4E75-A5FC-144F61745A20}"/>
-              </a:ext>
-            </a:extLst>
-          </p:cNvPr>
-          <p:cNvSpPr txBox="1"/>
-          <p:nvPr/>
-        </p:nvSpPr>
-        <p:spPr>
-          <a:xfrm>
-            <a:off x="5712032" y="492355"/>
-            <a:ext cx="5770274" cy="6145951"/>
-          </a:xfrm>
-          <a:prstGeom prst="rect">
-            <a:avLst/>
-          </a:prstGeom>
-          <a:noFill/>
-        </p:spPr>
-        <p:txBody>
-          <a:bodyPr wrap="square" rtlCol="0">
-            <a:noAutofit/>
-          </a:bodyPr>
-          <a:lstStyle/>
-          <a:p>
-            <a:endParaRPr lang="en-US" sz="1200" dirty="0"/>
-          </a:p>
-          <a:p>
-            <a:r>
-              <a:rPr lang="en-US" sz="1200" dirty="0"/>
-              <a:t>6. Confirmation</a:t>
-            </a:r>
-          </a:p>
-          <a:p>
-            <a:endParaRPr lang="en-US" sz="1200" dirty="0">
-              <a:solidFill>
-                <a:srgbClr val="000000"/>
-              </a:solidFill>
-              <a:latin typeface="Consolas" panose="020B0609020204030204" pitchFamily="49" charset="0"/>
-            </a:endParaRPr>
-          </a:p>
-          <a:p>
-            <a:endParaRPr lang="en-US" sz="1200" dirty="0">
-              <a:solidFill>
-                <a:srgbClr val="000000"/>
-              </a:solidFill>
-              <a:latin typeface="Consolas" panose="020B0609020204030204" pitchFamily="49" charset="0"/>
-            </a:endParaRPr>
-          </a:p>
-          <a:p>
-            <a:endParaRPr lang="en-US" sz="1200" dirty="0">
-              <a:solidFill>
-                <a:srgbClr val="000000"/>
-              </a:solidFill>
-              <a:latin typeface="Consolas" panose="020B0609020204030204" pitchFamily="49" charset="0"/>
-            </a:endParaRPr>
-          </a:p>
-          <a:p>
-            <a:endParaRPr lang="en-US" sz="1200" dirty="0">
-              <a:solidFill>
-                <a:srgbClr val="000000"/>
-              </a:solidFill>
-              <a:latin typeface="Consolas" panose="020B0609020204030204" pitchFamily="49" charset="0"/>
-            </a:endParaRPr>
-          </a:p>
-          <a:p>
-            <a:endParaRPr lang="en-US" sz="1200" dirty="0">
-              <a:solidFill>
-                <a:srgbClr val="000000"/>
-              </a:solidFill>
-              <a:latin typeface="Consolas" panose="020B0609020204030204" pitchFamily="49" charset="0"/>
-            </a:endParaRPr>
-          </a:p>
-          <a:p>
-            <a:endParaRPr lang="en-US" sz="1200" dirty="0">
-              <a:solidFill>
-                <a:srgbClr val="000000"/>
-              </a:solidFill>
-              <a:latin typeface="Consolas" panose="020B0609020204030204" pitchFamily="49" charset="0"/>
-            </a:endParaRPr>
-          </a:p>
-          <a:p>
-            <a:endParaRPr lang="en-US" sz="1200" dirty="0">
-              <a:solidFill>
-                <a:srgbClr val="000000"/>
-              </a:solidFill>
-              <a:latin typeface="Consolas" panose="020B0609020204030204" pitchFamily="49" charset="0"/>
-            </a:endParaRPr>
-          </a:p>
-          <a:p>
-            <a:endParaRPr lang="en-US" sz="1200" dirty="0">
-              <a:solidFill>
-                <a:srgbClr val="000000"/>
-              </a:solidFill>
-              <a:latin typeface="Consolas" panose="020B0609020204030204" pitchFamily="49" charset="0"/>
-            </a:endParaRPr>
-          </a:p>
-          <a:p>
-            <a:endParaRPr lang="en-US" sz="1200" dirty="0">
-              <a:solidFill>
-                <a:srgbClr val="000000"/>
-              </a:solidFill>
-              <a:latin typeface="Consolas" panose="020B0609020204030204" pitchFamily="49" charset="0"/>
-            </a:endParaRPr>
-          </a:p>
-          <a:p>
-            <a:endParaRPr lang="en-US" sz="1200" dirty="0">
-              <a:solidFill>
-                <a:srgbClr val="000000"/>
-              </a:solidFill>
-              <a:latin typeface="Consolas" panose="020B0609020204030204" pitchFamily="49" charset="0"/>
-            </a:endParaRPr>
-          </a:p>
-          <a:p>
-            <a:endParaRPr lang="en-US" sz="1200" dirty="0">
-              <a:solidFill>
-                <a:srgbClr val="000000"/>
-              </a:solidFill>
-              <a:latin typeface="Consolas" panose="020B0609020204030204" pitchFamily="49" charset="0"/>
-            </a:endParaRPr>
-          </a:p>
-          <a:p>
-            <a:r>
-              <a:rPr lang="en-US" sz="1200" dirty="0">
-                <a:solidFill>
-                  <a:srgbClr val="000000"/>
-                </a:solidFill>
-                <a:latin typeface="Consolas" panose="020B0609020204030204" pitchFamily="49" charset="0"/>
-              </a:rPr>
-              <a:t>7. &gt;&gt; </a:t>
-            </a:r>
-            <a:r>
-              <a:rPr lang="en-US" sz="1200" b="0" i="0" dirty="0">
-                <a:solidFill>
-                  <a:srgbClr val="000000"/>
-                </a:solidFill>
-                <a:effectLst/>
-                <a:latin typeface="Consolas" panose="020B0609020204030204" pitchFamily="49" charset="0"/>
-              </a:rPr>
-              <a:t>python manage.py </a:t>
-            </a:r>
-            <a:r>
-              <a:rPr lang="en-US" sz="1200" b="0" i="0" dirty="0" err="1">
-                <a:solidFill>
-                  <a:srgbClr val="000000"/>
-                </a:solidFill>
-                <a:effectLst/>
-                <a:latin typeface="Consolas" panose="020B0609020204030204" pitchFamily="49" charset="0"/>
-              </a:rPr>
-              <a:t>runserver</a:t>
-            </a:r>
-            <a:endParaRPr lang="en-US" sz="1200" b="0" i="0" dirty="0">
-              <a:solidFill>
-                <a:srgbClr val="000000"/>
-              </a:solidFill>
-              <a:effectLst/>
-              <a:latin typeface="Consolas" panose="020B0609020204030204" pitchFamily="49" charset="0"/>
-            </a:endParaRPr>
-          </a:p>
-          <a:p>
-            <a:r>
-              <a:rPr lang="en-US" sz="1200" dirty="0">
-                <a:solidFill>
-                  <a:srgbClr val="000000"/>
-                </a:solidFill>
-                <a:latin typeface="Consolas" panose="020B0609020204030204" pitchFamily="49" charset="0"/>
-              </a:rPr>
-              <a:t>(Error) ……..The SECRET_KEY setting must not be empty…….</a:t>
-            </a:r>
-          </a:p>
-          <a:p>
-            <a:r>
-              <a:rPr lang="en-US" sz="1200" dirty="0">
-                <a:solidFill>
-                  <a:srgbClr val="000000"/>
-                </a:solidFill>
-                <a:latin typeface="Consolas" panose="020B0609020204030204" pitchFamily="49" charset="0"/>
-              </a:rPr>
-              <a:t>(Reason) Settings.py is removed</a:t>
-            </a:r>
-          </a:p>
-          <a:p>
-            <a:endParaRPr lang="en-US" sz="1200" dirty="0">
-              <a:solidFill>
-                <a:srgbClr val="000000"/>
-              </a:solidFill>
-              <a:latin typeface="Consolas" panose="020B0609020204030204" pitchFamily="49" charset="0"/>
-            </a:endParaRPr>
-          </a:p>
-          <a:p>
-            <a:r>
-              <a:rPr lang="en-US" sz="1200" dirty="0">
-                <a:solidFill>
-                  <a:srgbClr val="000000"/>
-                </a:solidFill>
-                <a:latin typeface="Consolas" panose="020B0609020204030204" pitchFamily="49" charset="0"/>
-              </a:rPr>
-              <a:t>8. &gt;&gt; </a:t>
-            </a:r>
-            <a:r>
-              <a:rPr lang="en-US" sz="1200" b="0" i="0" dirty="0">
-                <a:solidFill>
-                  <a:srgbClr val="000000"/>
-                </a:solidFill>
-                <a:effectLst/>
-                <a:latin typeface="Consolas" panose="020B0609020204030204" pitchFamily="49" charset="0"/>
-              </a:rPr>
-              <a:t>python manage.py </a:t>
-            </a:r>
-            <a:r>
-              <a:rPr lang="en-US" sz="1200" b="0" i="0" dirty="0" err="1">
-                <a:solidFill>
-                  <a:srgbClr val="000000"/>
-                </a:solidFill>
-                <a:effectLst/>
-                <a:latin typeface="Consolas" panose="020B0609020204030204" pitchFamily="49" charset="0"/>
-              </a:rPr>
-              <a:t>runserver</a:t>
-            </a:r>
-            <a:r>
-              <a:rPr lang="en-US" sz="1200" b="0" i="0" dirty="0">
-                <a:solidFill>
-                  <a:srgbClr val="000000"/>
-                </a:solidFill>
-                <a:effectLst/>
-                <a:latin typeface="Consolas" panose="020B0609020204030204" pitchFamily="49" charset="0"/>
-              </a:rPr>
-              <a:t> </a:t>
-            </a:r>
-            <a:r>
-              <a:rPr lang="en-US" sz="1200" b="1" i="0" dirty="0">
-                <a:solidFill>
-                  <a:srgbClr val="000000"/>
-                </a:solidFill>
-                <a:effectLst/>
-                <a:latin typeface="Consolas" panose="020B0609020204030204" pitchFamily="49" charset="0"/>
-              </a:rPr>
-              <a:t>--settings=</a:t>
-            </a:r>
-            <a:r>
-              <a:rPr lang="en-US" sz="1200" b="1" i="0" dirty="0" err="1">
-                <a:solidFill>
-                  <a:srgbClr val="000000"/>
-                </a:solidFill>
-                <a:effectLst/>
-                <a:latin typeface="Consolas" panose="020B0609020204030204" pitchFamily="49" charset="0"/>
-              </a:rPr>
-              <a:t>config.settings.local</a:t>
-            </a:r>
-            <a:endParaRPr lang="en-US" sz="1200" b="1" i="0" dirty="0">
-              <a:solidFill>
-                <a:srgbClr val="000000"/>
-              </a:solidFill>
-              <a:effectLst/>
-              <a:latin typeface="Consolas" panose="020B0609020204030204" pitchFamily="49" charset="0"/>
-            </a:endParaRPr>
-          </a:p>
-          <a:p>
-            <a:r>
-              <a:rPr lang="en-US" sz="1200" b="1" dirty="0">
-                <a:solidFill>
-                  <a:srgbClr val="000000"/>
-                </a:solidFill>
-                <a:latin typeface="Consolas" panose="020B0609020204030204" pitchFamily="49" charset="0"/>
-              </a:rPr>
-              <a:t>   (When run it on Local Environment)</a:t>
-            </a:r>
-          </a:p>
-          <a:p>
-            <a:r>
-              <a:rPr lang="en-US" sz="1200" b="1" dirty="0">
-                <a:solidFill>
-                  <a:srgbClr val="000000"/>
-                </a:solidFill>
-                <a:latin typeface="Consolas" panose="020B0609020204030204" pitchFamily="49" charset="0"/>
-              </a:rPr>
-              <a:t>9. </a:t>
-            </a:r>
-            <a:r>
-              <a:rPr lang="en-US" sz="1200" dirty="0">
-                <a:solidFill>
-                  <a:srgbClr val="000000"/>
-                </a:solidFill>
-                <a:latin typeface="Consolas" panose="020B0609020204030204" pitchFamily="49" charset="0"/>
-              </a:rPr>
-              <a:t>&gt;&gt; </a:t>
-            </a:r>
-            <a:r>
-              <a:rPr lang="en-US" sz="1200" b="0" i="0" dirty="0">
-                <a:solidFill>
-                  <a:srgbClr val="000000"/>
-                </a:solidFill>
-                <a:effectLst/>
-                <a:latin typeface="Consolas" panose="020B0609020204030204" pitchFamily="49" charset="0"/>
-              </a:rPr>
-              <a:t>python manage.py </a:t>
-            </a:r>
-            <a:r>
-              <a:rPr lang="en-US" sz="1200" b="0" i="0" dirty="0" err="1">
-                <a:solidFill>
-                  <a:srgbClr val="000000"/>
-                </a:solidFill>
-                <a:effectLst/>
-                <a:latin typeface="Consolas" panose="020B0609020204030204" pitchFamily="49" charset="0"/>
-              </a:rPr>
-              <a:t>runserver</a:t>
-            </a:r>
-            <a:r>
-              <a:rPr lang="en-US" sz="1200" b="0" i="0" dirty="0">
-                <a:solidFill>
-                  <a:srgbClr val="000000"/>
-                </a:solidFill>
-                <a:effectLst/>
-                <a:latin typeface="Consolas" panose="020B0609020204030204" pitchFamily="49" charset="0"/>
-              </a:rPr>
-              <a:t> </a:t>
-            </a:r>
-            <a:r>
-              <a:rPr lang="en-US" sz="1200" b="1" i="0" dirty="0">
-                <a:solidFill>
-                  <a:srgbClr val="000000"/>
-                </a:solidFill>
-                <a:effectLst/>
-                <a:latin typeface="Consolas" panose="020B0609020204030204" pitchFamily="49" charset="0"/>
-              </a:rPr>
-              <a:t>--settings=</a:t>
-            </a:r>
-            <a:r>
-              <a:rPr lang="en-US" sz="1200" b="1" i="0" dirty="0" err="1">
-                <a:solidFill>
-                  <a:srgbClr val="000000"/>
-                </a:solidFill>
-                <a:effectLst/>
-                <a:latin typeface="Consolas" panose="020B0609020204030204" pitchFamily="49" charset="0"/>
-              </a:rPr>
-              <a:t>config.settings.prod</a:t>
-            </a:r>
-            <a:endParaRPr lang="en-US" sz="1200" b="1" dirty="0">
-              <a:solidFill>
-                <a:srgbClr val="000000"/>
-              </a:solidFill>
-              <a:latin typeface="Consolas" panose="020B0609020204030204" pitchFamily="49" charset="0"/>
-            </a:endParaRPr>
-          </a:p>
-          <a:p>
-            <a:r>
-              <a:rPr lang="en-US" sz="1200" b="1" dirty="0">
-                <a:solidFill>
-                  <a:srgbClr val="000000"/>
-                </a:solidFill>
-                <a:latin typeface="Consolas" panose="020B0609020204030204" pitchFamily="49" charset="0"/>
-              </a:rPr>
-              <a:t>   (When run it on Prod Environment)</a:t>
-            </a:r>
-          </a:p>
-          <a:p>
-            <a:r>
-              <a:rPr lang="en-US" sz="1200" dirty="0"/>
-              <a:t>10. &gt;&gt; git commit -a -m "change config“</a:t>
-            </a:r>
-          </a:p>
-          <a:p>
-            <a:r>
-              <a:rPr lang="en-US" sz="1200" dirty="0"/>
-              <a:t>11. &gt;&gt; </a:t>
-            </a:r>
-            <a:r>
-              <a:rPr lang="en-US" sz="1200"/>
-              <a:t>git push</a:t>
-            </a:r>
-          </a:p>
-          <a:p>
-            <a:endParaRPr lang="en-US" sz="1200" dirty="0"/>
-          </a:p>
-        </p:txBody>
-      </p:sp>
-    </p:spTree>
-    <p:extLst>
-      <p:ext uri="{BB962C8B-B14F-4D97-AF65-F5344CB8AC3E}">
-        <p14:creationId xmlns:p14="http://schemas.microsoft.com/office/powerpoint/2010/main" val="3853092504"/>
-      </p:ext>
-    </p:extLst>
-  </p:cSld>
-  <p:clrMapOvr>
-    <a:masterClrMapping/>
-  </p:clrMapOvr>
-</p:sld>
-</file>
-
-<file path=ppt/slides/slide6.xml><?xml version="1.0" encoding="utf-8"?>
-<p:sld xmlns:a="http://schemas.openxmlformats.org/drawingml/2006/main" xmlns:r="http://schemas.openxmlformats.org/officeDocument/2006/relationships" xmlns:p="http://schemas.openxmlformats.org/presentationml/2006/main">
-  <p:cSld>
-    <p:spTree>
-      <p:nvGrpSpPr>
-        <p:cNvPr id="1" name=""/>
-        <p:cNvGrpSpPr/>
-        <p:nvPr/>
-      </p:nvGrpSpPr>
-      <p:grpSpPr>
-        <a:xfrm>
-          <a:off x="0" y="0"/>
-          <a:ext cx="0" cy="0"/>
-          <a:chOff x="0" y="0"/>
-          <a:chExt cx="0" cy="0"/>
-        </a:xfrm>
-      </p:grpSpPr>
-      <p:sp>
-        <p:nvSpPr>
-          <p:cNvPr id="64" name="TextBox 63">
-            <a:extLst>
-              <a:ext uri="{FF2B5EF4-FFF2-40B4-BE49-F238E27FC236}">
-                <a16:creationId xmlns:a16="http://schemas.microsoft.com/office/drawing/2014/main" id="{EB9ABD2F-4B5D-4B4B-A735-BE6554DA73EA}"/>
-              </a:ext>
-            </a:extLst>
-          </p:cNvPr>
-          <p:cNvSpPr txBox="1"/>
-          <p:nvPr/>
-        </p:nvSpPr>
-        <p:spPr>
-          <a:xfrm>
-            <a:off x="3146860" y="41983"/>
-            <a:ext cx="6462393" cy="307777"/>
-          </a:xfrm>
-          <a:prstGeom prst="rect">
-            <a:avLst/>
-          </a:prstGeom>
-          <a:noFill/>
-        </p:spPr>
-        <p:txBody>
-          <a:bodyPr wrap="square" rtlCol="0">
-            <a:spAutoFit/>
-          </a:bodyPr>
-          <a:lstStyle/>
-          <a:p>
-            <a:r>
-              <a:rPr lang="en-US" sz="1400" b="1" dirty="0"/>
-              <a:t>Deployment to Amazon Cloud – </a:t>
-            </a:r>
-            <a:r>
-              <a:rPr lang="en-US" sz="1400" b="1" dirty="0" err="1"/>
-              <a:t>LightShell</a:t>
-            </a:r>
-            <a:r>
-              <a:rPr lang="en-US" sz="1400" b="1" dirty="0"/>
-              <a:t> : lightsail.aws.amazon.com</a:t>
-            </a:r>
-          </a:p>
-        </p:txBody>
-      </p:sp>
-      <p:sp>
-        <p:nvSpPr>
-          <p:cNvPr id="13" name="TextBox 12">
-            <a:extLst>
-              <a:ext uri="{FF2B5EF4-FFF2-40B4-BE49-F238E27FC236}">
-                <a16:creationId xmlns:a16="http://schemas.microsoft.com/office/drawing/2014/main" id="{EF95C43A-7C33-4A8A-AF36-2BDE23378D4F}"/>
-              </a:ext>
-            </a:extLst>
-          </p:cNvPr>
-          <p:cNvSpPr txBox="1"/>
-          <p:nvPr/>
-        </p:nvSpPr>
-        <p:spPr>
-          <a:xfrm>
-            <a:off x="453707" y="492355"/>
-            <a:ext cx="5386305" cy="6145951"/>
-          </a:xfrm>
-          <a:prstGeom prst="rect">
-            <a:avLst/>
-          </a:prstGeom>
-          <a:noFill/>
-        </p:spPr>
-        <p:txBody>
-          <a:bodyPr wrap="square" rtlCol="0">
-            <a:noAutofit/>
-          </a:bodyPr>
-          <a:lstStyle/>
-          <a:p>
-            <a:endParaRPr lang="en-US" sz="1200" dirty="0"/>
-          </a:p>
-          <a:p>
-            <a:r>
-              <a:rPr lang="en-US" sz="1200" b="1" dirty="0">
-                <a:solidFill>
-                  <a:srgbClr val="00B0F0"/>
-                </a:solidFill>
-              </a:rPr>
-              <a:t>Terminal Program Instead of AWS web terminal</a:t>
-            </a:r>
-          </a:p>
-          <a:p>
-            <a:endParaRPr lang="en-US" sz="1200" dirty="0"/>
-          </a:p>
-          <a:p>
-            <a:r>
-              <a:rPr lang="en-US" sz="1200" dirty="0"/>
-              <a:t>(NOTE) We need private key</a:t>
-            </a:r>
-          </a:p>
-          <a:p>
-            <a:endParaRPr lang="en-US" sz="1200" dirty="0"/>
-          </a:p>
-          <a:p>
-            <a:endParaRPr lang="en-US" sz="1200" dirty="0"/>
-          </a:p>
-          <a:p>
-            <a:endParaRPr lang="en-US" sz="1200" dirty="0"/>
-          </a:p>
-          <a:p>
-            <a:endParaRPr lang="en-US" sz="1200" dirty="0"/>
-          </a:p>
-          <a:p>
-            <a:endParaRPr lang="en-US" sz="1200" dirty="0"/>
-          </a:p>
-          <a:p>
-            <a:endParaRPr lang="en-US" sz="1200" dirty="0"/>
-          </a:p>
-          <a:p>
-            <a:endParaRPr lang="en-US" sz="1200" dirty="0"/>
-          </a:p>
-          <a:p>
-            <a:endParaRPr lang="en-US" sz="1200" dirty="0"/>
-          </a:p>
-          <a:p>
-            <a:endParaRPr lang="en-US" sz="1200" dirty="0"/>
-          </a:p>
-          <a:p>
-            <a:endParaRPr lang="en-US" sz="1200" dirty="0"/>
-          </a:p>
-          <a:p>
-            <a:endParaRPr lang="en-US" sz="1200" dirty="0"/>
-          </a:p>
-          <a:p>
-            <a:endParaRPr lang="en-US" sz="1200" dirty="0"/>
-          </a:p>
-          <a:p>
-            <a:endParaRPr lang="en-US" sz="1200" dirty="0"/>
-          </a:p>
-          <a:p>
-            <a:endParaRPr lang="en-US" sz="1200" dirty="0"/>
-          </a:p>
-          <a:p>
-            <a:endParaRPr lang="en-US" sz="1200" dirty="0"/>
-          </a:p>
-          <a:p>
-            <a:endParaRPr lang="en-US" sz="1200" dirty="0"/>
-          </a:p>
-          <a:p>
-            <a:r>
-              <a:rPr lang="en-US" sz="1200" dirty="0"/>
-              <a:t>1. Download it under </a:t>
-            </a:r>
-            <a:r>
-              <a:rPr lang="en-US" sz="1200" dirty="0" err="1"/>
-              <a:t>venvs</a:t>
-            </a:r>
-            <a:r>
-              <a:rPr lang="en-US" sz="1200" dirty="0"/>
-              <a:t> directory in the name of “</a:t>
-            </a:r>
-            <a:r>
-              <a:rPr lang="en-US" sz="1200" dirty="0" err="1"/>
-              <a:t>mysite.pem</a:t>
-            </a:r>
-            <a:r>
-              <a:rPr lang="en-US" sz="1200" dirty="0"/>
-              <a:t>”</a:t>
-            </a:r>
-          </a:p>
-          <a:p>
-            <a:endParaRPr lang="en-US" sz="1200" dirty="0"/>
-          </a:p>
-          <a:p>
-            <a:r>
-              <a:rPr lang="en-US" sz="1200" dirty="0">
-                <a:solidFill>
-                  <a:srgbClr val="000000"/>
-                </a:solidFill>
-                <a:latin typeface="Consolas" panose="020B0609020204030204" pitchFamily="49" charset="0"/>
-              </a:rPr>
-              <a:t>2. You can use any terminal program.</a:t>
-            </a:r>
-          </a:p>
-          <a:p>
-            <a:r>
-              <a:rPr lang="en-US" sz="1200" b="0" i="0" u="sng" dirty="0">
-                <a:solidFill>
-                  <a:srgbClr val="23527C"/>
-                </a:solidFill>
-                <a:effectLst/>
-                <a:latin typeface="Malgun Gothic" panose="020B0503020000020004" pitchFamily="34" charset="-127"/>
-                <a:ea typeface="Malgun Gothic" panose="020B0503020000020004" pitchFamily="34" charset="-127"/>
-                <a:hlinkClick r:id="rId2"/>
-              </a:rPr>
-              <a:t>https://mobaxterm.mobatek.net/download.html</a:t>
-            </a:r>
-            <a:endParaRPr lang="en-US" sz="1200" dirty="0">
-              <a:solidFill>
-                <a:srgbClr val="000000"/>
-              </a:solidFill>
-              <a:latin typeface="Consolas" panose="020B0609020204030204" pitchFamily="49" charset="0"/>
-            </a:endParaRPr>
-          </a:p>
-          <a:p>
-            <a:endParaRPr lang="en-US" sz="1200" b="1" dirty="0"/>
-          </a:p>
-        </p:txBody>
-      </p:sp>
-      <p:pic>
-        <p:nvPicPr>
-          <p:cNvPr id="3" name="Picture 2">
-            <a:extLst>
-              <a:ext uri="{FF2B5EF4-FFF2-40B4-BE49-F238E27FC236}">
-                <a16:creationId xmlns:a16="http://schemas.microsoft.com/office/drawing/2014/main" id="{1A60212B-6C94-4994-8483-4A62F2A3C585}"/>
-              </a:ext>
-            </a:extLst>
-          </p:cNvPr>
-          <p:cNvPicPr>
-            <a:picLocks noChangeAspect="1"/>
-          </p:cNvPicPr>
-          <p:nvPr/>
-        </p:nvPicPr>
-        <p:blipFill>
-          <a:blip r:embed="rId3"/>
-          <a:stretch>
-            <a:fillRect/>
-          </a:stretch>
-        </p:blipFill>
-        <p:spPr>
-          <a:xfrm>
-            <a:off x="453707" y="1302843"/>
-            <a:ext cx="3895108" cy="2837465"/>
-          </a:xfrm>
-          <a:prstGeom prst="rect">
-            <a:avLst/>
-          </a:prstGeom>
-        </p:spPr>
-      </p:pic>
-      <p:pic>
-        <p:nvPicPr>
-          <p:cNvPr id="6" name="Picture 5">
-            <a:extLst>
-              <a:ext uri="{FF2B5EF4-FFF2-40B4-BE49-F238E27FC236}">
-                <a16:creationId xmlns:a16="http://schemas.microsoft.com/office/drawing/2014/main" id="{52DB5FE9-3419-42B3-A309-C6E03F1843BD}"/>
-              </a:ext>
-            </a:extLst>
-          </p:cNvPr>
-          <p:cNvPicPr>
-            <a:picLocks noChangeAspect="1"/>
-          </p:cNvPicPr>
-          <p:nvPr/>
-        </p:nvPicPr>
-        <p:blipFill>
-          <a:blip r:embed="rId4"/>
-          <a:stretch>
-            <a:fillRect/>
-          </a:stretch>
-        </p:blipFill>
-        <p:spPr>
-          <a:xfrm>
-            <a:off x="5448280" y="1443507"/>
-            <a:ext cx="6305847" cy="4243646"/>
-          </a:xfrm>
-          <a:prstGeom prst="rect">
-            <a:avLst/>
-          </a:prstGeom>
-        </p:spPr>
-      </p:pic>
-      <p:sp>
-        <p:nvSpPr>
-          <p:cNvPr id="7" name="TextBox 6">
-            <a:extLst>
-              <a:ext uri="{FF2B5EF4-FFF2-40B4-BE49-F238E27FC236}">
-                <a16:creationId xmlns:a16="http://schemas.microsoft.com/office/drawing/2014/main" id="{D6AA6C75-142A-48C0-8077-7CB047FAC601}"/>
-              </a:ext>
-            </a:extLst>
-          </p:cNvPr>
-          <p:cNvSpPr txBox="1"/>
-          <p:nvPr/>
-        </p:nvSpPr>
-        <p:spPr>
-          <a:xfrm>
-            <a:off x="6210217" y="733004"/>
-            <a:ext cx="4781972" cy="437843"/>
-          </a:xfrm>
-          <a:prstGeom prst="rect">
-            <a:avLst/>
-          </a:prstGeom>
-          <a:noFill/>
-        </p:spPr>
-        <p:txBody>
-          <a:bodyPr wrap="square" rtlCol="0">
-            <a:noAutofit/>
-          </a:bodyPr>
-          <a:lstStyle/>
-          <a:p>
-            <a:r>
-              <a:rPr lang="en-US" sz="1200" dirty="0"/>
-              <a:t>	</a:t>
-            </a:r>
-          </a:p>
-          <a:p>
-            <a:r>
-              <a:rPr lang="en-US" sz="1200" dirty="0"/>
-              <a:t>3. Follow below instruction to connect</a:t>
-            </a:r>
-          </a:p>
-        </p:txBody>
-      </p:sp>
-    </p:spTree>
-    <p:extLst>
-      <p:ext uri="{BB962C8B-B14F-4D97-AF65-F5344CB8AC3E}">
-        <p14:creationId xmlns:p14="http://schemas.microsoft.com/office/powerpoint/2010/main" val="2462188292"/>
       </p:ext>
     </p:extLst>
   </p:cSld>
